--- a/Presentation ML4CHEM project 3 iv MO.pptx
+++ b/Presentation ML4CHEM project 3 iv MO.pptx
@@ -5,15 +5,23 @@
     <p:sldMasterId id="2147483648" r:id="rId1"/>
   </p:sldMasterIdLst>
   <p:notesMasterIdLst>
-    <p:notesMasterId r:id="rId8"/>
+    <p:notesMasterId r:id="rId16"/>
   </p:notesMasterIdLst>
   <p:sldIdLst>
     <p:sldId id="256" r:id="rId2"/>
     <p:sldId id="259" r:id="rId3"/>
     <p:sldId id="257" r:id="rId4"/>
-    <p:sldId id="258" r:id="rId5"/>
-    <p:sldId id="260" r:id="rId6"/>
-    <p:sldId id="261" r:id="rId7"/>
+    <p:sldId id="268" r:id="rId5"/>
+    <p:sldId id="269" r:id="rId6"/>
+    <p:sldId id="266" r:id="rId7"/>
+    <p:sldId id="258" r:id="rId8"/>
+    <p:sldId id="263" r:id="rId9"/>
+    <p:sldId id="270" r:id="rId10"/>
+    <p:sldId id="260" r:id="rId11"/>
+    <p:sldId id="262" r:id="rId12"/>
+    <p:sldId id="264" r:id="rId13"/>
+    <p:sldId id="265" r:id="rId14"/>
+    <p:sldId id="261" r:id="rId15"/>
   </p:sldIdLst>
   <p:sldSz cx="12192000" cy="6858000"/>
   <p:notesSz cx="6858000" cy="9144000"/>
@@ -123,7 +131,7 @@
 <file path=ppt/revisionInfo.xml><?xml version="1.0" encoding="utf-8"?>
 <p1510:revInfo xmlns:a="http://schemas.openxmlformats.org/drawingml/2006/main" xmlns:r="http://schemas.openxmlformats.org/officeDocument/2006/relationships" xmlns:p1510="http://schemas.microsoft.com/office/powerpoint/2015/10/main">
   <p1510:revLst>
-    <p1510:client id="{DD379FBB-3E73-4587-BD40-EF03F6188E68}" v="1" dt="2024-05-24T10:42:36.399"/>
+    <p1510:client id="{DD379FBB-3E73-4587-BD40-EF03F6188E68}" v="419" dt="2024-05-26T17:41:43.952"/>
   </p1510:revLst>
 </p1510:revInfo>
 </file>
@@ -132,13 +140,13 @@
 <pc:chgInfo xmlns:a="http://schemas.openxmlformats.org/drawingml/2006/main" xmlns:r="http://schemas.openxmlformats.org/officeDocument/2006/relationships" xmlns:ac="http://schemas.microsoft.com/office/drawing/2013/main/command" xmlns:pc="http://schemas.microsoft.com/office/powerpoint/2013/main/command">
   <pc:docChgLst>
     <pc:chgData name="Martijn Oele" userId="c93323cb-61ba-4d55-a370-ab980c4c846c" providerId="ADAL" clId="{DD379FBB-3E73-4587-BD40-EF03F6188E68}"/>
-    <pc:docChg chg="undo custSel addSld delSld modSld">
-      <pc:chgData name="Martijn Oele" userId="c93323cb-61ba-4d55-a370-ab980c4c846c" providerId="ADAL" clId="{DD379FBB-3E73-4587-BD40-EF03F6188E68}" dt="2024-05-24T10:42:45.789" v="210" actId="313"/>
+    <pc:docChg chg="undo redo custSel addSld delSld modSld modMainMaster">
+      <pc:chgData name="Martijn Oele" userId="c93323cb-61ba-4d55-a370-ab980c4c846c" providerId="ADAL" clId="{DD379FBB-3E73-4587-BD40-EF03F6188E68}" dt="2024-05-26T17:41:43.952" v="5935"/>
       <pc:docMkLst>
         <pc:docMk/>
       </pc:docMkLst>
       <pc:sldChg chg="modSp new mod">
-        <pc:chgData name="Martijn Oele" userId="c93323cb-61ba-4d55-a370-ab980c4c846c" providerId="ADAL" clId="{DD379FBB-3E73-4587-BD40-EF03F6188E68}" dt="2024-05-24T10:42:01.189" v="209" actId="6549"/>
+        <pc:chgData name="Martijn Oele" userId="c93323cb-61ba-4d55-a370-ab980c4c846c" providerId="ADAL" clId="{DD379FBB-3E73-4587-BD40-EF03F6188E68}" dt="2024-05-26T17:01:36.713" v="4717" actId="6549"/>
         <pc:sldMkLst>
           <pc:docMk/>
           <pc:sldMk cId="1679501174" sldId="256"/>
@@ -152,7 +160,7 @@
           </ac:spMkLst>
         </pc:spChg>
         <pc:spChg chg="mod">
-          <ac:chgData name="Martijn Oele" userId="c93323cb-61ba-4d55-a370-ab980c4c846c" providerId="ADAL" clId="{DD379FBB-3E73-4587-BD40-EF03F6188E68}" dt="2024-05-24T10:42:01.189" v="209" actId="6549"/>
+          <ac:chgData name="Martijn Oele" userId="c93323cb-61ba-4d55-a370-ab980c4c846c" providerId="ADAL" clId="{DD379FBB-3E73-4587-BD40-EF03F6188E68}" dt="2024-05-26T17:01:36.713" v="4717" actId="6549"/>
           <ac:spMkLst>
             <pc:docMk/>
             <pc:sldMk cId="1679501174" sldId="256"/>
@@ -160,35 +168,99 @@
           </ac:spMkLst>
         </pc:spChg>
       </pc:sldChg>
-      <pc:sldChg chg="modSp new mod">
-        <pc:chgData name="Martijn Oele" userId="c93323cb-61ba-4d55-a370-ab980c4c846c" providerId="ADAL" clId="{DD379FBB-3E73-4587-BD40-EF03F6188E68}" dt="2024-05-24T10:38:49.245" v="96" actId="20577"/>
+      <pc:sldChg chg="addSp delSp modSp new mod">
+        <pc:chgData name="Martijn Oele" userId="c93323cb-61ba-4d55-a370-ab980c4c846c" providerId="ADAL" clId="{DD379FBB-3E73-4587-BD40-EF03F6188E68}" dt="2024-05-26T17:38:28.831" v="5891" actId="1076"/>
         <pc:sldMkLst>
           <pc:docMk/>
           <pc:sldMk cId="1093126335" sldId="257"/>
         </pc:sldMkLst>
         <pc:spChg chg="mod">
-          <ac:chgData name="Martijn Oele" userId="c93323cb-61ba-4d55-a370-ab980c4c846c" providerId="ADAL" clId="{DD379FBB-3E73-4587-BD40-EF03F6188E68}" dt="2024-05-24T10:38:49.245" v="96" actId="20577"/>
+          <ac:chgData name="Martijn Oele" userId="c93323cb-61ba-4d55-a370-ab980c4c846c" providerId="ADAL" clId="{DD379FBB-3E73-4587-BD40-EF03F6188E68}" dt="2024-05-26T14:12:38.517" v="3289" actId="20577"/>
           <ac:spMkLst>
             <pc:docMk/>
             <pc:sldMk cId="1093126335" sldId="257"/>
             <ac:spMk id="2" creationId="{B3907F89-3025-8C5B-549A-B4DB454F04E5}"/>
           </ac:spMkLst>
         </pc:spChg>
+        <pc:spChg chg="mod">
+          <ac:chgData name="Martijn Oele" userId="c93323cb-61ba-4d55-a370-ab980c4c846c" providerId="ADAL" clId="{DD379FBB-3E73-4587-BD40-EF03F6188E68}" dt="2024-05-26T15:14:40.310" v="3586" actId="14100"/>
+          <ac:spMkLst>
+            <pc:docMk/>
+            <pc:sldMk cId="1093126335" sldId="257"/>
+            <ac:spMk id="3" creationId="{396148D8-7DF1-3E9E-B780-C87B1772DE3E}"/>
+          </ac:spMkLst>
+        </pc:spChg>
+        <pc:spChg chg="add del mod">
+          <ac:chgData name="Martijn Oele" userId="c93323cb-61ba-4d55-a370-ab980c4c846c" providerId="ADAL" clId="{DD379FBB-3E73-4587-BD40-EF03F6188E68}" dt="2024-05-26T17:32:47.226" v="5816" actId="478"/>
+          <ac:spMkLst>
+            <pc:docMk/>
+            <pc:sldMk cId="1093126335" sldId="257"/>
+            <ac:spMk id="8" creationId="{543414D6-D4DC-5A45-8653-F49A6AD586A1}"/>
+          </ac:spMkLst>
+        </pc:spChg>
+        <pc:spChg chg="add mod">
+          <ac:chgData name="Martijn Oele" userId="c93323cb-61ba-4d55-a370-ab980c4c846c" providerId="ADAL" clId="{DD379FBB-3E73-4587-BD40-EF03F6188E68}" dt="2024-05-26T17:38:28.831" v="5891" actId="1076"/>
+          <ac:spMkLst>
+            <pc:docMk/>
+            <pc:sldMk cId="1093126335" sldId="257"/>
+            <ac:spMk id="10" creationId="{B63503C7-2DDC-F6B2-90D8-5D5B613C5421}"/>
+          </ac:spMkLst>
+        </pc:spChg>
+        <pc:picChg chg="add mod">
+          <ac:chgData name="Martijn Oele" userId="c93323cb-61ba-4d55-a370-ab980c4c846c" providerId="ADAL" clId="{DD379FBB-3E73-4587-BD40-EF03F6188E68}" dt="2024-05-26T15:10:00.764" v="3409" actId="1076"/>
+          <ac:picMkLst>
+            <pc:docMk/>
+            <pc:sldMk cId="1093126335" sldId="257"/>
+            <ac:picMk id="6" creationId="{5F6B589A-16EB-08C2-B180-A999E902A6F8}"/>
+          </ac:picMkLst>
+        </pc:picChg>
+        <pc:picChg chg="add mod">
+          <ac:chgData name="Martijn Oele" userId="c93323cb-61ba-4d55-a370-ab980c4c846c" providerId="ADAL" clId="{DD379FBB-3E73-4587-BD40-EF03F6188E68}" dt="2024-05-26T15:13:55.425" v="3575" actId="1076"/>
+          <ac:picMkLst>
+            <pc:docMk/>
+            <pc:sldMk cId="1093126335" sldId="257"/>
+            <ac:picMk id="1026" creationId="{45747419-47EC-BED1-D454-1D612BB25117}"/>
+          </ac:picMkLst>
+        </pc:picChg>
       </pc:sldChg>
-      <pc:sldChg chg="modSp new mod">
-        <pc:chgData name="Martijn Oele" userId="c93323cb-61ba-4d55-a370-ab980c4c846c" providerId="ADAL" clId="{DD379FBB-3E73-4587-BD40-EF03F6188E68}" dt="2024-05-24T10:38:55.693" v="106" actId="20577"/>
+      <pc:sldChg chg="addSp modSp new mod">
+        <pc:chgData name="Martijn Oele" userId="c93323cb-61ba-4d55-a370-ab980c4c846c" providerId="ADAL" clId="{DD379FBB-3E73-4587-BD40-EF03F6188E68}" dt="2024-05-26T17:38:41.796" v="5895" actId="1076"/>
         <pc:sldMkLst>
           <pc:docMk/>
           <pc:sldMk cId="1203030831" sldId="258"/>
         </pc:sldMkLst>
         <pc:spChg chg="mod">
-          <ac:chgData name="Martijn Oele" userId="c93323cb-61ba-4d55-a370-ab980c4c846c" providerId="ADAL" clId="{DD379FBB-3E73-4587-BD40-EF03F6188E68}" dt="2024-05-24T10:38:55.693" v="106" actId="20577"/>
+          <ac:chgData name="Martijn Oele" userId="c93323cb-61ba-4d55-a370-ab980c4c846c" providerId="ADAL" clId="{DD379FBB-3E73-4587-BD40-EF03F6188E68}" dt="2024-05-24T20:32:49.839" v="384" actId="20577"/>
           <ac:spMkLst>
             <pc:docMk/>
             <pc:sldMk cId="1203030831" sldId="258"/>
             <ac:spMk id="2" creationId="{77862718-CFD6-B214-A48D-A330FF76C39E}"/>
           </ac:spMkLst>
         </pc:spChg>
+        <pc:spChg chg="mod">
+          <ac:chgData name="Martijn Oele" userId="c93323cb-61ba-4d55-a370-ab980c4c846c" providerId="ADAL" clId="{DD379FBB-3E73-4587-BD40-EF03F6188E68}" dt="2024-05-26T17:24:04.862" v="5548" actId="20577"/>
+          <ac:spMkLst>
+            <pc:docMk/>
+            <pc:sldMk cId="1203030831" sldId="258"/>
+            <ac:spMk id="3" creationId="{3FA8F98C-31B4-32EF-0A13-FEE16E046836}"/>
+          </ac:spMkLst>
+        </pc:spChg>
+        <pc:spChg chg="add mod">
+          <ac:chgData name="Martijn Oele" userId="c93323cb-61ba-4d55-a370-ab980c4c846c" providerId="ADAL" clId="{DD379FBB-3E73-4587-BD40-EF03F6188E68}" dt="2024-05-26T17:38:41.796" v="5895" actId="1076"/>
+          <ac:spMkLst>
+            <pc:docMk/>
+            <pc:sldMk cId="1203030831" sldId="258"/>
+            <ac:spMk id="5" creationId="{9A6849E8-61A3-DEB8-52A0-9FAD2947038F}"/>
+          </ac:spMkLst>
+        </pc:spChg>
+        <pc:picChg chg="add mod">
+          <ac:chgData name="Martijn Oele" userId="c93323cb-61ba-4d55-a370-ab980c4c846c" providerId="ADAL" clId="{DD379FBB-3E73-4587-BD40-EF03F6188E68}" dt="2024-05-24T20:33:01.796" v="388" actId="1076"/>
+          <ac:picMkLst>
+            <pc:docMk/>
+            <pc:sldMk cId="1203030831" sldId="258"/>
+            <ac:picMk id="6" creationId="{C4E4CADF-BB5B-DA8F-2165-8AFCC2ED4398}"/>
+          </ac:picMkLst>
+        </pc:picChg>
       </pc:sldChg>
       <pc:sldChg chg="modSp new mod">
         <pc:chgData name="Martijn Oele" userId="c93323cb-61ba-4d55-a370-ab980c4c846c" providerId="ADAL" clId="{DD379FBB-3E73-4587-BD40-EF03F6188E68}" dt="2024-05-24T10:42:45.789" v="210" actId="313"/>
@@ -213,20 +285,92 @@
           </ac:spMkLst>
         </pc:spChg>
       </pc:sldChg>
-      <pc:sldChg chg="modSp new mod">
-        <pc:chgData name="Martijn Oele" userId="c93323cb-61ba-4d55-a370-ab980c4c846c" providerId="ADAL" clId="{DD379FBB-3E73-4587-BD40-EF03F6188E68}" dt="2024-05-24T10:39:08.336" v="132" actId="20577"/>
+      <pc:sldChg chg="addSp delSp modSp new mod">
+        <pc:chgData name="Martijn Oele" userId="c93323cb-61ba-4d55-a370-ab980c4c846c" providerId="ADAL" clId="{DD379FBB-3E73-4587-BD40-EF03F6188E68}" dt="2024-05-25T23:50:15.553" v="3176" actId="14100"/>
         <pc:sldMkLst>
           <pc:docMk/>
           <pc:sldMk cId="250914193" sldId="260"/>
         </pc:sldMkLst>
         <pc:spChg chg="mod">
-          <ac:chgData name="Martijn Oele" userId="c93323cb-61ba-4d55-a370-ab980c4c846c" providerId="ADAL" clId="{DD379FBB-3E73-4587-BD40-EF03F6188E68}" dt="2024-05-24T10:39:08.336" v="132" actId="20577"/>
+          <ac:chgData name="Martijn Oele" userId="c93323cb-61ba-4d55-a370-ab980c4c846c" providerId="ADAL" clId="{DD379FBB-3E73-4587-BD40-EF03F6188E68}" dt="2024-05-24T20:25:12.757" v="225" actId="20577"/>
           <ac:spMkLst>
             <pc:docMk/>
             <pc:sldMk cId="250914193" sldId="260"/>
             <ac:spMk id="2" creationId="{77070BD0-642F-6077-FE6D-BFF56BDB09D0}"/>
           </ac:spMkLst>
         </pc:spChg>
+        <pc:spChg chg="mod ord">
+          <ac:chgData name="Martijn Oele" userId="c93323cb-61ba-4d55-a370-ab980c4c846c" providerId="ADAL" clId="{DD379FBB-3E73-4587-BD40-EF03F6188E68}" dt="2024-05-24T20:54:34.525" v="807" actId="14100"/>
+          <ac:spMkLst>
+            <pc:docMk/>
+            <pc:sldMk cId="250914193" sldId="260"/>
+            <ac:spMk id="3" creationId="{74F18580-2DE9-5712-8526-63A502CE31D1}"/>
+          </ac:spMkLst>
+        </pc:spChg>
+        <pc:spChg chg="add del mod">
+          <ac:chgData name="Martijn Oele" userId="c93323cb-61ba-4d55-a370-ab980c4c846c" providerId="ADAL" clId="{DD379FBB-3E73-4587-BD40-EF03F6188E68}" dt="2024-05-24T20:51:17.412" v="756" actId="21"/>
+          <ac:spMkLst>
+            <pc:docMk/>
+            <pc:sldMk cId="250914193" sldId="260"/>
+            <ac:spMk id="9" creationId="{73A8D156-9604-9266-0249-73E6AA58B9C3}"/>
+          </ac:spMkLst>
+        </pc:spChg>
+        <pc:spChg chg="add del mod">
+          <ac:chgData name="Martijn Oele" userId="c93323cb-61ba-4d55-a370-ab980c4c846c" providerId="ADAL" clId="{DD379FBB-3E73-4587-BD40-EF03F6188E68}" dt="2024-05-24T20:51:17.412" v="756" actId="21"/>
+          <ac:spMkLst>
+            <pc:docMk/>
+            <pc:sldMk cId="250914193" sldId="260"/>
+            <ac:spMk id="16" creationId="{26120E49-8C87-09EC-F91E-E70707D83B28}"/>
+          </ac:spMkLst>
+        </pc:spChg>
+        <pc:picChg chg="add del mod modCrop">
+          <ac:chgData name="Martijn Oele" userId="c93323cb-61ba-4d55-a370-ab980c4c846c" providerId="ADAL" clId="{DD379FBB-3E73-4587-BD40-EF03F6188E68}" dt="2024-05-24T20:32:33.277" v="369" actId="21"/>
+          <ac:picMkLst>
+            <pc:docMk/>
+            <pc:sldMk cId="250914193" sldId="260"/>
+            <ac:picMk id="6" creationId="{C4E4CADF-BB5B-DA8F-2165-8AFCC2ED4398}"/>
+          </ac:picMkLst>
+        </pc:picChg>
+        <pc:picChg chg="add del mod">
+          <ac:chgData name="Martijn Oele" userId="c93323cb-61ba-4d55-a370-ab980c4c846c" providerId="ADAL" clId="{DD379FBB-3E73-4587-BD40-EF03F6188E68}" dt="2024-05-24T20:51:17.412" v="756" actId="21"/>
+          <ac:picMkLst>
+            <pc:docMk/>
+            <pc:sldMk cId="250914193" sldId="260"/>
+            <ac:picMk id="8" creationId="{2399AEDC-8E01-1B29-9E4C-BC9921001BA6}"/>
+          </ac:picMkLst>
+        </pc:picChg>
+        <pc:picChg chg="add mod">
+          <ac:chgData name="Martijn Oele" userId="c93323cb-61ba-4d55-a370-ab980c4c846c" providerId="ADAL" clId="{DD379FBB-3E73-4587-BD40-EF03F6188E68}" dt="2024-05-25T23:50:12.822" v="3175" actId="1076"/>
+          <ac:picMkLst>
+            <pc:docMk/>
+            <pc:sldMk cId="250914193" sldId="260"/>
+            <ac:picMk id="18" creationId="{2FD5667D-3993-25B7-36CF-40512CD69AB8}"/>
+          </ac:picMkLst>
+        </pc:picChg>
+        <pc:picChg chg="add mod">
+          <ac:chgData name="Martijn Oele" userId="c93323cb-61ba-4d55-a370-ab980c4c846c" providerId="ADAL" clId="{DD379FBB-3E73-4587-BD40-EF03F6188E68}" dt="2024-05-25T23:50:15.553" v="3176" actId="14100"/>
+          <ac:picMkLst>
+            <pc:docMk/>
+            <pc:sldMk cId="250914193" sldId="260"/>
+            <ac:picMk id="20" creationId="{37792C86-731B-9943-9274-1510A3360B4E}"/>
+          </ac:picMkLst>
+        </pc:picChg>
+        <pc:cxnChg chg="add del">
+          <ac:chgData name="Martijn Oele" userId="c93323cb-61ba-4d55-a370-ab980c4c846c" providerId="ADAL" clId="{DD379FBB-3E73-4587-BD40-EF03F6188E68}" dt="2024-05-24T20:45:13.357" v="675" actId="11529"/>
+          <ac:cxnSpMkLst>
+            <pc:docMk/>
+            <pc:sldMk cId="250914193" sldId="260"/>
+            <ac:cxnSpMk id="11" creationId="{C7622337-4590-8239-BD8C-E6792CE60501}"/>
+          </ac:cxnSpMkLst>
+        </pc:cxnChg>
+        <pc:cxnChg chg="add del mod">
+          <ac:chgData name="Martijn Oele" userId="c93323cb-61ba-4d55-a370-ab980c4c846c" providerId="ADAL" clId="{DD379FBB-3E73-4587-BD40-EF03F6188E68}" dt="2024-05-24T20:51:17.412" v="756" actId="21"/>
+          <ac:cxnSpMkLst>
+            <pc:docMk/>
+            <pc:sldMk cId="250914193" sldId="260"/>
+            <ac:cxnSpMk id="13" creationId="{E5688140-A4B0-7907-30A9-22F5523C94D9}"/>
+          </ac:cxnSpMkLst>
+        </pc:cxnChg>
       </pc:sldChg>
       <pc:sldChg chg="new del">
         <pc:chgData name="Martijn Oele" userId="c93323cb-61ba-4d55-a370-ab980c4c846c" providerId="ADAL" clId="{DD379FBB-3E73-4587-BD40-EF03F6188E68}" dt="2024-05-24T10:38:15.246" v="9" actId="680"/>
@@ -236,7 +380,7 @@
         </pc:sldMkLst>
       </pc:sldChg>
       <pc:sldChg chg="modSp new mod">
-        <pc:chgData name="Martijn Oele" userId="c93323cb-61ba-4d55-a370-ab980c4c846c" providerId="ADAL" clId="{DD379FBB-3E73-4587-BD40-EF03F6188E68}" dt="2024-05-24T10:39:13.525" v="145" actId="20577"/>
+        <pc:chgData name="Martijn Oele" userId="c93323cb-61ba-4d55-a370-ab980c4c846c" providerId="ADAL" clId="{DD379FBB-3E73-4587-BD40-EF03F6188E68}" dt="2024-05-26T17:30:17.907" v="5807" actId="313"/>
         <pc:sldMkLst>
           <pc:docMk/>
           <pc:sldMk cId="45723674" sldId="261"/>
@@ -247,6 +391,14 @@
             <pc:docMk/>
             <pc:sldMk cId="45723674" sldId="261"/>
             <ac:spMk id="2" creationId="{6E0B2BAC-183F-FDEA-4F6B-83CA3DD18F7E}"/>
+          </ac:spMkLst>
+        </pc:spChg>
+        <pc:spChg chg="mod">
+          <ac:chgData name="Martijn Oele" userId="c93323cb-61ba-4d55-a370-ab980c4c846c" providerId="ADAL" clId="{DD379FBB-3E73-4587-BD40-EF03F6188E68}" dt="2024-05-26T17:30:17.907" v="5807" actId="313"/>
+          <ac:spMkLst>
+            <pc:docMk/>
+            <pc:sldMk cId="45723674" sldId="261"/>
+            <ac:spMk id="3" creationId="{C2C18175-CCF2-1CF8-6CE8-DB1DC03B0095}"/>
           </ac:spMkLst>
         </pc:spChg>
       </pc:sldChg>
@@ -264,6 +416,908 @@
           <pc:sldMk cId="2946605803" sldId="262"/>
         </pc:sldMkLst>
       </pc:sldChg>
+      <pc:sldChg chg="addSp delSp modSp new mod">
+        <pc:chgData name="Martijn Oele" userId="c93323cb-61ba-4d55-a370-ab980c4c846c" providerId="ADAL" clId="{DD379FBB-3E73-4587-BD40-EF03F6188E68}" dt="2024-05-26T17:29:10.608" v="5760" actId="20577"/>
+        <pc:sldMkLst>
+          <pc:docMk/>
+          <pc:sldMk cId="3543060941" sldId="262"/>
+        </pc:sldMkLst>
+        <pc:spChg chg="mod">
+          <ac:chgData name="Martijn Oele" userId="c93323cb-61ba-4d55-a370-ab980c4c846c" providerId="ADAL" clId="{DD379FBB-3E73-4587-BD40-EF03F6188E68}" dt="2024-05-24T20:49:41.063" v="713" actId="20577"/>
+          <ac:spMkLst>
+            <pc:docMk/>
+            <pc:sldMk cId="3543060941" sldId="262"/>
+            <ac:spMk id="2" creationId="{706E3454-06B8-EF39-E069-ABCCBDD771CD}"/>
+          </ac:spMkLst>
+        </pc:spChg>
+        <pc:spChg chg="add del mod">
+          <ac:chgData name="Martijn Oele" userId="c93323cb-61ba-4d55-a370-ab980c4c846c" providerId="ADAL" clId="{DD379FBB-3E73-4587-BD40-EF03F6188E68}" dt="2024-05-26T17:29:10.608" v="5760" actId="20577"/>
+          <ac:spMkLst>
+            <pc:docMk/>
+            <pc:sldMk cId="3543060941" sldId="262"/>
+            <ac:spMk id="3" creationId="{46221F79-A9B0-92AE-4CB6-81272F8DF4AC}"/>
+          </ac:spMkLst>
+        </pc:spChg>
+        <pc:picChg chg="add mod">
+          <ac:chgData name="Martijn Oele" userId="c93323cb-61ba-4d55-a370-ab980c4c846c" providerId="ADAL" clId="{DD379FBB-3E73-4587-BD40-EF03F6188E68}" dt="2024-05-24T20:49:58.464" v="719"/>
+          <ac:picMkLst>
+            <pc:docMk/>
+            <pc:sldMk cId="3543060941" sldId="262"/>
+            <ac:picMk id="6" creationId="{4AB63D8F-F6FE-681E-077C-5C0D214D8A88}"/>
+          </ac:picMkLst>
+        </pc:picChg>
+        <pc:picChg chg="add mod modCrop">
+          <ac:chgData name="Martijn Oele" userId="c93323cb-61ba-4d55-a370-ab980c4c846c" providerId="ADAL" clId="{DD379FBB-3E73-4587-BD40-EF03F6188E68}" dt="2024-05-25T22:22:27.058" v="2484" actId="1076"/>
+          <ac:picMkLst>
+            <pc:docMk/>
+            <pc:sldMk cId="3543060941" sldId="262"/>
+            <ac:picMk id="8" creationId="{D22E9930-E1D4-9B06-BADF-FAEAD17E8A1C}"/>
+          </ac:picMkLst>
+        </pc:picChg>
+      </pc:sldChg>
+      <pc:sldChg chg="addSp modSp new mod">
+        <pc:chgData name="Martijn Oele" userId="c93323cb-61ba-4d55-a370-ab980c4c846c" providerId="ADAL" clId="{DD379FBB-3E73-4587-BD40-EF03F6188E68}" dt="2024-05-26T17:41:29.567" v="5934"/>
+        <pc:sldMkLst>
+          <pc:docMk/>
+          <pc:sldMk cId="2695715349" sldId="263"/>
+        </pc:sldMkLst>
+        <pc:spChg chg="mod">
+          <ac:chgData name="Martijn Oele" userId="c93323cb-61ba-4d55-a370-ab980c4c846c" providerId="ADAL" clId="{DD379FBB-3E73-4587-BD40-EF03F6188E68}" dt="2024-05-24T20:51:00.139" v="753" actId="20577"/>
+          <ac:spMkLst>
+            <pc:docMk/>
+            <pc:sldMk cId="2695715349" sldId="263"/>
+            <ac:spMk id="2" creationId="{5F5652CC-4442-A12C-0590-C548B4A0D171}"/>
+          </ac:spMkLst>
+        </pc:spChg>
+        <pc:spChg chg="mod">
+          <ac:chgData name="Martijn Oele" userId="c93323cb-61ba-4d55-a370-ab980c4c846c" providerId="ADAL" clId="{DD379FBB-3E73-4587-BD40-EF03F6188E68}" dt="2024-05-24T20:51:05.144" v="755" actId="14100"/>
+          <ac:spMkLst>
+            <pc:docMk/>
+            <pc:sldMk cId="2695715349" sldId="263"/>
+            <ac:spMk id="3" creationId="{938DD596-FF1C-BA97-B446-E0DCB7CF7EDC}"/>
+          </ac:spMkLst>
+        </pc:spChg>
+        <pc:spChg chg="add mod">
+          <ac:chgData name="Martijn Oele" userId="c93323cb-61ba-4d55-a370-ab980c4c846c" providerId="ADAL" clId="{DD379FBB-3E73-4587-BD40-EF03F6188E68}" dt="2024-05-26T17:41:29.567" v="5934"/>
+          <ac:spMkLst>
+            <pc:docMk/>
+            <pc:sldMk cId="2695715349" sldId="263"/>
+            <ac:spMk id="5" creationId="{D575FACD-DA5E-0BF0-CC24-F8FBEB4C66E1}"/>
+          </ac:spMkLst>
+        </pc:spChg>
+        <pc:spChg chg="add mod">
+          <ac:chgData name="Martijn Oele" userId="c93323cb-61ba-4d55-a370-ab980c4c846c" providerId="ADAL" clId="{DD379FBB-3E73-4587-BD40-EF03F6188E68}" dt="2024-05-24T20:51:19.212" v="757"/>
+          <ac:spMkLst>
+            <pc:docMk/>
+            <pc:sldMk cId="2695715349" sldId="263"/>
+            <ac:spMk id="9" creationId="{73A8D156-9604-9266-0249-73E6AA58B9C3}"/>
+          </ac:spMkLst>
+        </pc:spChg>
+        <pc:spChg chg="add mod">
+          <ac:chgData name="Martijn Oele" userId="c93323cb-61ba-4d55-a370-ab980c4c846c" providerId="ADAL" clId="{DD379FBB-3E73-4587-BD40-EF03F6188E68}" dt="2024-05-26T14:10:26.925" v="3222" actId="20577"/>
+          <ac:spMkLst>
+            <pc:docMk/>
+            <pc:sldMk cId="2695715349" sldId="263"/>
+            <ac:spMk id="16" creationId="{26120E49-8C87-09EC-F91E-E70707D83B28}"/>
+          </ac:spMkLst>
+        </pc:spChg>
+        <pc:picChg chg="add mod">
+          <ac:chgData name="Martijn Oele" userId="c93323cb-61ba-4d55-a370-ab980c4c846c" providerId="ADAL" clId="{DD379FBB-3E73-4587-BD40-EF03F6188E68}" dt="2024-05-24T20:51:19.212" v="757"/>
+          <ac:picMkLst>
+            <pc:docMk/>
+            <pc:sldMk cId="2695715349" sldId="263"/>
+            <ac:picMk id="8" creationId="{2399AEDC-8E01-1B29-9E4C-BC9921001BA6}"/>
+          </ac:picMkLst>
+        </pc:picChg>
+        <pc:cxnChg chg="add mod">
+          <ac:chgData name="Martijn Oele" userId="c93323cb-61ba-4d55-a370-ab980c4c846c" providerId="ADAL" clId="{DD379FBB-3E73-4587-BD40-EF03F6188E68}" dt="2024-05-24T20:51:19.212" v="757"/>
+          <ac:cxnSpMkLst>
+            <pc:docMk/>
+            <pc:sldMk cId="2695715349" sldId="263"/>
+            <ac:cxnSpMk id="13" creationId="{E5688140-A4B0-7907-30A9-22F5523C94D9}"/>
+          </ac:cxnSpMkLst>
+        </pc:cxnChg>
+      </pc:sldChg>
+      <pc:sldChg chg="addSp delSp modSp new mod setBg delAnim modAnim">
+        <pc:chgData name="Martijn Oele" userId="c93323cb-61ba-4d55-a370-ab980c4c846c" providerId="ADAL" clId="{DD379FBB-3E73-4587-BD40-EF03F6188E68}" dt="2024-05-25T23:56:58.162" v="3219" actId="1076"/>
+        <pc:sldMkLst>
+          <pc:docMk/>
+          <pc:sldMk cId="3345334393" sldId="264"/>
+        </pc:sldMkLst>
+        <pc:spChg chg="mod">
+          <ac:chgData name="Martijn Oele" userId="c93323cb-61ba-4d55-a370-ab980c4c846c" providerId="ADAL" clId="{DD379FBB-3E73-4587-BD40-EF03F6188E68}" dt="2024-05-24T21:39:28.935" v="1245" actId="26606"/>
+          <ac:spMkLst>
+            <pc:docMk/>
+            <pc:sldMk cId="3345334393" sldId="264"/>
+            <ac:spMk id="2" creationId="{BA058534-D929-6E9C-B1E2-E15412974D8A}"/>
+          </ac:spMkLst>
+        </pc:spChg>
+        <pc:spChg chg="mod">
+          <ac:chgData name="Martijn Oele" userId="c93323cb-61ba-4d55-a370-ab980c4c846c" providerId="ADAL" clId="{DD379FBB-3E73-4587-BD40-EF03F6188E68}" dt="2024-05-25T23:56:55.306" v="3217" actId="313"/>
+          <ac:spMkLst>
+            <pc:docMk/>
+            <pc:sldMk cId="3345334393" sldId="264"/>
+            <ac:spMk id="3" creationId="{74E82A4A-73A6-0849-212A-A00E87AE047B}"/>
+          </ac:spMkLst>
+        </pc:spChg>
+        <pc:spChg chg="mod ord">
+          <ac:chgData name="Martijn Oele" userId="c93323cb-61ba-4d55-a370-ab980c4c846c" providerId="ADAL" clId="{DD379FBB-3E73-4587-BD40-EF03F6188E68}" dt="2024-05-24T21:39:28.935" v="1245" actId="26606"/>
+          <ac:spMkLst>
+            <pc:docMk/>
+            <pc:sldMk cId="3345334393" sldId="264"/>
+            <ac:spMk id="4" creationId="{84CAAB2D-6EFC-359E-72C7-792E371BB203}"/>
+          </ac:spMkLst>
+        </pc:spChg>
+        <pc:spChg chg="add del">
+          <ac:chgData name="Martijn Oele" userId="c93323cb-61ba-4d55-a370-ab980c4c846c" providerId="ADAL" clId="{DD379FBB-3E73-4587-BD40-EF03F6188E68}" dt="2024-05-24T21:39:28.935" v="1245" actId="26606"/>
+          <ac:spMkLst>
+            <pc:docMk/>
+            <pc:sldMk cId="3345334393" sldId="264"/>
+            <ac:spMk id="17" creationId="{E817EB35-4D5C-493B-8459-98C99FD1667F}"/>
+          </ac:spMkLst>
+        </pc:spChg>
+        <pc:spChg chg="add del">
+          <ac:chgData name="Martijn Oele" userId="c93323cb-61ba-4d55-a370-ab980c4c846c" providerId="ADAL" clId="{DD379FBB-3E73-4587-BD40-EF03F6188E68}" dt="2024-05-24T21:39:28.935" v="1245" actId="26606"/>
+          <ac:spMkLst>
+            <pc:docMk/>
+            <pc:sldMk cId="3345334393" sldId="264"/>
+            <ac:spMk id="19" creationId="{70BEB1E7-2F88-40BC-B73D-42E5B6F80BFC}"/>
+          </ac:spMkLst>
+        </pc:spChg>
+        <pc:picChg chg="add mod">
+          <ac:chgData name="Martijn Oele" userId="c93323cb-61ba-4d55-a370-ab980c4c846c" providerId="ADAL" clId="{DD379FBB-3E73-4587-BD40-EF03F6188E68}" dt="2024-05-25T22:27:14.330" v="2687" actId="1076"/>
+          <ac:picMkLst>
+            <pc:docMk/>
+            <pc:sldMk cId="3345334393" sldId="264"/>
+            <ac:picMk id="6" creationId="{DAAB3AF9-E852-0FF6-D484-AFA23A85D285}"/>
+          </ac:picMkLst>
+        </pc:picChg>
+        <pc:picChg chg="add mod">
+          <ac:chgData name="Martijn Oele" userId="c93323cb-61ba-4d55-a370-ab980c4c846c" providerId="ADAL" clId="{DD379FBB-3E73-4587-BD40-EF03F6188E68}" dt="2024-05-25T22:27:22.685" v="2688" actId="1076"/>
+          <ac:picMkLst>
+            <pc:docMk/>
+            <pc:sldMk cId="3345334393" sldId="264"/>
+            <ac:picMk id="7" creationId="{421352FA-7DDB-6923-01C3-D0E7CDDDA941}"/>
+          </ac:picMkLst>
+        </pc:picChg>
+        <pc:picChg chg="add mod">
+          <ac:chgData name="Martijn Oele" userId="c93323cb-61ba-4d55-a370-ab980c4c846c" providerId="ADAL" clId="{DD379FBB-3E73-4587-BD40-EF03F6188E68}" dt="2024-05-25T22:27:14.330" v="2687" actId="1076"/>
+          <ac:picMkLst>
+            <pc:docMk/>
+            <pc:sldMk cId="3345334393" sldId="264"/>
+            <ac:picMk id="8" creationId="{06B46E5F-93CC-C14C-7D77-ACE8C7D5CEAB}"/>
+          </ac:picMkLst>
+        </pc:picChg>
+        <pc:picChg chg="add del mod">
+          <ac:chgData name="Martijn Oele" userId="c93323cb-61ba-4d55-a370-ab980c4c846c" providerId="ADAL" clId="{DD379FBB-3E73-4587-BD40-EF03F6188E68}" dt="2024-05-25T22:23:10.119" v="2488" actId="478"/>
+          <ac:picMkLst>
+            <pc:docMk/>
+            <pc:sldMk cId="3345334393" sldId="264"/>
+            <ac:picMk id="10" creationId="{9767C2D6-53DD-3944-80A6-624E83449516}"/>
+          </ac:picMkLst>
+        </pc:picChg>
+        <pc:picChg chg="add mod modCrop">
+          <ac:chgData name="Martijn Oele" userId="c93323cb-61ba-4d55-a370-ab980c4c846c" providerId="ADAL" clId="{DD379FBB-3E73-4587-BD40-EF03F6188E68}" dt="2024-05-25T23:56:58.162" v="3219" actId="1076"/>
+          <ac:picMkLst>
+            <pc:docMk/>
+            <pc:sldMk cId="3345334393" sldId="264"/>
+            <ac:picMk id="11" creationId="{8D57E7C5-FF27-AFC8-31FC-5114B9EE3FE7}"/>
+          </ac:picMkLst>
+        </pc:picChg>
+        <pc:picChg chg="add del mod ord modCrop">
+          <ac:chgData name="Martijn Oele" userId="c93323cb-61ba-4d55-a370-ab980c4c846c" providerId="ADAL" clId="{DD379FBB-3E73-4587-BD40-EF03F6188E68}" dt="2024-05-25T22:25:32.382" v="2635" actId="478"/>
+          <ac:picMkLst>
+            <pc:docMk/>
+            <pc:sldMk cId="3345334393" sldId="264"/>
+            <ac:picMk id="12" creationId="{E1F66EDE-669A-04C0-2E31-58221A75CE4A}"/>
+          </ac:picMkLst>
+        </pc:picChg>
+        <pc:picChg chg="add del mod">
+          <ac:chgData name="Martijn Oele" userId="c93323cb-61ba-4d55-a370-ab980c4c846c" providerId="ADAL" clId="{DD379FBB-3E73-4587-BD40-EF03F6188E68}" dt="2024-05-25T22:23:08.589" v="2487" actId="478"/>
+          <ac:picMkLst>
+            <pc:docMk/>
+            <pc:sldMk cId="3345334393" sldId="264"/>
+            <ac:picMk id="14" creationId="{8E963F1B-75B1-4E74-B2B5-35FE939E2D93}"/>
+          </ac:picMkLst>
+        </pc:picChg>
+      </pc:sldChg>
+      <pc:sldChg chg="addSp delSp modSp new mod delAnim modAnim">
+        <pc:chgData name="Martijn Oele" userId="c93323cb-61ba-4d55-a370-ab980c4c846c" providerId="ADAL" clId="{DD379FBB-3E73-4587-BD40-EF03F6188E68}" dt="2024-05-25T23:49:15.578" v="3162" actId="732"/>
+        <pc:sldMkLst>
+          <pc:docMk/>
+          <pc:sldMk cId="1890579209" sldId="265"/>
+        </pc:sldMkLst>
+        <pc:spChg chg="mod">
+          <ac:chgData name="Martijn Oele" userId="c93323cb-61ba-4d55-a370-ab980c4c846c" providerId="ADAL" clId="{DD379FBB-3E73-4587-BD40-EF03F6188E68}" dt="2024-05-25T22:48:47.113" v="2824" actId="20577"/>
+          <ac:spMkLst>
+            <pc:docMk/>
+            <pc:sldMk cId="1890579209" sldId="265"/>
+            <ac:spMk id="2" creationId="{004B78E0-34CA-A2B0-8ADD-6B617507CE62}"/>
+          </ac:spMkLst>
+        </pc:spChg>
+        <pc:spChg chg="add del mod">
+          <ac:chgData name="Martijn Oele" userId="c93323cb-61ba-4d55-a370-ab980c4c846c" providerId="ADAL" clId="{DD379FBB-3E73-4587-BD40-EF03F6188E68}" dt="2024-05-25T23:48:10.332" v="3159" actId="20577"/>
+          <ac:spMkLst>
+            <pc:docMk/>
+            <pc:sldMk cId="1890579209" sldId="265"/>
+            <ac:spMk id="3" creationId="{C9F76B53-57E9-249C-8608-F3C120DEB857}"/>
+          </ac:spMkLst>
+        </pc:spChg>
+        <pc:spChg chg="add del mod">
+          <ac:chgData name="Martijn Oele" userId="c93323cb-61ba-4d55-a370-ab980c4c846c" providerId="ADAL" clId="{DD379FBB-3E73-4587-BD40-EF03F6188E68}" dt="2024-05-25T22:55:42.371" v="2906" actId="478"/>
+          <ac:spMkLst>
+            <pc:docMk/>
+            <pc:sldMk cId="1890579209" sldId="265"/>
+            <ac:spMk id="7" creationId="{548CEECF-E1B3-681E-3409-A71CBF13ADE4}"/>
+          </ac:spMkLst>
+        </pc:spChg>
+        <pc:spChg chg="add mod">
+          <ac:chgData name="Martijn Oele" userId="c93323cb-61ba-4d55-a370-ab980c4c846c" providerId="ADAL" clId="{DD379FBB-3E73-4587-BD40-EF03F6188E68}" dt="2024-05-25T22:55:41.862" v="2905"/>
+          <ac:spMkLst>
+            <pc:docMk/>
+            <pc:sldMk cId="1890579209" sldId="265"/>
+            <ac:spMk id="9" creationId="{74193DF8-3FD6-56B3-266C-4289F26CA9A6}"/>
+          </ac:spMkLst>
+        </pc:spChg>
+        <pc:spChg chg="add mod">
+          <ac:chgData name="Martijn Oele" userId="c93323cb-61ba-4d55-a370-ab980c4c846c" providerId="ADAL" clId="{DD379FBB-3E73-4587-BD40-EF03F6188E68}" dt="2024-05-25T22:56:10.888" v="2925"/>
+          <ac:spMkLst>
+            <pc:docMk/>
+            <pc:sldMk cId="1890579209" sldId="265"/>
+            <ac:spMk id="11" creationId="{ECDD3FBC-F87A-8B38-48EC-8C81F7068AD9}"/>
+          </ac:spMkLst>
+        </pc:spChg>
+        <pc:spChg chg="add mod ord">
+          <ac:chgData name="Martijn Oele" userId="c93323cb-61ba-4d55-a370-ab980c4c846c" providerId="ADAL" clId="{DD379FBB-3E73-4587-BD40-EF03F6188E68}" dt="2024-05-25T23:36:21.673" v="3084" actId="20577"/>
+          <ac:spMkLst>
+            <pc:docMk/>
+            <pc:sldMk cId="1890579209" sldId="265"/>
+            <ac:spMk id="14" creationId="{51B29492-7268-981A-21FB-702E4FB4D7EF}"/>
+          </ac:spMkLst>
+        </pc:spChg>
+        <pc:picChg chg="add del mod">
+          <ac:chgData name="Martijn Oele" userId="c93323cb-61ba-4d55-a370-ab980c4c846c" providerId="ADAL" clId="{DD379FBB-3E73-4587-BD40-EF03F6188E68}" dt="2024-05-25T23:45:15.119" v="3120" actId="478"/>
+          <ac:picMkLst>
+            <pc:docMk/>
+            <pc:sldMk cId="1890579209" sldId="265"/>
+            <ac:picMk id="6" creationId="{7D1038F7-6E0D-7FE2-8754-6528D3B32DE2}"/>
+          </ac:picMkLst>
+        </pc:picChg>
+        <pc:picChg chg="add mod ord modCrop">
+          <ac:chgData name="Martijn Oele" userId="c93323cb-61ba-4d55-a370-ab980c4c846c" providerId="ADAL" clId="{DD379FBB-3E73-4587-BD40-EF03F6188E68}" dt="2024-05-25T23:48:37.103" v="3160" actId="167"/>
+          <ac:picMkLst>
+            <pc:docMk/>
+            <pc:sldMk cId="1890579209" sldId="265"/>
+            <ac:picMk id="8" creationId="{7D372F08-DCBC-ABDA-5A49-F8CEB6268298}"/>
+          </ac:picMkLst>
+        </pc:picChg>
+        <pc:picChg chg="add del mod">
+          <ac:chgData name="Martijn Oele" userId="c93323cb-61ba-4d55-a370-ab980c4c846c" providerId="ADAL" clId="{DD379FBB-3E73-4587-BD40-EF03F6188E68}" dt="2024-05-25T22:49:10.142" v="2830" actId="478"/>
+          <ac:picMkLst>
+            <pc:docMk/>
+            <pc:sldMk cId="1890579209" sldId="265"/>
+            <ac:picMk id="10" creationId="{0BF97109-0E63-88B9-A3AE-09F1A823786C}"/>
+          </ac:picMkLst>
+        </pc:picChg>
+        <pc:picChg chg="add del mod">
+          <ac:chgData name="Martijn Oele" userId="c93323cb-61ba-4d55-a370-ab980c4c846c" providerId="ADAL" clId="{DD379FBB-3E73-4587-BD40-EF03F6188E68}" dt="2024-05-25T22:49:07.620" v="2829" actId="478"/>
+          <ac:picMkLst>
+            <pc:docMk/>
+            <pc:sldMk cId="1890579209" sldId="265"/>
+            <ac:picMk id="12" creationId="{165E40AA-CE2E-DA1E-FF28-A21E008D61C0}"/>
+          </ac:picMkLst>
+        </pc:picChg>
+        <pc:picChg chg="add mod">
+          <ac:chgData name="Martijn Oele" userId="c93323cb-61ba-4d55-a370-ab980c4c846c" providerId="ADAL" clId="{DD379FBB-3E73-4587-BD40-EF03F6188E68}" dt="2024-05-25T23:34:04.093" v="3066" actId="1076"/>
+          <ac:picMkLst>
+            <pc:docMk/>
+            <pc:sldMk cId="1890579209" sldId="265"/>
+            <ac:picMk id="16" creationId="{2813DE9F-8D64-E0A3-46AE-F0F810183748}"/>
+          </ac:picMkLst>
+        </pc:picChg>
+        <pc:picChg chg="add del mod ord">
+          <ac:chgData name="Martijn Oele" userId="c93323cb-61ba-4d55-a370-ab980c4c846c" providerId="ADAL" clId="{DD379FBB-3E73-4587-BD40-EF03F6188E68}" dt="2024-05-25T23:45:16.065" v="3121" actId="478"/>
+          <ac:picMkLst>
+            <pc:docMk/>
+            <pc:sldMk cId="1890579209" sldId="265"/>
+            <ac:picMk id="18" creationId="{9CF8DA2C-FA0A-1543-ADC3-1AA2CFBB1F04}"/>
+          </ac:picMkLst>
+        </pc:picChg>
+        <pc:picChg chg="add del mod ord">
+          <ac:chgData name="Martijn Oele" userId="c93323cb-61ba-4d55-a370-ab980c4c846c" providerId="ADAL" clId="{DD379FBB-3E73-4587-BD40-EF03F6188E68}" dt="2024-05-25T23:45:16.555" v="3122" actId="478"/>
+          <ac:picMkLst>
+            <pc:docMk/>
+            <pc:sldMk cId="1890579209" sldId="265"/>
+            <ac:picMk id="20" creationId="{C360CC13-6278-5B73-DC12-3CC90499D583}"/>
+          </ac:picMkLst>
+        </pc:picChg>
+        <pc:picChg chg="add mod ord">
+          <ac:chgData name="Martijn Oele" userId="c93323cb-61ba-4d55-a370-ab980c4c846c" providerId="ADAL" clId="{DD379FBB-3E73-4587-BD40-EF03F6188E68}" dt="2024-05-25T23:45:53.538" v="3132" actId="167"/>
+          <ac:picMkLst>
+            <pc:docMk/>
+            <pc:sldMk cId="1890579209" sldId="265"/>
+            <ac:picMk id="22" creationId="{D6123BE2-E721-A2DB-B0D5-2E3B53FA1649}"/>
+          </ac:picMkLst>
+        </pc:picChg>
+        <pc:picChg chg="add mod ord modCrop">
+          <ac:chgData name="Martijn Oele" userId="c93323cb-61ba-4d55-a370-ab980c4c846c" providerId="ADAL" clId="{DD379FBB-3E73-4587-BD40-EF03F6188E68}" dt="2024-05-25T23:49:15.578" v="3162" actId="732"/>
+          <ac:picMkLst>
+            <pc:docMk/>
+            <pc:sldMk cId="1890579209" sldId="265"/>
+            <ac:picMk id="24" creationId="{CA214FB3-A57E-7A1F-7B04-820FB9EBAC72}"/>
+          </ac:picMkLst>
+        </pc:picChg>
+        <pc:picChg chg="add mod ord">
+          <ac:chgData name="Martijn Oele" userId="c93323cb-61ba-4d55-a370-ab980c4c846c" providerId="ADAL" clId="{DD379FBB-3E73-4587-BD40-EF03F6188E68}" dt="2024-05-25T23:46:42.884" v="3141" actId="1076"/>
+          <ac:picMkLst>
+            <pc:docMk/>
+            <pc:sldMk cId="1890579209" sldId="265"/>
+            <ac:picMk id="26" creationId="{F262362F-06AE-D19B-28FB-E6045B54B15B}"/>
+          </ac:picMkLst>
+        </pc:picChg>
+        <pc:picChg chg="add del mod">
+          <ac:chgData name="Martijn Oele" userId="c93323cb-61ba-4d55-a370-ab980c4c846c" providerId="ADAL" clId="{DD379FBB-3E73-4587-BD40-EF03F6188E68}" dt="2024-05-24T21:51:11.123" v="1269" actId="478"/>
+          <ac:picMkLst>
+            <pc:docMk/>
+            <pc:sldMk cId="1890579209" sldId="265"/>
+            <ac:picMk id="1026" creationId="{691E4F1F-65F1-52D3-9B45-BA45B49E7FF5}"/>
+          </ac:picMkLst>
+        </pc:picChg>
+      </pc:sldChg>
+      <pc:sldChg chg="addSp delSp modSp new mod">
+        <pc:chgData name="Martijn Oele" userId="c93323cb-61ba-4d55-a370-ab980c4c846c" providerId="ADAL" clId="{DD379FBB-3E73-4587-BD40-EF03F6188E68}" dt="2024-05-26T17:39:01.786" v="5900"/>
+        <pc:sldMkLst>
+          <pc:docMk/>
+          <pc:sldMk cId="1621567964" sldId="266"/>
+        </pc:sldMkLst>
+        <pc:spChg chg="mod">
+          <ac:chgData name="Martijn Oele" userId="c93323cb-61ba-4d55-a370-ab980c4c846c" providerId="ADAL" clId="{DD379FBB-3E73-4587-BD40-EF03F6188E68}" dt="2024-05-25T22:11:15.405" v="2370" actId="1076"/>
+          <ac:spMkLst>
+            <pc:docMk/>
+            <pc:sldMk cId="1621567964" sldId="266"/>
+            <ac:spMk id="2" creationId="{A42DF64A-4B85-8C85-1DEF-8488280452E6}"/>
+          </ac:spMkLst>
+        </pc:spChg>
+        <pc:spChg chg="mod">
+          <ac:chgData name="Martijn Oele" userId="c93323cb-61ba-4d55-a370-ab980c4c846c" providerId="ADAL" clId="{DD379FBB-3E73-4587-BD40-EF03F6188E68}" dt="2024-05-25T22:13:36.623" v="2411" actId="20577"/>
+          <ac:spMkLst>
+            <pc:docMk/>
+            <pc:sldMk cId="1621567964" sldId="266"/>
+            <ac:spMk id="3" creationId="{6F989400-F9B2-82C0-1534-24CDEA9BC325}"/>
+          </ac:spMkLst>
+        </pc:spChg>
+        <pc:spChg chg="add mod">
+          <ac:chgData name="Martijn Oele" userId="c93323cb-61ba-4d55-a370-ab980c4c846c" providerId="ADAL" clId="{DD379FBB-3E73-4587-BD40-EF03F6188E68}" dt="2024-05-25T22:12:37.706" v="2387" actId="1076"/>
+          <ac:spMkLst>
+            <pc:docMk/>
+            <pc:sldMk cId="1621567964" sldId="266"/>
+            <ac:spMk id="5" creationId="{685ADFFB-61F0-8684-11E8-148B6547615E}"/>
+          </ac:spMkLst>
+        </pc:spChg>
+        <pc:spChg chg="add del mod">
+          <ac:chgData name="Martijn Oele" userId="c93323cb-61ba-4d55-a370-ab980c4c846c" providerId="ADAL" clId="{DD379FBB-3E73-4587-BD40-EF03F6188E68}" dt="2024-05-25T22:10:11.788" v="2318" actId="478"/>
+          <ac:spMkLst>
+            <pc:docMk/>
+            <pc:sldMk cId="1621567964" sldId="266"/>
+            <ac:spMk id="6" creationId="{D060FCA0-33E5-36CD-6119-A31819948D2D}"/>
+          </ac:spMkLst>
+        </pc:spChg>
+        <pc:spChg chg="add mod">
+          <ac:chgData name="Martijn Oele" userId="c93323cb-61ba-4d55-a370-ab980c4c846c" providerId="ADAL" clId="{DD379FBB-3E73-4587-BD40-EF03F6188E68}" dt="2024-05-25T22:13:01.240" v="2390" actId="1076"/>
+          <ac:spMkLst>
+            <pc:docMk/>
+            <pc:sldMk cId="1621567964" sldId="266"/>
+            <ac:spMk id="7" creationId="{516F216A-8FCC-D041-0A06-2C3E2A3E8CF9}"/>
+          </ac:spMkLst>
+        </pc:spChg>
+        <pc:spChg chg="add del">
+          <ac:chgData name="Martijn Oele" userId="c93323cb-61ba-4d55-a370-ab980c4c846c" providerId="ADAL" clId="{DD379FBB-3E73-4587-BD40-EF03F6188E68}" dt="2024-05-25T22:10:41.940" v="2341" actId="11529"/>
+          <ac:spMkLst>
+            <pc:docMk/>
+            <pc:sldMk cId="1621567964" sldId="266"/>
+            <ac:spMk id="8" creationId="{1CC862AA-CA1A-AF13-4FDD-399C8E5707C2}"/>
+          </ac:spMkLst>
+        </pc:spChg>
+        <pc:spChg chg="add del">
+          <ac:chgData name="Martijn Oele" userId="c93323cb-61ba-4d55-a370-ab980c4c846c" providerId="ADAL" clId="{DD379FBB-3E73-4587-BD40-EF03F6188E68}" dt="2024-05-26T17:38:53.692" v="5897" actId="22"/>
+          <ac:spMkLst>
+            <pc:docMk/>
+            <pc:sldMk cId="1621567964" sldId="266"/>
+            <ac:spMk id="8" creationId="{F129FC18-3034-E463-2329-3BE382DCE9C8}"/>
+          </ac:spMkLst>
+        </pc:spChg>
+        <pc:spChg chg="add mod">
+          <ac:chgData name="Martijn Oele" userId="c93323cb-61ba-4d55-a370-ab980c4c846c" providerId="ADAL" clId="{DD379FBB-3E73-4587-BD40-EF03F6188E68}" dt="2024-05-25T22:12:47.666" v="2389" actId="1076"/>
+          <ac:spMkLst>
+            <pc:docMk/>
+            <pc:sldMk cId="1621567964" sldId="266"/>
+            <ac:spMk id="9" creationId="{37BDA8E6-9FF4-2FA3-7855-FBA8D6202E9D}"/>
+          </ac:spMkLst>
+        </pc:spChg>
+        <pc:spChg chg="add mod">
+          <ac:chgData name="Martijn Oele" userId="c93323cb-61ba-4d55-a370-ab980c4c846c" providerId="ADAL" clId="{DD379FBB-3E73-4587-BD40-EF03F6188E68}" dt="2024-05-25T22:13:05.070" v="2391" actId="1076"/>
+          <ac:spMkLst>
+            <pc:docMk/>
+            <pc:sldMk cId="1621567964" sldId="266"/>
+            <ac:spMk id="10" creationId="{C99C7C58-CF5E-2561-A0A0-23F2A00CA430}"/>
+          </ac:spMkLst>
+        </pc:spChg>
+        <pc:spChg chg="add mod">
+          <ac:chgData name="Martijn Oele" userId="c93323cb-61ba-4d55-a370-ab980c4c846c" providerId="ADAL" clId="{DD379FBB-3E73-4587-BD40-EF03F6188E68}" dt="2024-05-25T22:13:09.469" v="2392" actId="1076"/>
+          <ac:spMkLst>
+            <pc:docMk/>
+            <pc:sldMk cId="1621567964" sldId="266"/>
+            <ac:spMk id="11" creationId="{C6C9AE9B-93F2-6C66-54D1-48AFFBC5414F}"/>
+          </ac:spMkLst>
+        </pc:spChg>
+        <pc:spChg chg="add mod">
+          <ac:chgData name="Martijn Oele" userId="c93323cb-61ba-4d55-a370-ab980c4c846c" providerId="ADAL" clId="{DD379FBB-3E73-4587-BD40-EF03F6188E68}" dt="2024-05-25T22:13:29.084" v="2408" actId="1076"/>
+          <ac:spMkLst>
+            <pc:docMk/>
+            <pc:sldMk cId="1621567964" sldId="266"/>
+            <ac:spMk id="12" creationId="{56EDFE54-37D6-C617-4260-09A0E59899E1}"/>
+          </ac:spMkLst>
+        </pc:spChg>
+        <pc:spChg chg="add mod">
+          <ac:chgData name="Martijn Oele" userId="c93323cb-61ba-4d55-a370-ab980c4c846c" providerId="ADAL" clId="{DD379FBB-3E73-4587-BD40-EF03F6188E68}" dt="2024-05-25T22:13:50.170" v="2417" actId="20577"/>
+          <ac:spMkLst>
+            <pc:docMk/>
+            <pc:sldMk cId="1621567964" sldId="266"/>
+            <ac:spMk id="13" creationId="{19F22CEF-AA00-70AA-8481-FDFEC540B69C}"/>
+          </ac:spMkLst>
+        </pc:spChg>
+        <pc:spChg chg="add mod">
+          <ac:chgData name="Martijn Oele" userId="c93323cb-61ba-4d55-a370-ab980c4c846c" providerId="ADAL" clId="{DD379FBB-3E73-4587-BD40-EF03F6188E68}" dt="2024-05-25T22:14:47.394" v="2425" actId="693"/>
+          <ac:spMkLst>
+            <pc:docMk/>
+            <pc:sldMk cId="1621567964" sldId="266"/>
+            <ac:spMk id="14" creationId="{57E207E8-5C6F-E078-4D70-B5E62D087D4E}"/>
+          </ac:spMkLst>
+        </pc:spChg>
+        <pc:spChg chg="add mod">
+          <ac:chgData name="Martijn Oele" userId="c93323cb-61ba-4d55-a370-ab980c4c846c" providerId="ADAL" clId="{DD379FBB-3E73-4587-BD40-EF03F6188E68}" dt="2024-05-25T22:15:18.347" v="2448" actId="1076"/>
+          <ac:spMkLst>
+            <pc:docMk/>
+            <pc:sldMk cId="1621567964" sldId="266"/>
+            <ac:spMk id="16" creationId="{77A24422-D497-47A8-B8C3-D6EBDA22EB3A}"/>
+          </ac:spMkLst>
+        </pc:spChg>
+        <pc:spChg chg="add del">
+          <ac:chgData name="Martijn Oele" userId="c93323cb-61ba-4d55-a370-ab980c4c846c" providerId="ADAL" clId="{DD379FBB-3E73-4587-BD40-EF03F6188E68}" dt="2024-05-26T17:38:55.653" v="5899" actId="22"/>
+          <ac:spMkLst>
+            <pc:docMk/>
+            <pc:sldMk cId="1621567964" sldId="266"/>
+            <ac:spMk id="17" creationId="{A35D8EC0-09D3-21D3-847C-EB6E65D23CAD}"/>
+          </ac:spMkLst>
+        </pc:spChg>
+        <pc:spChg chg="add mod">
+          <ac:chgData name="Martijn Oele" userId="c93323cb-61ba-4d55-a370-ab980c4c846c" providerId="ADAL" clId="{DD379FBB-3E73-4587-BD40-EF03F6188E68}" dt="2024-05-26T17:39:01.786" v="5900"/>
+          <ac:spMkLst>
+            <pc:docMk/>
+            <pc:sldMk cId="1621567964" sldId="266"/>
+            <ac:spMk id="18" creationId="{26130208-D2CE-2969-3A48-FB44BB46EA3B}"/>
+          </ac:spMkLst>
+        </pc:spChg>
+      </pc:sldChg>
+      <pc:sldChg chg="modSp new del mod">
+        <pc:chgData name="Martijn Oele" userId="c93323cb-61ba-4d55-a370-ab980c4c846c" providerId="ADAL" clId="{DD379FBB-3E73-4587-BD40-EF03F6188E68}" dt="2024-05-24T22:41:19.544" v="1804" actId="47"/>
+        <pc:sldMkLst>
+          <pc:docMk/>
+          <pc:sldMk cId="4256118888" sldId="266"/>
+        </pc:sldMkLst>
+        <pc:spChg chg="mod">
+          <ac:chgData name="Martijn Oele" userId="c93323cb-61ba-4d55-a370-ab980c4c846c" providerId="ADAL" clId="{DD379FBB-3E73-4587-BD40-EF03F6188E68}" dt="2024-05-24T22:40:47.297" v="1759" actId="20577"/>
+          <ac:spMkLst>
+            <pc:docMk/>
+            <pc:sldMk cId="4256118888" sldId="266"/>
+            <ac:spMk id="2" creationId="{2DF803C3-B06E-2A9B-273B-221E7EE1D046}"/>
+          </ac:spMkLst>
+        </pc:spChg>
+        <pc:spChg chg="mod">
+          <ac:chgData name="Martijn Oele" userId="c93323cb-61ba-4d55-a370-ab980c4c846c" providerId="ADAL" clId="{DD379FBB-3E73-4587-BD40-EF03F6188E68}" dt="2024-05-24T22:41:13.811" v="1803" actId="20577"/>
+          <ac:spMkLst>
+            <pc:docMk/>
+            <pc:sldMk cId="4256118888" sldId="266"/>
+            <ac:spMk id="3" creationId="{AA8964A1-7E1D-F2C0-195B-F61B224BBE91}"/>
+          </ac:spMkLst>
+        </pc:spChg>
+      </pc:sldChg>
+      <pc:sldChg chg="modSp new del mod">
+        <pc:chgData name="Martijn Oele" userId="c93323cb-61ba-4d55-a370-ab980c4c846c" providerId="ADAL" clId="{DD379FBB-3E73-4587-BD40-EF03F6188E68}" dt="2024-05-26T15:11:08.646" v="3478" actId="47"/>
+        <pc:sldMkLst>
+          <pc:docMk/>
+          <pc:sldMk cId="314554355" sldId="267"/>
+        </pc:sldMkLst>
+        <pc:spChg chg="mod">
+          <ac:chgData name="Martijn Oele" userId="c93323cb-61ba-4d55-a370-ab980c4c846c" providerId="ADAL" clId="{DD379FBB-3E73-4587-BD40-EF03F6188E68}" dt="2024-05-26T14:12:47.753" v="3295" actId="20577"/>
+          <ac:spMkLst>
+            <pc:docMk/>
+            <pc:sldMk cId="314554355" sldId="267"/>
+            <ac:spMk id="2" creationId="{EC3E49E3-7508-A597-DEED-514DA4207951}"/>
+          </ac:spMkLst>
+        </pc:spChg>
+      </pc:sldChg>
+      <pc:sldChg chg="addSp modSp new mod">
+        <pc:chgData name="Martijn Oele" userId="c93323cb-61ba-4d55-a370-ab980c4c846c" providerId="ADAL" clId="{DD379FBB-3E73-4587-BD40-EF03F6188E68}" dt="2024-05-26T17:37:21.070" v="5860" actId="1076"/>
+        <pc:sldMkLst>
+          <pc:docMk/>
+          <pc:sldMk cId="2730127437" sldId="268"/>
+        </pc:sldMkLst>
+        <pc:spChg chg="mod">
+          <ac:chgData name="Martijn Oele" userId="c93323cb-61ba-4d55-a370-ab980c4c846c" providerId="ADAL" clId="{DD379FBB-3E73-4587-BD40-EF03F6188E68}" dt="2024-05-26T14:13:09.851" v="3332" actId="20577"/>
+          <ac:spMkLst>
+            <pc:docMk/>
+            <pc:sldMk cId="2730127437" sldId="268"/>
+            <ac:spMk id="2" creationId="{299CCBCB-C31E-32E7-5757-48BE33D99C87}"/>
+          </ac:spMkLst>
+        </pc:spChg>
+        <pc:spChg chg="mod">
+          <ac:chgData name="Martijn Oele" userId="c93323cb-61ba-4d55-a370-ab980c4c846c" providerId="ADAL" clId="{DD379FBB-3E73-4587-BD40-EF03F6188E68}" dt="2024-05-26T17:02:44.681" v="4731" actId="20577"/>
+          <ac:spMkLst>
+            <pc:docMk/>
+            <pc:sldMk cId="2730127437" sldId="268"/>
+            <ac:spMk id="3" creationId="{F09399BC-C5D0-0AD9-8133-6F4F4AE2DC3A}"/>
+          </ac:spMkLst>
+        </pc:spChg>
+        <pc:spChg chg="add mod">
+          <ac:chgData name="Martijn Oele" userId="c93323cb-61ba-4d55-a370-ab980c4c846c" providerId="ADAL" clId="{DD379FBB-3E73-4587-BD40-EF03F6188E68}" dt="2024-05-26T15:23:38.361" v="3996" actId="20577"/>
+          <ac:spMkLst>
+            <pc:docMk/>
+            <pc:sldMk cId="2730127437" sldId="268"/>
+            <ac:spMk id="6" creationId="{00E93C21-AA7A-3B23-453E-72FB239C47E1}"/>
+          </ac:spMkLst>
+        </pc:spChg>
+        <pc:spChg chg="add mod">
+          <ac:chgData name="Martijn Oele" userId="c93323cb-61ba-4d55-a370-ab980c4c846c" providerId="ADAL" clId="{DD379FBB-3E73-4587-BD40-EF03F6188E68}" dt="2024-05-26T15:32:44.312" v="4082" actId="1076"/>
+          <ac:spMkLst>
+            <pc:docMk/>
+            <pc:sldMk cId="2730127437" sldId="268"/>
+            <ac:spMk id="7" creationId="{B9A28EF1-BF48-9B47-824F-2AE291ED8219}"/>
+          </ac:spMkLst>
+        </pc:spChg>
+        <pc:spChg chg="add mod">
+          <ac:chgData name="Martijn Oele" userId="c93323cb-61ba-4d55-a370-ab980c4c846c" providerId="ADAL" clId="{DD379FBB-3E73-4587-BD40-EF03F6188E68}" dt="2024-05-26T15:34:38.937" v="4097" actId="1076"/>
+          <ac:spMkLst>
+            <pc:docMk/>
+            <pc:sldMk cId="2730127437" sldId="268"/>
+            <ac:spMk id="8" creationId="{F89EF46D-A2AD-99EA-518A-041F4BCC2DF5}"/>
+          </ac:spMkLst>
+        </pc:spChg>
+        <pc:spChg chg="add mod">
+          <ac:chgData name="Martijn Oele" userId="c93323cb-61ba-4d55-a370-ab980c4c846c" providerId="ADAL" clId="{DD379FBB-3E73-4587-BD40-EF03F6188E68}" dt="2024-05-26T15:35:26.880" v="4106" actId="1076"/>
+          <ac:spMkLst>
+            <pc:docMk/>
+            <pc:sldMk cId="2730127437" sldId="268"/>
+            <ac:spMk id="9" creationId="{FB9F1F0F-324C-78C9-C1F9-B665E68BBE25}"/>
+          </ac:spMkLst>
+        </pc:spChg>
+        <pc:spChg chg="add mod">
+          <ac:chgData name="Martijn Oele" userId="c93323cb-61ba-4d55-a370-ab980c4c846c" providerId="ADAL" clId="{DD379FBB-3E73-4587-BD40-EF03F6188E68}" dt="2024-05-26T15:35:32.279" v="4107" actId="1076"/>
+          <ac:spMkLst>
+            <pc:docMk/>
+            <pc:sldMk cId="2730127437" sldId="268"/>
+            <ac:spMk id="10" creationId="{F3D1536F-D69D-C316-05D6-5086791915D6}"/>
+          </ac:spMkLst>
+        </pc:spChg>
+        <pc:spChg chg="add mod">
+          <ac:chgData name="Martijn Oele" userId="c93323cb-61ba-4d55-a370-ab980c4c846c" providerId="ADAL" clId="{DD379FBB-3E73-4587-BD40-EF03F6188E68}" dt="2024-05-26T15:36:50.001" v="4170" actId="1076"/>
+          <ac:spMkLst>
+            <pc:docMk/>
+            <pc:sldMk cId="2730127437" sldId="268"/>
+            <ac:spMk id="12" creationId="{6C7BAB5E-23BF-33D3-ECB3-F353356F9F42}"/>
+          </ac:spMkLst>
+        </pc:spChg>
+        <pc:spChg chg="add mod">
+          <ac:chgData name="Martijn Oele" userId="c93323cb-61ba-4d55-a370-ab980c4c846c" providerId="ADAL" clId="{DD379FBB-3E73-4587-BD40-EF03F6188E68}" dt="2024-05-26T15:36:43.117" v="4168" actId="1076"/>
+          <ac:spMkLst>
+            <pc:docMk/>
+            <pc:sldMk cId="2730127437" sldId="268"/>
+            <ac:spMk id="13" creationId="{B54CCEC4-E101-DF99-EA6A-645FEB47A4D3}"/>
+          </ac:spMkLst>
+        </pc:spChg>
+        <pc:spChg chg="add mod">
+          <ac:chgData name="Martijn Oele" userId="c93323cb-61ba-4d55-a370-ab980c4c846c" providerId="ADAL" clId="{DD379FBB-3E73-4587-BD40-EF03F6188E68}" dt="2024-05-26T17:37:21.070" v="5860" actId="1076"/>
+          <ac:spMkLst>
+            <pc:docMk/>
+            <pc:sldMk cId="2730127437" sldId="268"/>
+            <ac:spMk id="15" creationId="{6402F173-A876-825F-A063-1F2D392A4773}"/>
+          </ac:spMkLst>
+        </pc:spChg>
+        <pc:picChg chg="add mod">
+          <ac:chgData name="Martijn Oele" userId="c93323cb-61ba-4d55-a370-ab980c4c846c" providerId="ADAL" clId="{DD379FBB-3E73-4587-BD40-EF03F6188E68}" dt="2024-05-26T15:23:24.067" v="3979" actId="1076"/>
+          <ac:picMkLst>
+            <pc:docMk/>
+            <pc:sldMk cId="2730127437" sldId="268"/>
+            <ac:picMk id="2050" creationId="{7E102288-5687-1CB6-AEE2-39F11BBD1FA8}"/>
+          </ac:picMkLst>
+        </pc:picChg>
+        <pc:picChg chg="add mod">
+          <ac:chgData name="Martijn Oele" userId="c93323cb-61ba-4d55-a370-ab980c4c846c" providerId="ADAL" clId="{DD379FBB-3E73-4587-BD40-EF03F6188E68}" dt="2024-05-26T15:21:57.620" v="3906" actId="1076"/>
+          <ac:picMkLst>
+            <pc:docMk/>
+            <pc:sldMk cId="2730127437" sldId="268"/>
+            <ac:picMk id="2052" creationId="{986DA139-E74B-A15C-52C9-4A0EE53D61DF}"/>
+          </ac:picMkLst>
+        </pc:picChg>
+      </pc:sldChg>
+      <pc:sldChg chg="addSp delSp modSp new mod">
+        <pc:chgData name="Martijn Oele" userId="c93323cb-61ba-4d55-a370-ab980c4c846c" providerId="ADAL" clId="{DD379FBB-3E73-4587-BD40-EF03F6188E68}" dt="2024-05-26T17:41:13.325" v="5933" actId="1076"/>
+        <pc:sldMkLst>
+          <pc:docMk/>
+          <pc:sldMk cId="3322853809" sldId="269"/>
+        </pc:sldMkLst>
+        <pc:spChg chg="mod">
+          <ac:chgData name="Martijn Oele" userId="c93323cb-61ba-4d55-a370-ab980c4c846c" providerId="ADAL" clId="{DD379FBB-3E73-4587-BD40-EF03F6188E68}" dt="2024-05-26T15:05:35.010" v="3369" actId="20577"/>
+          <ac:spMkLst>
+            <pc:docMk/>
+            <pc:sldMk cId="3322853809" sldId="269"/>
+            <ac:spMk id="2" creationId="{5728056E-A2E9-352C-4E5E-D5D90A044C11}"/>
+          </ac:spMkLst>
+        </pc:spChg>
+        <pc:spChg chg="mod">
+          <ac:chgData name="Martijn Oele" userId="c93323cb-61ba-4d55-a370-ab980c4c846c" providerId="ADAL" clId="{DD379FBB-3E73-4587-BD40-EF03F6188E68}" dt="2024-05-26T17:11:45.474" v="5330" actId="313"/>
+          <ac:spMkLst>
+            <pc:docMk/>
+            <pc:sldMk cId="3322853809" sldId="269"/>
+            <ac:spMk id="3" creationId="{B6708399-0A8E-80DE-2B1D-80AFC9D3D22B}"/>
+          </ac:spMkLst>
+        </pc:spChg>
+        <pc:spChg chg="add del mod">
+          <ac:chgData name="Martijn Oele" userId="c93323cb-61ba-4d55-a370-ab980c4c846c" providerId="ADAL" clId="{DD379FBB-3E73-4587-BD40-EF03F6188E68}" dt="2024-05-26T17:04:14.541" v="4758" actId="21"/>
+          <ac:spMkLst>
+            <pc:docMk/>
+            <pc:sldMk cId="3322853809" sldId="269"/>
+            <ac:spMk id="5" creationId="{9A186B3E-3404-24D8-0794-DCDDA744F16D}"/>
+          </ac:spMkLst>
+        </pc:spChg>
+        <pc:spChg chg="add del mod">
+          <ac:chgData name="Martijn Oele" userId="c93323cb-61ba-4d55-a370-ab980c4c846c" providerId="ADAL" clId="{DD379FBB-3E73-4587-BD40-EF03F6188E68}" dt="2024-05-26T17:04:14.541" v="4758" actId="21"/>
+          <ac:spMkLst>
+            <pc:docMk/>
+            <pc:sldMk cId="3322853809" sldId="269"/>
+            <ac:spMk id="6" creationId="{FD21EFC5-1620-11E5-551C-B8FF00A926EA}"/>
+          </ac:spMkLst>
+        </pc:spChg>
+        <pc:spChg chg="add del mod">
+          <ac:chgData name="Martijn Oele" userId="c93323cb-61ba-4d55-a370-ab980c4c846c" providerId="ADAL" clId="{DD379FBB-3E73-4587-BD40-EF03F6188E68}" dt="2024-05-26T17:04:14.541" v="4758" actId="21"/>
+          <ac:spMkLst>
+            <pc:docMk/>
+            <pc:sldMk cId="3322853809" sldId="269"/>
+            <ac:spMk id="7" creationId="{E655285F-2EF8-6CCB-0989-17D8FEC12057}"/>
+          </ac:spMkLst>
+        </pc:spChg>
+        <pc:spChg chg="add mod">
+          <ac:chgData name="Martijn Oele" userId="c93323cb-61ba-4d55-a370-ab980c4c846c" providerId="ADAL" clId="{DD379FBB-3E73-4587-BD40-EF03F6188E68}" dt="2024-05-26T15:42:37.496" v="4461" actId="571"/>
+          <ac:spMkLst>
+            <pc:docMk/>
+            <pc:sldMk cId="3322853809" sldId="269"/>
+            <ac:spMk id="8" creationId="{CCF1CC25-FEB3-AE4C-6498-96669BFFE0CC}"/>
+          </ac:spMkLst>
+        </pc:spChg>
+        <pc:spChg chg="add mod">
+          <ac:chgData name="Martijn Oele" userId="c93323cb-61ba-4d55-a370-ab980c4c846c" providerId="ADAL" clId="{DD379FBB-3E73-4587-BD40-EF03F6188E68}" dt="2024-05-26T17:13:27.414" v="5360" actId="14100"/>
+          <ac:spMkLst>
+            <pc:docMk/>
+            <pc:sldMk cId="3322853809" sldId="269"/>
+            <ac:spMk id="9" creationId="{E4CE42C4-545F-D4F9-5F45-A23D03BA6056}"/>
+          </ac:spMkLst>
+        </pc:spChg>
+        <pc:spChg chg="add mod">
+          <ac:chgData name="Martijn Oele" userId="c93323cb-61ba-4d55-a370-ab980c4c846c" providerId="ADAL" clId="{DD379FBB-3E73-4587-BD40-EF03F6188E68}" dt="2024-05-26T17:13:23.424" v="5359" actId="571"/>
+          <ac:spMkLst>
+            <pc:docMk/>
+            <pc:sldMk cId="3322853809" sldId="269"/>
+            <ac:spMk id="10" creationId="{2FF5EC32-280A-EE66-DEA6-231292F610B7}"/>
+          </ac:spMkLst>
+        </pc:spChg>
+        <pc:spChg chg="add mod">
+          <ac:chgData name="Martijn Oele" userId="c93323cb-61ba-4d55-a370-ab980c4c846c" providerId="ADAL" clId="{DD379FBB-3E73-4587-BD40-EF03F6188E68}" dt="2024-05-26T17:13:52.561" v="5388" actId="20577"/>
+          <ac:spMkLst>
+            <pc:docMk/>
+            <pc:sldMk cId="3322853809" sldId="269"/>
+            <ac:spMk id="11" creationId="{B0F4BA92-DB93-2D7F-2C93-A8E274F73978}"/>
+          </ac:spMkLst>
+        </pc:spChg>
+        <pc:spChg chg="add mod">
+          <ac:chgData name="Martijn Oele" userId="c93323cb-61ba-4d55-a370-ab980c4c846c" providerId="ADAL" clId="{DD379FBB-3E73-4587-BD40-EF03F6188E68}" dt="2024-05-26T17:14:01.167" v="5389" actId="1076"/>
+          <ac:spMkLst>
+            <pc:docMk/>
+            <pc:sldMk cId="3322853809" sldId="269"/>
+            <ac:spMk id="12" creationId="{EC83B11D-6193-8AC6-5158-C064E967B226}"/>
+          </ac:spMkLst>
+        </pc:spChg>
+        <pc:spChg chg="add mod">
+          <ac:chgData name="Martijn Oele" userId="c93323cb-61ba-4d55-a370-ab980c4c846c" providerId="ADAL" clId="{DD379FBB-3E73-4587-BD40-EF03F6188E68}" dt="2024-05-26T17:18:35.690" v="5433" actId="14100"/>
+          <ac:spMkLst>
+            <pc:docMk/>
+            <pc:sldMk cId="3322853809" sldId="269"/>
+            <ac:spMk id="13" creationId="{C82A913D-33A5-B8D5-83FF-BA09FD9424AC}"/>
+          </ac:spMkLst>
+        </pc:spChg>
+        <pc:spChg chg="add del mod">
+          <ac:chgData name="Martijn Oele" userId="c93323cb-61ba-4d55-a370-ab980c4c846c" providerId="ADAL" clId="{DD379FBB-3E73-4587-BD40-EF03F6188E68}" dt="2024-05-26T17:15:06.825" v="5409" actId="478"/>
+          <ac:spMkLst>
+            <pc:docMk/>
+            <pc:sldMk cId="3322853809" sldId="269"/>
+            <ac:spMk id="14" creationId="{FE74B5C9-77A6-C547-CFCC-652F41720084}"/>
+          </ac:spMkLst>
+        </pc:spChg>
+        <pc:spChg chg="add mod">
+          <ac:chgData name="Martijn Oele" userId="c93323cb-61ba-4d55-a370-ab980c4c846c" providerId="ADAL" clId="{DD379FBB-3E73-4587-BD40-EF03F6188E68}" dt="2024-05-26T17:41:13.325" v="5933" actId="1076"/>
+          <ac:spMkLst>
+            <pc:docMk/>
+            <pc:sldMk cId="3322853809" sldId="269"/>
+            <ac:spMk id="35" creationId="{1872839A-0B90-1F7B-23E9-DB896C195A8B}"/>
+          </ac:spMkLst>
+        </pc:spChg>
+        <pc:cxnChg chg="add del mod">
+          <ac:chgData name="Martijn Oele" userId="c93323cb-61ba-4d55-a370-ab980c4c846c" providerId="ADAL" clId="{DD379FBB-3E73-4587-BD40-EF03F6188E68}" dt="2024-05-26T17:16:30.427" v="5419" actId="478"/>
+          <ac:cxnSpMkLst>
+            <pc:docMk/>
+            <pc:sldMk cId="3322853809" sldId="269"/>
+            <ac:cxnSpMk id="16" creationId="{8E683951-72E0-34DD-C58A-D57D2B665F7E}"/>
+          </ac:cxnSpMkLst>
+        </pc:cxnChg>
+        <pc:cxnChg chg="add mod">
+          <ac:chgData name="Martijn Oele" userId="c93323cb-61ba-4d55-a370-ab980c4c846c" providerId="ADAL" clId="{DD379FBB-3E73-4587-BD40-EF03F6188E68}" dt="2024-05-26T17:16:52.835" v="5424" actId="14100"/>
+          <ac:cxnSpMkLst>
+            <pc:docMk/>
+            <pc:sldMk cId="3322853809" sldId="269"/>
+            <ac:cxnSpMk id="18" creationId="{89C03ABF-7DC4-431E-38B4-9368D6DE6419}"/>
+          </ac:cxnSpMkLst>
+        </pc:cxnChg>
+        <pc:cxnChg chg="add mod">
+          <ac:chgData name="Martijn Oele" userId="c93323cb-61ba-4d55-a370-ab980c4c846c" providerId="ADAL" clId="{DD379FBB-3E73-4587-BD40-EF03F6188E68}" dt="2024-05-26T17:16:56.210" v="5425" actId="14100"/>
+          <ac:cxnSpMkLst>
+            <pc:docMk/>
+            <pc:sldMk cId="3322853809" sldId="269"/>
+            <ac:cxnSpMk id="22" creationId="{9A136E59-2B1C-7AE7-9C2E-9F343EE72E5D}"/>
+          </ac:cxnSpMkLst>
+        </pc:cxnChg>
+        <pc:cxnChg chg="add mod">
+          <ac:chgData name="Martijn Oele" userId="c93323cb-61ba-4d55-a370-ab980c4c846c" providerId="ADAL" clId="{DD379FBB-3E73-4587-BD40-EF03F6188E68}" dt="2024-05-26T17:18:37.807" v="5434" actId="14100"/>
+          <ac:cxnSpMkLst>
+            <pc:docMk/>
+            <pc:sldMk cId="3322853809" sldId="269"/>
+            <ac:cxnSpMk id="24" creationId="{D53A84EB-E411-70A9-C633-8BFC900CA355}"/>
+          </ac:cxnSpMkLst>
+        </pc:cxnChg>
+        <pc:cxnChg chg="add mod">
+          <ac:chgData name="Martijn Oele" userId="c93323cb-61ba-4d55-a370-ab980c4c846c" providerId="ADAL" clId="{DD379FBB-3E73-4587-BD40-EF03F6188E68}" dt="2024-05-26T17:18:14.948" v="5432" actId="208"/>
+          <ac:cxnSpMkLst>
+            <pc:docMk/>
+            <pc:sldMk cId="3322853809" sldId="269"/>
+            <ac:cxnSpMk id="29" creationId="{B201033C-66E2-95FF-7AAC-6EAD08237A4F}"/>
+          </ac:cxnSpMkLst>
+        </pc:cxnChg>
+        <pc:cxnChg chg="add mod">
+          <ac:chgData name="Martijn Oele" userId="c93323cb-61ba-4d55-a370-ab980c4c846c" providerId="ADAL" clId="{DD379FBB-3E73-4587-BD40-EF03F6188E68}" dt="2024-05-26T17:18:14.948" v="5432" actId="208"/>
+          <ac:cxnSpMkLst>
+            <pc:docMk/>
+            <pc:sldMk cId="3322853809" sldId="269"/>
+            <ac:cxnSpMk id="31" creationId="{A18EDAF2-C2C8-6A17-E591-6E3E919D5BF0}"/>
+          </ac:cxnSpMkLst>
+        </pc:cxnChg>
+        <pc:cxnChg chg="add mod">
+          <ac:chgData name="Martijn Oele" userId="c93323cb-61ba-4d55-a370-ab980c4c846c" providerId="ADAL" clId="{DD379FBB-3E73-4587-BD40-EF03F6188E68}" dt="2024-05-26T17:18:14.948" v="5432" actId="208"/>
+          <ac:cxnSpMkLst>
+            <pc:docMk/>
+            <pc:sldMk cId="3322853809" sldId="269"/>
+            <ac:cxnSpMk id="33" creationId="{F9A9BD26-DC5A-3D1A-5CD3-A79EBE0E43E0}"/>
+          </ac:cxnSpMkLst>
+        </pc:cxnChg>
+      </pc:sldChg>
+      <pc:sldChg chg="addSp modSp new mod">
+        <pc:chgData name="Martijn Oele" userId="c93323cb-61ba-4d55-a370-ab980c4c846c" providerId="ADAL" clId="{DD379FBB-3E73-4587-BD40-EF03F6188E68}" dt="2024-05-26T17:41:43.952" v="5935"/>
+        <pc:sldMkLst>
+          <pc:docMk/>
+          <pc:sldMk cId="2212627288" sldId="270"/>
+        </pc:sldMkLst>
+        <pc:spChg chg="mod">
+          <ac:chgData name="Martijn Oele" userId="c93323cb-61ba-4d55-a370-ab980c4c846c" providerId="ADAL" clId="{DD379FBB-3E73-4587-BD40-EF03F6188E68}" dt="2024-05-26T17:03:54.176" v="4755" actId="20577"/>
+          <ac:spMkLst>
+            <pc:docMk/>
+            <pc:sldMk cId="2212627288" sldId="270"/>
+            <ac:spMk id="2" creationId="{9C11D0AD-B29B-1C99-247A-B9993E2EF9AC}"/>
+          </ac:spMkLst>
+        </pc:spChg>
+        <pc:spChg chg="mod">
+          <ac:chgData name="Martijn Oele" userId="c93323cb-61ba-4d55-a370-ab980c4c846c" providerId="ADAL" clId="{DD379FBB-3E73-4587-BD40-EF03F6188E68}" dt="2024-05-26T17:07:42.036" v="5008" actId="14100"/>
+          <ac:spMkLst>
+            <pc:docMk/>
+            <pc:sldMk cId="2212627288" sldId="270"/>
+            <ac:spMk id="3" creationId="{49A4B823-E3A4-D394-5B0D-429CD2F0EF38}"/>
+          </ac:spMkLst>
+        </pc:spChg>
+        <pc:spChg chg="add mod">
+          <ac:chgData name="Martijn Oele" userId="c93323cb-61ba-4d55-a370-ab980c4c846c" providerId="ADAL" clId="{DD379FBB-3E73-4587-BD40-EF03F6188E68}" dt="2024-05-26T17:04:16.447" v="4759"/>
+          <ac:spMkLst>
+            <pc:docMk/>
+            <pc:sldMk cId="2212627288" sldId="270"/>
+            <ac:spMk id="5" creationId="{9A186B3E-3404-24D8-0794-DCDDA744F16D}"/>
+          </ac:spMkLst>
+        </pc:spChg>
+        <pc:spChg chg="add mod">
+          <ac:chgData name="Martijn Oele" userId="c93323cb-61ba-4d55-a370-ab980c4c846c" providerId="ADAL" clId="{DD379FBB-3E73-4587-BD40-EF03F6188E68}" dt="2024-05-26T17:04:16.447" v="4759"/>
+          <ac:spMkLst>
+            <pc:docMk/>
+            <pc:sldMk cId="2212627288" sldId="270"/>
+            <ac:spMk id="6" creationId="{FD21EFC5-1620-11E5-551C-B8FF00A926EA}"/>
+          </ac:spMkLst>
+        </pc:spChg>
+        <pc:spChg chg="add mod">
+          <ac:chgData name="Martijn Oele" userId="c93323cb-61ba-4d55-a370-ab980c4c846c" providerId="ADAL" clId="{DD379FBB-3E73-4587-BD40-EF03F6188E68}" dt="2024-05-26T17:04:16.447" v="4759"/>
+          <ac:spMkLst>
+            <pc:docMk/>
+            <pc:sldMk cId="2212627288" sldId="270"/>
+            <ac:spMk id="7" creationId="{E655285F-2EF8-6CCB-0989-17D8FEC12057}"/>
+          </ac:spMkLst>
+        </pc:spChg>
+        <pc:spChg chg="add mod">
+          <ac:chgData name="Martijn Oele" userId="c93323cb-61ba-4d55-a370-ab980c4c846c" providerId="ADAL" clId="{DD379FBB-3E73-4587-BD40-EF03F6188E68}" dt="2024-05-26T17:41:43.952" v="5935"/>
+          <ac:spMkLst>
+            <pc:docMk/>
+            <pc:sldMk cId="2212627288" sldId="270"/>
+            <ac:spMk id="8" creationId="{868D163C-60F0-07CF-90B9-8C15A9BE270D}"/>
+          </ac:spMkLst>
+        </pc:spChg>
+      </pc:sldChg>
+      <pc:sldMasterChg chg="addSp delSp modSp mod modSldLayout">
+        <pc:chgData name="Martijn Oele" userId="c93323cb-61ba-4d55-a370-ab980c4c846c" providerId="ADAL" clId="{DD379FBB-3E73-4587-BD40-EF03F6188E68}" dt="2024-05-25T22:22:09.567" v="2483" actId="207"/>
+        <pc:sldMasterMkLst>
+          <pc:docMk/>
+          <pc:sldMasterMk cId="1461877949" sldId="2147483648"/>
+        </pc:sldMasterMkLst>
+        <pc:spChg chg="mod">
+          <ac:chgData name="Martijn Oele" userId="c93323cb-61ba-4d55-a370-ab980c4c846c" providerId="ADAL" clId="{DD379FBB-3E73-4587-BD40-EF03F6188E68}" dt="2024-05-25T22:22:09.567" v="2483" actId="207"/>
+          <ac:spMkLst>
+            <pc:docMk/>
+            <pc:sldMasterMk cId="1461877949" sldId="2147483648"/>
+            <ac:spMk id="6" creationId="{44BAB8EE-AFC4-8BE7-BD17-E52BDE1F4785}"/>
+          </ac:spMkLst>
+        </pc:spChg>
+        <pc:spChg chg="add mod ord">
+          <ac:chgData name="Martijn Oele" userId="c93323cb-61ba-4d55-a370-ab980c4c846c" providerId="ADAL" clId="{DD379FBB-3E73-4587-BD40-EF03F6188E68}" dt="2024-05-25T22:21:56.073" v="2481" actId="167"/>
+          <ac:spMkLst>
+            <pc:docMk/>
+            <pc:sldMasterMk cId="1461877949" sldId="2147483648"/>
+            <ac:spMk id="7" creationId="{64F1DF5C-7BEB-DD67-8B60-379FD6ECE4B2}"/>
+          </ac:spMkLst>
+        </pc:spChg>
+        <pc:picChg chg="add del mod">
+          <ac:chgData name="Martijn Oele" userId="c93323cb-61ba-4d55-a370-ab980c4c846c" providerId="ADAL" clId="{DD379FBB-3E73-4587-BD40-EF03F6188E68}" dt="2024-05-25T22:20:38.394" v="2465" actId="478"/>
+          <ac:picMkLst>
+            <pc:docMk/>
+            <pc:sldMasterMk cId="1461877949" sldId="2147483648"/>
+            <ac:picMk id="1026" creationId="{7BFF6B57-D8CA-A393-4F9A-6880AABBA70F}"/>
+          </ac:picMkLst>
+        </pc:picChg>
+        <pc:picChg chg="add mod">
+          <ac:chgData name="Martijn Oele" userId="c93323cb-61ba-4d55-a370-ab980c4c846c" providerId="ADAL" clId="{DD379FBB-3E73-4587-BD40-EF03F6188E68}" dt="2024-05-25T22:21:38.546" v="2478" actId="14100"/>
+          <ac:picMkLst>
+            <pc:docMk/>
+            <pc:sldMasterMk cId="1461877949" sldId="2147483648"/>
+            <ac:picMk id="1028" creationId="{E20ED37F-24D6-F00C-65E8-2502BFA794F4}"/>
+          </ac:picMkLst>
+        </pc:picChg>
+        <pc:sldLayoutChg chg="addSp delSp modSp mod">
+          <pc:chgData name="Martijn Oele" userId="c93323cb-61ba-4d55-a370-ab980c4c846c" providerId="ADAL" clId="{DD379FBB-3E73-4587-BD40-EF03F6188E68}" dt="2024-05-25T22:21:33.489" v="2476" actId="21"/>
+          <pc:sldLayoutMkLst>
+            <pc:docMk/>
+            <pc:sldMasterMk cId="1461877949" sldId="2147483648"/>
+            <pc:sldLayoutMk cId="3596488046" sldId="2147483650"/>
+          </pc:sldLayoutMkLst>
+          <pc:spChg chg="add del mod">
+            <ac:chgData name="Martijn Oele" userId="c93323cb-61ba-4d55-a370-ab980c4c846c" providerId="ADAL" clId="{DD379FBB-3E73-4587-BD40-EF03F6188E68}" dt="2024-05-25T22:21:33.489" v="2476" actId="21"/>
+            <ac:spMkLst>
+              <pc:docMk/>
+              <pc:sldMasterMk cId="1461877949" sldId="2147483648"/>
+              <pc:sldLayoutMk cId="3596488046" sldId="2147483650"/>
+              <ac:spMk id="7" creationId="{64F1DF5C-7BEB-DD67-8B60-379FD6ECE4B2}"/>
+            </ac:spMkLst>
+          </pc:spChg>
+        </pc:sldLayoutChg>
+      </pc:sldMasterChg>
     </pc:docChg>
   </pc:docChgLst>
 </pc:chgInfo>
@@ -351,7 +1405,7 @@
           <a:p>
             <a:fld id="{12BFF7FD-4557-48C6-9510-D3EF284F0BFE}" type="datetimeFigureOut">
               <a:rPr lang="en-NL" smtClean="0"/>
-              <a:t>24/05/2024</a:t>
+              <a:t>26/05/2024</a:t>
             </a:fld>
             <a:endParaRPr lang="en-NL"/>
           </a:p>
@@ -619,6 +1673,90 @@
 </p:notesMaster>
 </file>
 
+<file path=ppt/notesSlides/notesSlide1.xml><?xml version="1.0" encoding="utf-8"?>
+<p:notes xmlns:a="http://schemas.openxmlformats.org/drawingml/2006/main" xmlns:r="http://schemas.openxmlformats.org/officeDocument/2006/relationships" xmlns:p="http://schemas.openxmlformats.org/presentationml/2006/main">
+  <p:cSld>
+    <p:spTree>
+      <p:nvGrpSpPr>
+        <p:cNvPr id="1" name=""/>
+        <p:cNvGrpSpPr/>
+        <p:nvPr/>
+      </p:nvGrpSpPr>
+      <p:grpSpPr>
+        <a:xfrm>
+          <a:off x="0" y="0"/>
+          <a:ext cx="0" cy="0"/>
+          <a:chOff x="0" y="0"/>
+          <a:chExt cx="0" cy="0"/>
+        </a:xfrm>
+      </p:grpSpPr>
+      <p:sp>
+        <p:nvSpPr>
+          <p:cNvPr id="2" name="Slide Image Placeholder 1"/>
+          <p:cNvSpPr>
+            <a:spLocks noGrp="1" noRot="1" noChangeAspect="1"/>
+          </p:cNvSpPr>
+          <p:nvPr>
+            <p:ph type="sldImg"/>
+          </p:nvPr>
+        </p:nvSpPr>
+        <p:spPr/>
+      </p:sp>
+      <p:sp>
+        <p:nvSpPr>
+          <p:cNvPr id="3" name="Notes Placeholder 2"/>
+          <p:cNvSpPr>
+            <a:spLocks noGrp="1"/>
+          </p:cNvSpPr>
+          <p:nvPr>
+            <p:ph type="body" idx="1"/>
+          </p:nvPr>
+        </p:nvSpPr>
+        <p:spPr/>
+        <p:txBody>
+          <a:bodyPr/>
+          <a:lstStyle/>
+          <a:p>
+            <a:endParaRPr lang="en-NL" dirty="0"/>
+          </a:p>
+        </p:txBody>
+      </p:sp>
+      <p:sp>
+        <p:nvSpPr>
+          <p:cNvPr id="4" name="Slide Number Placeholder 3"/>
+          <p:cNvSpPr>
+            <a:spLocks noGrp="1"/>
+          </p:cNvSpPr>
+          <p:nvPr>
+            <p:ph type="sldNum" sz="quarter" idx="5"/>
+          </p:nvPr>
+        </p:nvSpPr>
+        <p:spPr/>
+        <p:txBody>
+          <a:bodyPr/>
+          <a:lstStyle/>
+          <a:p>
+            <a:fld id="{EC0A66E3-4CA2-40AB-9E3E-E1AEDE2EF58A}" type="slidenum">
+              <a:rPr lang="en-NL" smtClean="0"/>
+              <a:t>13</a:t>
+            </a:fld>
+            <a:endParaRPr lang="en-NL"/>
+          </a:p>
+        </p:txBody>
+      </p:sp>
+    </p:spTree>
+    <p:extLst>
+      <p:ext uri="{BB962C8B-B14F-4D97-AF65-F5344CB8AC3E}">
+        <p14:creationId xmlns:p14="http://schemas.microsoft.com/office/powerpoint/2010/main" val="4205426156"/>
+      </p:ext>
+    </p:extLst>
+  </p:cSld>
+  <p:clrMapOvr>
+    <a:masterClrMapping/>
+  </p:clrMapOvr>
+</p:notes>
+</file>
+
 <file path=ppt/slideLayouts/slideLayout1.xml><?xml version="1.0" encoding="utf-8"?>
 <p:sldLayout xmlns:a="http://schemas.openxmlformats.org/drawingml/2006/main" xmlns:r="http://schemas.openxmlformats.org/officeDocument/2006/relationships" xmlns:p="http://schemas.openxmlformats.org/presentationml/2006/main" type="title" preserve="1">
   <p:cSld name="Title Slide">
@@ -768,7 +1906,7 @@
           <a:p>
             <a:fld id="{AB665A03-41AD-4B62-AC5C-7465C7882560}" type="datetime8">
               <a:rPr lang="en-NL" smtClean="0"/>
-              <a:t>24/05/2024 12:46</a:t>
+              <a:t>26/05/2024 16:28</a:t>
             </a:fld>
             <a:endParaRPr lang="en-NL"/>
           </a:p>
@@ -968,7 +2106,7 @@
           <a:p>
             <a:fld id="{D2CE5D1E-AB27-49F4-A71C-FEC85572B4DB}" type="datetime8">
               <a:rPr lang="en-NL" smtClean="0"/>
-              <a:t>24/05/2024 12:46</a:t>
+              <a:t>26/05/2024 16:28</a:t>
             </a:fld>
             <a:endParaRPr lang="en-NL"/>
           </a:p>
@@ -1178,7 +2316,7 @@
           <a:p>
             <a:fld id="{76A2EAB2-EE27-46BB-BE28-C77B15B51583}" type="datetime8">
               <a:rPr lang="en-NL" smtClean="0"/>
-              <a:t>24/05/2024 12:46</a:t>
+              <a:t>26/05/2024 16:28</a:t>
             </a:fld>
             <a:endParaRPr lang="en-NL"/>
           </a:p>
@@ -1378,7 +2516,7 @@
           <a:p>
             <a:fld id="{8799EA89-3441-4AD8-B0E2-81E7F841C0C8}" type="datetime8">
               <a:rPr lang="en-NL" smtClean="0"/>
-              <a:t>24/05/2024 12:46</a:t>
+              <a:t>26/05/2024 16:28</a:t>
             </a:fld>
             <a:endParaRPr lang="en-NL"/>
           </a:p>
@@ -1654,7 +2792,7 @@
           <a:p>
             <a:fld id="{4F3998DE-9D4F-44F0-9753-6EACE41055FB}" type="datetime8">
               <a:rPr lang="en-NL" smtClean="0"/>
-              <a:t>24/05/2024 12:46</a:t>
+              <a:t>26/05/2024 16:28</a:t>
             </a:fld>
             <a:endParaRPr lang="en-NL"/>
           </a:p>
@@ -1922,7 +3060,7 @@
           <a:p>
             <a:fld id="{5D1EF520-AB7E-4799-BAAF-3B4F86507ACA}" type="datetime8">
               <a:rPr lang="en-NL" smtClean="0"/>
-              <a:t>24/05/2024 12:46</a:t>
+              <a:t>26/05/2024 16:28</a:t>
             </a:fld>
             <a:endParaRPr lang="en-NL"/>
           </a:p>
@@ -2337,7 +3475,7 @@
           <a:p>
             <a:fld id="{87FA0F38-53A5-4861-9820-92EC3D8B540C}" type="datetime8">
               <a:rPr lang="en-NL" smtClean="0"/>
-              <a:t>24/05/2024 12:46</a:t>
+              <a:t>26/05/2024 16:28</a:t>
             </a:fld>
             <a:endParaRPr lang="en-NL"/>
           </a:p>
@@ -2479,7 +3617,7 @@
           <a:p>
             <a:fld id="{7610EB54-7389-4689-8909-B219C709D18C}" type="datetime8">
               <a:rPr lang="en-NL" smtClean="0"/>
-              <a:t>24/05/2024 12:46</a:t>
+              <a:t>26/05/2024 16:28</a:t>
             </a:fld>
             <a:endParaRPr lang="en-NL"/>
           </a:p>
@@ -2592,7 +3730,7 @@
           <a:p>
             <a:fld id="{2AF4500C-CAFF-4824-8F4D-B0F9FD41FD6D}" type="datetime8">
               <a:rPr lang="en-NL" smtClean="0"/>
-              <a:t>24/05/2024 12:46</a:t>
+              <a:t>26/05/2024 16:28</a:t>
             </a:fld>
             <a:endParaRPr lang="en-NL"/>
           </a:p>
@@ -2905,7 +4043,7 @@
           <a:p>
             <a:fld id="{79AA8484-8842-4F97-AC0D-29DD15A18A58}" type="datetime8">
               <a:rPr lang="en-NL" smtClean="0"/>
-              <a:t>24/05/2024 12:46</a:t>
+              <a:t>26/05/2024 16:28</a:t>
             </a:fld>
             <a:endParaRPr lang="en-NL"/>
           </a:p>
@@ -3194,7 +4332,7 @@
           <a:p>
             <a:fld id="{A626F83A-E09F-4A05-9B53-A5A1F2928E17}" type="datetime8">
               <a:rPr lang="en-NL" smtClean="0"/>
-              <a:t>24/05/2024 12:46</a:t>
+              <a:t>26/05/2024 16:28</a:t>
             </a:fld>
             <a:endParaRPr lang="en-NL"/>
           </a:p>
@@ -3291,6 +4429,60 @@
       </p:grpSpPr>
       <p:sp>
         <p:nvSpPr>
+          <p:cNvPr id="7" name="Rectangle 6">
+            <a:extLst>
+              <a:ext uri="{FF2B5EF4-FFF2-40B4-BE49-F238E27FC236}">
+                <a16:creationId xmlns:a16="http://schemas.microsoft.com/office/drawing/2014/main" id="{64F1DF5C-7BEB-DD67-8B60-379FD6ECE4B2}"/>
+              </a:ext>
+            </a:extLst>
+          </p:cNvPr>
+          <p:cNvSpPr/>
+          <p:nvPr userDrawn="1"/>
+        </p:nvSpPr>
+        <p:spPr>
+          <a:xfrm>
+            <a:off x="0" y="6356350"/>
+            <a:ext cx="12192000" cy="501650"/>
+          </a:xfrm>
+          <a:prstGeom prst="rect">
+            <a:avLst/>
+          </a:prstGeom>
+          <a:solidFill>
+            <a:schemeClr val="accent5">
+              <a:lumMod val="50000"/>
+            </a:schemeClr>
+          </a:solidFill>
+          <a:ln>
+            <a:noFill/>
+          </a:ln>
+        </p:spPr>
+        <p:style>
+          <a:lnRef idx="2">
+            <a:schemeClr val="accent1">
+              <a:shade val="15000"/>
+            </a:schemeClr>
+          </a:lnRef>
+          <a:fillRef idx="1">
+            <a:schemeClr val="accent1"/>
+          </a:fillRef>
+          <a:effectRef idx="0">
+            <a:schemeClr val="accent1"/>
+          </a:effectRef>
+          <a:fontRef idx="minor">
+            <a:schemeClr val="lt1"/>
+          </a:fontRef>
+        </p:style>
+        <p:txBody>
+          <a:bodyPr rtlCol="0" anchor="ctr"/>
+          <a:lstStyle/>
+          <a:p>
+            <a:pPr algn="ctr"/>
+            <a:endParaRPr lang="en-NL"/>
+          </a:p>
+        </p:txBody>
+      </p:sp>
+      <p:sp>
+        <p:nvSpPr>
           <p:cNvPr id="2" name="Title Placeholder 1">
             <a:extLst>
               <a:ext uri="{FF2B5EF4-FFF2-40B4-BE49-F238E27FC236}">
@@ -3437,7 +4629,7 @@
           <a:p>
             <a:fld id="{4D8F415E-FDEA-4A00-88C3-DBF74FF60C54}" type="datetime8">
               <a:rPr lang="en-NL" smtClean="0"/>
-              <a:t>24/05/2024 12:46</a:t>
+              <a:t>26/05/2024 16:28</a:t>
             </a:fld>
             <a:endParaRPr lang="en-NL"/>
           </a:p>
@@ -3504,7 +4696,7 @@
         </p:nvSpPr>
         <p:spPr>
           <a:xfrm>
-            <a:off x="8610600" y="6356350"/>
+            <a:off x="9175866" y="6424612"/>
             <a:ext cx="2743200" cy="365125"/>
           </a:xfrm>
           <a:prstGeom prst="rect">
@@ -3515,11 +4707,9 @@
           <a:bodyPr vert="horz" lIns="91440" tIns="45720" rIns="91440" bIns="45720" rtlCol="0" anchor="ctr"/>
           <a:lstStyle>
             <a:lvl1pPr algn="r">
-              <a:defRPr sz="1200">
+              <a:defRPr sz="2000">
                 <a:solidFill>
-                  <a:schemeClr val="tx1">
-                    <a:tint val="82000"/>
-                  </a:schemeClr>
+                  <a:schemeClr val="bg1"/>
                 </a:solidFill>
               </a:defRPr>
             </a:lvl1pPr>
@@ -3527,12 +4717,60 @@
           <a:p>
             <a:fld id="{6D8AD5B3-FCFD-4636-963F-AB3B51592AB9}" type="slidenum">
               <a:rPr lang="en-NL" smtClean="0"/>
+              <a:pPr/>
               <a:t>‹#›</a:t>
             </a:fld>
-            <a:endParaRPr lang="en-NL"/>
-          </a:p>
-        </p:txBody>
-      </p:sp>
+            <a:endParaRPr lang="en-NL" dirty="0"/>
+          </a:p>
+        </p:txBody>
+      </p:sp>
+      <p:pic>
+        <p:nvPicPr>
+          <p:cNvPr id="1028" name="Picture 4" descr="Universiteit van Amsterdam - Wikipedia">
+            <a:extLst>
+              <a:ext uri="{FF2B5EF4-FFF2-40B4-BE49-F238E27FC236}">
+                <a16:creationId xmlns:a16="http://schemas.microsoft.com/office/drawing/2014/main" id="{E20ED37F-24D6-F00C-65E8-2502BFA794F4}"/>
+              </a:ext>
+            </a:extLst>
+          </p:cNvPr>
+          <p:cNvPicPr>
+            <a:picLocks noChangeAspect="1" noChangeArrowheads="1"/>
+          </p:cNvPicPr>
+          <p:nvPr userDrawn="1"/>
+        </p:nvPicPr>
+        <p:blipFill>
+          <a:blip r:embed="rId13">
+            <a:extLst>
+              <a:ext uri="{28A0092B-C50C-407E-A947-70E740481C1C}">
+                <a14:useLocalDpi xmlns:a14="http://schemas.microsoft.com/office/drawing/2010/main" val="0"/>
+              </a:ext>
+            </a:extLst>
+          </a:blip>
+          <a:srcRect/>
+          <a:stretch>
+            <a:fillRect/>
+          </a:stretch>
+        </p:blipFill>
+        <p:spPr bwMode="auto">
+          <a:xfrm>
+            <a:off x="1" y="6356350"/>
+            <a:ext cx="501650" cy="501650"/>
+          </a:xfrm>
+          <a:prstGeom prst="rect">
+            <a:avLst/>
+          </a:prstGeom>
+          <a:noFill/>
+          <a:extLst>
+            <a:ext uri="{909E8E84-426E-40DD-AFC4-6F175D3DCCD1}">
+              <a14:hiddenFill xmlns:a14="http://schemas.microsoft.com/office/drawing/2010/main">
+                <a:solidFill>
+                  <a:srgbClr val="FFFFFF"/>
+                </a:solidFill>
+              </a14:hiddenFill>
+            </a:ext>
+          </a:extLst>
+        </p:spPr>
+      </p:pic>
     </p:spTree>
     <p:extLst>
       <p:ext uri="{BB962C8B-B14F-4D97-AF65-F5344CB8AC3E}">
@@ -3911,7 +5149,7 @@
           <a:p>
             <a:r>
               <a:rPr lang="en-US" dirty="0"/>
-              <a:t>Isa Vos &amp; Martijn Oele</a:t>
+              <a:t>Martijn Oele</a:t>
             </a:r>
           </a:p>
           <a:p>
@@ -3981,6 +5219,1774 @@
     <p:extLst>
       <p:ext uri="{BB962C8B-B14F-4D97-AF65-F5344CB8AC3E}">
         <p14:creationId xmlns:p14="http://schemas.microsoft.com/office/powerpoint/2010/main" val="1679501174"/>
+      </p:ext>
+    </p:extLst>
+  </p:cSld>
+  <p:clrMapOvr>
+    <a:masterClrMapping/>
+  </p:clrMapOvr>
+</p:sld>
+</file>
+
+<file path=ppt/slides/slide10.xml><?xml version="1.0" encoding="utf-8"?>
+<p:sld xmlns:a="http://schemas.openxmlformats.org/drawingml/2006/main" xmlns:r="http://schemas.openxmlformats.org/officeDocument/2006/relationships" xmlns:p="http://schemas.openxmlformats.org/presentationml/2006/main">
+  <p:cSld>
+    <p:spTree>
+      <p:nvGrpSpPr>
+        <p:cNvPr id="1" name=""/>
+        <p:cNvGrpSpPr/>
+        <p:nvPr/>
+      </p:nvGrpSpPr>
+      <p:grpSpPr>
+        <a:xfrm>
+          <a:off x="0" y="0"/>
+          <a:ext cx="0" cy="0"/>
+          <a:chOff x="0" y="0"/>
+          <a:chExt cx="0" cy="0"/>
+        </a:xfrm>
+      </p:grpSpPr>
+      <p:sp>
+        <p:nvSpPr>
+          <p:cNvPr id="2" name="Title 1">
+            <a:extLst>
+              <a:ext uri="{FF2B5EF4-FFF2-40B4-BE49-F238E27FC236}">
+                <a16:creationId xmlns:a16="http://schemas.microsoft.com/office/drawing/2014/main" id="{77070BD0-642F-6077-FE6D-BFF56BDB09D0}"/>
+              </a:ext>
+            </a:extLst>
+          </p:cNvPr>
+          <p:cNvSpPr>
+            <a:spLocks noGrp="1"/>
+          </p:cNvSpPr>
+          <p:nvPr>
+            <p:ph type="title"/>
+          </p:nvPr>
+        </p:nvSpPr>
+        <p:spPr/>
+        <p:txBody>
+          <a:bodyPr/>
+          <a:lstStyle/>
+          <a:p>
+            <a:r>
+              <a:rPr lang="en-US" dirty="0"/>
+              <a:t>Results and Discussion – Training</a:t>
+            </a:r>
+            <a:endParaRPr lang="en-NL" dirty="0"/>
+          </a:p>
+        </p:txBody>
+      </p:sp>
+      <p:sp>
+        <p:nvSpPr>
+          <p:cNvPr id="4" name="Slide Number Placeholder 3">
+            <a:extLst>
+              <a:ext uri="{FF2B5EF4-FFF2-40B4-BE49-F238E27FC236}">
+                <a16:creationId xmlns:a16="http://schemas.microsoft.com/office/drawing/2014/main" id="{9B9AD25B-AA33-A060-C45E-A55780D394ED}"/>
+              </a:ext>
+            </a:extLst>
+          </p:cNvPr>
+          <p:cNvSpPr>
+            <a:spLocks noGrp="1"/>
+          </p:cNvSpPr>
+          <p:nvPr>
+            <p:ph type="sldNum" sz="quarter" idx="12"/>
+          </p:nvPr>
+        </p:nvSpPr>
+        <p:spPr/>
+        <p:txBody>
+          <a:bodyPr/>
+          <a:lstStyle/>
+          <a:p>
+            <a:fld id="{6D8AD5B3-FCFD-4636-963F-AB3B51592AB9}" type="slidenum">
+              <a:rPr lang="en-NL" smtClean="0"/>
+              <a:t>10</a:t>
+            </a:fld>
+            <a:endParaRPr lang="en-NL"/>
+          </a:p>
+        </p:txBody>
+      </p:sp>
+      <p:pic>
+        <p:nvPicPr>
+          <p:cNvPr id="18" name="Picture 17" descr="A graph of loss of training&#10;&#10;Description automatically generated">
+            <a:extLst>
+              <a:ext uri="{FF2B5EF4-FFF2-40B4-BE49-F238E27FC236}">
+                <a16:creationId xmlns:a16="http://schemas.microsoft.com/office/drawing/2014/main" id="{2FD5667D-3993-25B7-36CF-40512CD69AB8}"/>
+              </a:ext>
+            </a:extLst>
+          </p:cNvPr>
+          <p:cNvPicPr>
+            <a:picLocks noChangeAspect="1"/>
+          </p:cNvPicPr>
+          <p:nvPr/>
+        </p:nvPicPr>
+        <p:blipFill>
+          <a:blip r:embed="rId2">
+            <a:extLst>
+              <a:ext uri="{28A0092B-C50C-407E-A947-70E740481C1C}">
+                <a14:useLocalDpi xmlns:a14="http://schemas.microsoft.com/office/drawing/2010/main" val="0"/>
+              </a:ext>
+            </a:extLst>
+          </a:blip>
+          <a:stretch>
+            <a:fillRect/>
+          </a:stretch>
+        </p:blipFill>
+        <p:spPr>
+          <a:xfrm>
+            <a:off x="1115165" y="2699543"/>
+            <a:ext cx="4799999" cy="3600000"/>
+          </a:xfrm>
+          <a:prstGeom prst="rect">
+            <a:avLst/>
+          </a:prstGeom>
+        </p:spPr>
+      </p:pic>
+      <p:sp>
+        <p:nvSpPr>
+          <p:cNvPr id="3" name="Content Placeholder 2">
+            <a:extLst>
+              <a:ext uri="{FF2B5EF4-FFF2-40B4-BE49-F238E27FC236}">
+                <a16:creationId xmlns:a16="http://schemas.microsoft.com/office/drawing/2014/main" id="{74F18580-2DE9-5712-8526-63A502CE31D1}"/>
+              </a:ext>
+            </a:extLst>
+          </p:cNvPr>
+          <p:cNvSpPr>
+            <a:spLocks noGrp="1"/>
+          </p:cNvSpPr>
+          <p:nvPr>
+            <p:ph idx="1"/>
+          </p:nvPr>
+        </p:nvSpPr>
+        <p:spPr>
+          <a:xfrm>
+            <a:off x="838199" y="1825625"/>
+            <a:ext cx="11268076" cy="2327276"/>
+          </a:xfrm>
+        </p:spPr>
+        <p:txBody>
+          <a:bodyPr numCol="2">
+            <a:normAutofit/>
+          </a:bodyPr>
+          <a:lstStyle/>
+          <a:p>
+            <a:r>
+              <a:rPr lang="en-US" dirty="0"/>
+              <a:t>50 epochs</a:t>
+            </a:r>
+          </a:p>
+          <a:p>
+            <a:r>
+              <a:rPr lang="en-US" dirty="0"/>
+              <a:t>Batch size of 1536</a:t>
+            </a:r>
+          </a:p>
+          <a:p>
+            <a:endParaRPr lang="en-US" dirty="0"/>
+          </a:p>
+          <a:p>
+            <a:endParaRPr lang="en-US" dirty="0"/>
+          </a:p>
+          <a:p>
+            <a:r>
+              <a:rPr lang="en-US" dirty="0"/>
+              <a:t>Learning rate of 0,001</a:t>
+            </a:r>
+          </a:p>
+          <a:p>
+            <a:r>
+              <a:rPr lang="en-US" dirty="0"/>
+              <a:t>Approximately 2.5 hours (CUDA)</a:t>
+            </a:r>
+          </a:p>
+          <a:p>
+            <a:pPr marL="0" indent="0">
+              <a:buNone/>
+            </a:pPr>
+            <a:endParaRPr lang="en-US" dirty="0"/>
+          </a:p>
+          <a:p>
+            <a:pPr lvl="1"/>
+            <a:endParaRPr lang="en-NL" dirty="0"/>
+          </a:p>
+        </p:txBody>
+      </p:sp>
+      <p:pic>
+        <p:nvPicPr>
+          <p:cNvPr id="20" name="Picture 19" descr="A graph of a graph&#10;&#10;Description automatically generated">
+            <a:extLst>
+              <a:ext uri="{FF2B5EF4-FFF2-40B4-BE49-F238E27FC236}">
+                <a16:creationId xmlns:a16="http://schemas.microsoft.com/office/drawing/2014/main" id="{37792C86-731B-9943-9274-1510A3360B4E}"/>
+              </a:ext>
+            </a:extLst>
+          </p:cNvPr>
+          <p:cNvPicPr>
+            <a:picLocks noChangeAspect="1"/>
+          </p:cNvPicPr>
+          <p:nvPr/>
+        </p:nvPicPr>
+        <p:blipFill>
+          <a:blip r:embed="rId3">
+            <a:extLst>
+              <a:ext uri="{28A0092B-C50C-407E-A947-70E740481C1C}">
+                <a14:useLocalDpi xmlns:a14="http://schemas.microsoft.com/office/drawing/2010/main" val="0"/>
+              </a:ext>
+            </a:extLst>
+          </a:blip>
+          <a:stretch>
+            <a:fillRect/>
+          </a:stretch>
+        </p:blipFill>
+        <p:spPr>
+          <a:xfrm>
+            <a:off x="6472237" y="2699543"/>
+            <a:ext cx="4800000" cy="3600000"/>
+          </a:xfrm>
+          <a:prstGeom prst="rect">
+            <a:avLst/>
+          </a:prstGeom>
+        </p:spPr>
+      </p:pic>
+    </p:spTree>
+    <p:extLst>
+      <p:ext uri="{BB962C8B-B14F-4D97-AF65-F5344CB8AC3E}">
+        <p14:creationId xmlns:p14="http://schemas.microsoft.com/office/powerpoint/2010/main" val="250914193"/>
+      </p:ext>
+    </p:extLst>
+  </p:cSld>
+  <p:clrMapOvr>
+    <a:masterClrMapping/>
+  </p:clrMapOvr>
+</p:sld>
+</file>
+
+<file path=ppt/slides/slide11.xml><?xml version="1.0" encoding="utf-8"?>
+<p:sld xmlns:a="http://schemas.openxmlformats.org/drawingml/2006/main" xmlns:r="http://schemas.openxmlformats.org/officeDocument/2006/relationships" xmlns:p="http://schemas.openxmlformats.org/presentationml/2006/main">
+  <p:cSld>
+    <p:spTree>
+      <p:nvGrpSpPr>
+        <p:cNvPr id="1" name=""/>
+        <p:cNvGrpSpPr/>
+        <p:nvPr/>
+      </p:nvGrpSpPr>
+      <p:grpSpPr>
+        <a:xfrm>
+          <a:off x="0" y="0"/>
+          <a:ext cx="0" cy="0"/>
+          <a:chOff x="0" y="0"/>
+          <a:chExt cx="0" cy="0"/>
+        </a:xfrm>
+      </p:grpSpPr>
+      <p:sp>
+        <p:nvSpPr>
+          <p:cNvPr id="2" name="Title 1">
+            <a:extLst>
+              <a:ext uri="{FF2B5EF4-FFF2-40B4-BE49-F238E27FC236}">
+                <a16:creationId xmlns:a16="http://schemas.microsoft.com/office/drawing/2014/main" id="{706E3454-06B8-EF39-E069-ABCCBDD771CD}"/>
+              </a:ext>
+            </a:extLst>
+          </p:cNvPr>
+          <p:cNvSpPr>
+            <a:spLocks noGrp="1"/>
+          </p:cNvSpPr>
+          <p:nvPr>
+            <p:ph type="title"/>
+          </p:nvPr>
+        </p:nvSpPr>
+        <p:spPr/>
+        <p:txBody>
+          <a:bodyPr/>
+          <a:lstStyle/>
+          <a:p>
+            <a:r>
+              <a:rPr lang="en-US" dirty="0"/>
+              <a:t>Results and Discussion – Sampling</a:t>
+            </a:r>
+            <a:endParaRPr lang="en-NL" dirty="0"/>
+          </a:p>
+        </p:txBody>
+      </p:sp>
+      <p:sp>
+        <p:nvSpPr>
+          <p:cNvPr id="3" name="Content Placeholder 2">
+            <a:extLst>
+              <a:ext uri="{FF2B5EF4-FFF2-40B4-BE49-F238E27FC236}">
+                <a16:creationId xmlns:a16="http://schemas.microsoft.com/office/drawing/2014/main" id="{46221F79-A9B0-92AE-4CB6-81272F8DF4AC}"/>
+              </a:ext>
+            </a:extLst>
+          </p:cNvPr>
+          <p:cNvSpPr>
+            <a:spLocks noGrp="1"/>
+          </p:cNvSpPr>
+          <p:nvPr>
+            <p:ph idx="1"/>
+          </p:nvPr>
+        </p:nvSpPr>
+        <p:spPr>
+          <a:xfrm>
+            <a:off x="838200" y="1825625"/>
+            <a:ext cx="5157371" cy="4351338"/>
+          </a:xfrm>
+        </p:spPr>
+        <p:txBody>
+          <a:bodyPr/>
+          <a:lstStyle/>
+          <a:p>
+            <a:r>
+              <a:rPr lang="en-US" dirty="0"/>
+              <a:t>~85% valid smiles (n=10 000)</a:t>
+            </a:r>
+          </a:p>
+          <a:p>
+            <a:pPr lvl="1"/>
+            <a:r>
+              <a:rPr lang="en-US" dirty="0"/>
+              <a:t>Temperature</a:t>
+            </a:r>
+          </a:p>
+          <a:p>
+            <a:pPr lvl="2"/>
+            <a:r>
+              <a:rPr lang="en-US" dirty="0"/>
+              <a:t>Higher less valid smiles</a:t>
+            </a:r>
+          </a:p>
+          <a:p>
+            <a:pPr lvl="2"/>
+            <a:r>
+              <a:rPr lang="en-US" dirty="0"/>
+              <a:t>Lower less more smiles</a:t>
+            </a:r>
+          </a:p>
+          <a:p>
+            <a:pPr lvl="2"/>
+            <a:r>
+              <a:rPr lang="en-US" dirty="0"/>
+              <a:t>Temperature of 1 used</a:t>
+            </a:r>
+          </a:p>
+          <a:p>
+            <a:r>
+              <a:rPr lang="en-US" dirty="0"/>
+              <a:t>2 sec to sample 1 000 smiles</a:t>
+            </a:r>
+          </a:p>
+          <a:p>
+            <a:r>
+              <a:rPr lang="en-US" dirty="0"/>
+              <a:t>Hidden and cell state (h and C)</a:t>
+            </a:r>
+          </a:p>
+          <a:p>
+            <a:pPr lvl="1"/>
+            <a:r>
+              <a:rPr lang="en-US" dirty="0"/>
+              <a:t>Passed during the sequencing</a:t>
+            </a:r>
+          </a:p>
+          <a:p>
+            <a:pPr lvl="1"/>
+            <a:r>
+              <a:rPr lang="en-US" dirty="0"/>
+              <a:t>Passing between sequences gave empty string</a:t>
+            </a:r>
+          </a:p>
+          <a:p>
+            <a:endParaRPr lang="en-NL" dirty="0"/>
+          </a:p>
+        </p:txBody>
+      </p:sp>
+      <p:sp>
+        <p:nvSpPr>
+          <p:cNvPr id="4" name="Slide Number Placeholder 3">
+            <a:extLst>
+              <a:ext uri="{FF2B5EF4-FFF2-40B4-BE49-F238E27FC236}">
+                <a16:creationId xmlns:a16="http://schemas.microsoft.com/office/drawing/2014/main" id="{70093C22-37D4-E198-A863-68F60B6F0FBD}"/>
+              </a:ext>
+            </a:extLst>
+          </p:cNvPr>
+          <p:cNvSpPr>
+            <a:spLocks noGrp="1"/>
+          </p:cNvSpPr>
+          <p:nvPr>
+            <p:ph type="sldNum" sz="quarter" idx="12"/>
+          </p:nvPr>
+        </p:nvSpPr>
+        <p:spPr/>
+        <p:txBody>
+          <a:bodyPr/>
+          <a:lstStyle/>
+          <a:p>
+            <a:fld id="{6D8AD5B3-FCFD-4636-963F-AB3B51592AB9}" type="slidenum">
+              <a:rPr lang="en-NL" smtClean="0"/>
+              <a:t>11</a:t>
+            </a:fld>
+            <a:endParaRPr lang="en-NL"/>
+          </a:p>
+        </p:txBody>
+      </p:sp>
+      <p:pic>
+        <p:nvPicPr>
+          <p:cNvPr id="8" name="Picture 7" descr="A group of black hexagons&#10;&#10;Description automatically generated">
+            <a:extLst>
+              <a:ext uri="{FF2B5EF4-FFF2-40B4-BE49-F238E27FC236}">
+                <a16:creationId xmlns:a16="http://schemas.microsoft.com/office/drawing/2014/main" id="{D22E9930-E1D4-9B06-BADF-FAEAD17E8A1C}"/>
+              </a:ext>
+            </a:extLst>
+          </p:cNvPr>
+          <p:cNvPicPr>
+            <a:picLocks noChangeAspect="1"/>
+          </p:cNvPicPr>
+          <p:nvPr/>
+        </p:nvPicPr>
+        <p:blipFill rotWithShape="1">
+          <a:blip r:embed="rId2">
+            <a:extLst>
+              <a:ext uri="{28A0092B-C50C-407E-A947-70E740481C1C}">
+                <a14:useLocalDpi xmlns:a14="http://schemas.microsoft.com/office/drawing/2010/main" val="0"/>
+              </a:ext>
+            </a:extLst>
+          </a:blip>
+          <a:srcRect t="8333" b="8779"/>
+          <a:stretch/>
+        </p:blipFill>
+        <p:spPr>
+          <a:xfrm>
+            <a:off x="5995571" y="1369905"/>
+            <a:ext cx="5998452" cy="4972050"/>
+          </a:xfrm>
+          <a:prstGeom prst="rect">
+            <a:avLst/>
+          </a:prstGeom>
+        </p:spPr>
+      </p:pic>
+    </p:spTree>
+    <p:extLst>
+      <p:ext uri="{BB962C8B-B14F-4D97-AF65-F5344CB8AC3E}">
+        <p14:creationId xmlns:p14="http://schemas.microsoft.com/office/powerpoint/2010/main" val="3543060941"/>
+      </p:ext>
+    </p:extLst>
+  </p:cSld>
+  <p:clrMapOvr>
+    <a:masterClrMapping/>
+  </p:clrMapOvr>
+</p:sld>
+</file>
+
+<file path=ppt/slides/slide12.xml><?xml version="1.0" encoding="utf-8"?>
+<p:sld xmlns:a="http://schemas.openxmlformats.org/drawingml/2006/main" xmlns:r="http://schemas.openxmlformats.org/officeDocument/2006/relationships" xmlns:p="http://schemas.openxmlformats.org/presentationml/2006/main">
+  <p:cSld>
+    <p:spTree>
+      <p:nvGrpSpPr>
+        <p:cNvPr id="1" name=""/>
+        <p:cNvGrpSpPr/>
+        <p:nvPr/>
+      </p:nvGrpSpPr>
+      <p:grpSpPr>
+        <a:xfrm>
+          <a:off x="0" y="0"/>
+          <a:ext cx="0" cy="0"/>
+          <a:chOff x="0" y="0"/>
+          <a:chExt cx="0" cy="0"/>
+        </a:xfrm>
+      </p:grpSpPr>
+      <p:sp>
+        <p:nvSpPr>
+          <p:cNvPr id="2" name="Title 1">
+            <a:extLst>
+              <a:ext uri="{FF2B5EF4-FFF2-40B4-BE49-F238E27FC236}">
+                <a16:creationId xmlns:a16="http://schemas.microsoft.com/office/drawing/2014/main" id="{BA058534-D929-6E9C-B1E2-E15412974D8A}"/>
+              </a:ext>
+            </a:extLst>
+          </p:cNvPr>
+          <p:cNvSpPr>
+            <a:spLocks noGrp="1"/>
+          </p:cNvSpPr>
+          <p:nvPr>
+            <p:ph type="title"/>
+          </p:nvPr>
+        </p:nvSpPr>
+        <p:spPr/>
+        <p:txBody>
+          <a:bodyPr/>
+          <a:lstStyle/>
+          <a:p>
+            <a:r>
+              <a:rPr lang="en-US" dirty="0"/>
+              <a:t>Results and Discussion</a:t>
+            </a:r>
+            <a:br>
+              <a:rPr lang="en-US" dirty="0"/>
+            </a:br>
+            <a:r>
+              <a:rPr lang="en-US" dirty="0"/>
+              <a:t>RL </a:t>
+            </a:r>
+            <a:r>
+              <a:rPr lang="en-US" dirty="0" err="1"/>
+              <a:t>logp</a:t>
+            </a:r>
+            <a:endParaRPr lang="en-NL" dirty="0"/>
+          </a:p>
+        </p:txBody>
+      </p:sp>
+      <p:sp>
+        <p:nvSpPr>
+          <p:cNvPr id="3" name="Content Placeholder 2">
+            <a:extLst>
+              <a:ext uri="{FF2B5EF4-FFF2-40B4-BE49-F238E27FC236}">
+                <a16:creationId xmlns:a16="http://schemas.microsoft.com/office/drawing/2014/main" id="{74E82A4A-73A6-0849-212A-A00E87AE047B}"/>
+              </a:ext>
+            </a:extLst>
+          </p:cNvPr>
+          <p:cNvSpPr>
+            <a:spLocks noGrp="1"/>
+          </p:cNvSpPr>
+          <p:nvPr>
+            <p:ph idx="1"/>
+          </p:nvPr>
+        </p:nvSpPr>
+        <p:spPr>
+          <a:xfrm>
+            <a:off x="838200" y="1825625"/>
+            <a:ext cx="4405604" cy="4667250"/>
+          </a:xfrm>
+        </p:spPr>
+        <p:txBody>
+          <a:bodyPr>
+            <a:normAutofit lnSpcReduction="10000"/>
+          </a:bodyPr>
+          <a:lstStyle/>
+          <a:p>
+            <a:r>
+              <a:rPr lang="en-US" dirty="0"/>
+              <a:t>Reinforced learning</a:t>
+            </a:r>
+          </a:p>
+          <a:p>
+            <a:pPr lvl="1"/>
+            <a:r>
+              <a:rPr lang="en-US" dirty="0"/>
+              <a:t>Target </a:t>
+            </a:r>
+            <a:r>
+              <a:rPr lang="en-US" dirty="0" err="1"/>
+              <a:t>logp</a:t>
+            </a:r>
+            <a:r>
+              <a:rPr lang="en-US" dirty="0"/>
+              <a:t> = 6</a:t>
+            </a:r>
+          </a:p>
+          <a:p>
+            <a:pPr lvl="1"/>
+            <a:r>
+              <a:rPr lang="en-US" dirty="0"/>
+              <a:t>20 iterations</a:t>
+            </a:r>
+          </a:p>
+          <a:p>
+            <a:pPr lvl="2"/>
+            <a:r>
+              <a:rPr lang="en-US" dirty="0"/>
+              <a:t>Learning rate: 0,000 01</a:t>
+            </a:r>
+          </a:p>
+          <a:p>
+            <a:pPr lvl="2"/>
+            <a:r>
+              <a:rPr lang="en-US" dirty="0"/>
+              <a:t>Generate 1 000 smiles</a:t>
+            </a:r>
+          </a:p>
+          <a:p>
+            <a:pPr lvl="2"/>
+            <a:r>
+              <a:rPr lang="en-US" dirty="0"/>
+              <a:t>10 epochs</a:t>
+            </a:r>
+          </a:p>
+          <a:p>
+            <a:pPr lvl="1"/>
+            <a:r>
+              <a:rPr lang="en-US" dirty="0"/>
+              <a:t>Multiply loss times a penalty</a:t>
+            </a:r>
+          </a:p>
+          <a:p>
+            <a:pPr lvl="2"/>
+            <a:r>
+              <a:rPr lang="en-US" dirty="0"/>
+              <a:t>Between 0,5 and 1,5</a:t>
+            </a:r>
+          </a:p>
+          <a:p>
+            <a:pPr lvl="2"/>
+            <a:r>
+              <a:rPr lang="en-US" dirty="0"/>
+              <a:t>Scaled</a:t>
+            </a:r>
+          </a:p>
+          <a:p>
+            <a:r>
+              <a:rPr lang="en-US" dirty="0"/>
+              <a:t>Valid smiles drops ~30%</a:t>
+            </a:r>
+          </a:p>
+          <a:p>
+            <a:pPr lvl="1"/>
+            <a:r>
+              <a:rPr lang="en-US" dirty="0"/>
+              <a:t>Sensitive to learning rate</a:t>
+            </a:r>
+          </a:p>
+          <a:p>
+            <a:pPr lvl="1"/>
+            <a:r>
+              <a:rPr lang="en-US" dirty="0"/>
+              <a:t>Can be further optimized</a:t>
+            </a:r>
+          </a:p>
+        </p:txBody>
+      </p:sp>
+      <p:sp>
+        <p:nvSpPr>
+          <p:cNvPr id="4" name="Slide Number Placeholder 3">
+            <a:extLst>
+              <a:ext uri="{FF2B5EF4-FFF2-40B4-BE49-F238E27FC236}">
+                <a16:creationId xmlns:a16="http://schemas.microsoft.com/office/drawing/2014/main" id="{84CAAB2D-6EFC-359E-72C7-792E371BB203}"/>
+              </a:ext>
+            </a:extLst>
+          </p:cNvPr>
+          <p:cNvSpPr>
+            <a:spLocks noGrp="1"/>
+          </p:cNvSpPr>
+          <p:nvPr>
+            <p:ph type="sldNum" sz="quarter" idx="12"/>
+          </p:nvPr>
+        </p:nvSpPr>
+        <p:spPr/>
+        <p:txBody>
+          <a:bodyPr/>
+          <a:lstStyle/>
+          <a:p>
+            <a:fld id="{6D8AD5B3-FCFD-4636-963F-AB3B51592AB9}" type="slidenum">
+              <a:rPr lang="en-NL" smtClean="0"/>
+              <a:t>12</a:t>
+            </a:fld>
+            <a:endParaRPr lang="en-NL"/>
+          </a:p>
+        </p:txBody>
+      </p:sp>
+      <p:pic>
+        <p:nvPicPr>
+          <p:cNvPr id="6" name="Picture 5" descr="A graph of a blue line&#10;&#10;Description automatically generated with medium confidence">
+            <a:extLst>
+              <a:ext uri="{FF2B5EF4-FFF2-40B4-BE49-F238E27FC236}">
+                <a16:creationId xmlns:a16="http://schemas.microsoft.com/office/drawing/2014/main" id="{DAAB3AF9-E852-0FF6-D484-AFA23A85D285}"/>
+              </a:ext>
+            </a:extLst>
+          </p:cNvPr>
+          <p:cNvPicPr>
+            <a:picLocks noChangeAspect="1"/>
+          </p:cNvPicPr>
+          <p:nvPr/>
+        </p:nvPicPr>
+        <p:blipFill>
+          <a:blip r:embed="rId2">
+            <a:extLst>
+              <a:ext uri="{28A0092B-C50C-407E-A947-70E740481C1C}">
+                <a14:useLocalDpi xmlns:a14="http://schemas.microsoft.com/office/drawing/2010/main" val="0"/>
+              </a:ext>
+            </a:extLst>
+          </a:blip>
+          <a:stretch>
+            <a:fillRect/>
+          </a:stretch>
+        </p:blipFill>
+        <p:spPr>
+          <a:xfrm>
+            <a:off x="8444661" y="341798"/>
+            <a:ext cx="3840000" cy="2880000"/>
+          </a:xfrm>
+          <a:prstGeom prst="rect">
+            <a:avLst/>
+          </a:prstGeom>
+        </p:spPr>
+      </p:pic>
+      <p:pic>
+        <p:nvPicPr>
+          <p:cNvPr id="8" name="Picture 7" descr="A graph of a training set&#10;&#10;Description automatically generated">
+            <a:extLst>
+              <a:ext uri="{FF2B5EF4-FFF2-40B4-BE49-F238E27FC236}">
+                <a16:creationId xmlns:a16="http://schemas.microsoft.com/office/drawing/2014/main" id="{06B46E5F-93CC-C14C-7D77-ACE8C7D5CEAB}"/>
+              </a:ext>
+            </a:extLst>
+          </p:cNvPr>
+          <p:cNvPicPr>
+            <a:picLocks noChangeAspect="1"/>
+          </p:cNvPicPr>
+          <p:nvPr/>
+        </p:nvPicPr>
+        <p:blipFill>
+          <a:blip r:embed="rId3">
+            <a:extLst>
+              <a:ext uri="{28A0092B-C50C-407E-A947-70E740481C1C}">
+                <a14:useLocalDpi xmlns:a14="http://schemas.microsoft.com/office/drawing/2010/main" val="0"/>
+              </a:ext>
+            </a:extLst>
+          </a:blip>
+          <a:stretch>
+            <a:fillRect/>
+          </a:stretch>
+        </p:blipFill>
+        <p:spPr>
+          <a:xfrm>
+            <a:off x="8444661" y="3221798"/>
+            <a:ext cx="3840000" cy="2880000"/>
+          </a:xfrm>
+          <a:prstGeom prst="rect">
+            <a:avLst/>
+          </a:prstGeom>
+        </p:spPr>
+      </p:pic>
+      <p:pic>
+        <p:nvPicPr>
+          <p:cNvPr id="7" name="Picture 6" descr="A graph of a graph&#10;&#10;Description automatically generated">
+            <a:extLst>
+              <a:ext uri="{FF2B5EF4-FFF2-40B4-BE49-F238E27FC236}">
+                <a16:creationId xmlns:a16="http://schemas.microsoft.com/office/drawing/2014/main" id="{421352FA-7DDB-6923-01C3-D0E7CDDDA941}"/>
+              </a:ext>
+            </a:extLst>
+          </p:cNvPr>
+          <p:cNvPicPr>
+            <a:picLocks noChangeAspect="1"/>
+          </p:cNvPicPr>
+          <p:nvPr/>
+        </p:nvPicPr>
+        <p:blipFill>
+          <a:blip r:embed="rId4">
+            <a:extLst>
+              <a:ext uri="{28A0092B-C50C-407E-A947-70E740481C1C}">
+                <a14:useLocalDpi xmlns:a14="http://schemas.microsoft.com/office/drawing/2010/main" val="0"/>
+              </a:ext>
+            </a:extLst>
+          </a:blip>
+          <a:stretch>
+            <a:fillRect/>
+          </a:stretch>
+        </p:blipFill>
+        <p:spPr>
+          <a:xfrm>
+            <a:off x="4604661" y="1916735"/>
+            <a:ext cx="3840000" cy="2880000"/>
+          </a:xfrm>
+          <a:prstGeom prst="rect">
+            <a:avLst/>
+          </a:prstGeom>
+        </p:spPr>
+      </p:pic>
+      <p:pic>
+        <p:nvPicPr>
+          <p:cNvPr id="11" name="Picture 10" descr="A group of black and red molecules&#10;&#10;Description automatically generated with medium confidence">
+            <a:extLst>
+              <a:ext uri="{FF2B5EF4-FFF2-40B4-BE49-F238E27FC236}">
+                <a16:creationId xmlns:a16="http://schemas.microsoft.com/office/drawing/2014/main" id="{8D57E7C5-FF27-AFC8-31FC-5114B9EE3FE7}"/>
+              </a:ext>
+            </a:extLst>
+          </p:cNvPr>
+          <p:cNvPicPr>
+            <a:picLocks noChangeAspect="1"/>
+          </p:cNvPicPr>
+          <p:nvPr/>
+        </p:nvPicPr>
+        <p:blipFill rotWithShape="1">
+          <a:blip r:embed="rId5">
+            <a:extLst>
+              <a:ext uri="{28A0092B-C50C-407E-A947-70E740481C1C}">
+                <a14:useLocalDpi xmlns:a14="http://schemas.microsoft.com/office/drawing/2010/main" val="0"/>
+              </a:ext>
+            </a:extLst>
+          </a:blip>
+          <a:srcRect t="8299" b="7782"/>
+          <a:stretch/>
+        </p:blipFill>
+        <p:spPr>
+          <a:xfrm>
+            <a:off x="5638800" y="1146644"/>
+            <a:ext cx="5715000" cy="4795935"/>
+          </a:xfrm>
+          <a:prstGeom prst="rect">
+            <a:avLst/>
+          </a:prstGeom>
+        </p:spPr>
+      </p:pic>
+    </p:spTree>
+    <p:extLst>
+      <p:ext uri="{BB962C8B-B14F-4D97-AF65-F5344CB8AC3E}">
+        <p14:creationId xmlns:p14="http://schemas.microsoft.com/office/powerpoint/2010/main" val="3345334393"/>
+      </p:ext>
+    </p:extLst>
+  </p:cSld>
+  <p:clrMapOvr>
+    <a:masterClrMapping/>
+  </p:clrMapOvr>
+  <p:timing>
+    <p:tnLst>
+      <p:par>
+        <p:cTn id="1" dur="indefinite" restart="never" nodeType="tmRoot">
+          <p:childTnLst>
+            <p:seq concurrent="1" nextAc="seek">
+              <p:cTn id="2" dur="indefinite" nodeType="mainSeq">
+                <p:childTnLst>
+                  <p:par>
+                    <p:cTn id="3" fill="hold">
+                      <p:stCondLst>
+                        <p:cond delay="indefinite"/>
+                      </p:stCondLst>
+                      <p:childTnLst>
+                        <p:par>
+                          <p:cTn id="4" fill="hold">
+                            <p:stCondLst>
+                              <p:cond delay="0"/>
+                            </p:stCondLst>
+                            <p:childTnLst>
+                              <p:par>
+                                <p:cTn id="5" presetID="1" presetClass="exit" presetSubtype="0" fill="hold" nodeType="clickEffect">
+                                  <p:stCondLst>
+                                    <p:cond delay="0"/>
+                                  </p:stCondLst>
+                                  <p:childTnLst>
+                                    <p:set>
+                                      <p:cBhvr>
+                                        <p:cTn id="6" dur="1" fill="hold">
+                                          <p:stCondLst>
+                                            <p:cond delay="0"/>
+                                          </p:stCondLst>
+                                        </p:cTn>
+                                        <p:tgtEl>
+                                          <p:spTgt spid="11"/>
+                                        </p:tgtEl>
+                                        <p:attrNameLst>
+                                          <p:attrName>style.visibility</p:attrName>
+                                        </p:attrNameLst>
+                                      </p:cBhvr>
+                                      <p:to>
+                                        <p:strVal val="hidden"/>
+                                      </p:to>
+                                    </p:set>
+                                  </p:childTnLst>
+                                </p:cTn>
+                              </p:par>
+                              <p:par>
+                                <p:cTn id="7" presetID="1" presetClass="entr" presetSubtype="0" fill="hold" nodeType="withEffect">
+                                  <p:stCondLst>
+                                    <p:cond delay="0"/>
+                                  </p:stCondLst>
+                                  <p:childTnLst>
+                                    <p:set>
+                                      <p:cBhvr>
+                                        <p:cTn id="8" dur="1" fill="hold">
+                                          <p:stCondLst>
+                                            <p:cond delay="0"/>
+                                          </p:stCondLst>
+                                        </p:cTn>
+                                        <p:tgtEl>
+                                          <p:spTgt spid="7"/>
+                                        </p:tgtEl>
+                                        <p:attrNameLst>
+                                          <p:attrName>style.visibility</p:attrName>
+                                        </p:attrNameLst>
+                                      </p:cBhvr>
+                                      <p:to>
+                                        <p:strVal val="visible"/>
+                                      </p:to>
+                                    </p:set>
+                                  </p:childTnLst>
+                                </p:cTn>
+                              </p:par>
+                              <p:par>
+                                <p:cTn id="9" presetID="1" presetClass="entr" presetSubtype="0" fill="hold" nodeType="withEffect">
+                                  <p:stCondLst>
+                                    <p:cond delay="0"/>
+                                  </p:stCondLst>
+                                  <p:childTnLst>
+                                    <p:set>
+                                      <p:cBhvr>
+                                        <p:cTn id="10" dur="1" fill="hold">
+                                          <p:stCondLst>
+                                            <p:cond delay="0"/>
+                                          </p:stCondLst>
+                                        </p:cTn>
+                                        <p:tgtEl>
+                                          <p:spTgt spid="6"/>
+                                        </p:tgtEl>
+                                        <p:attrNameLst>
+                                          <p:attrName>style.visibility</p:attrName>
+                                        </p:attrNameLst>
+                                      </p:cBhvr>
+                                      <p:to>
+                                        <p:strVal val="visible"/>
+                                      </p:to>
+                                    </p:set>
+                                  </p:childTnLst>
+                                </p:cTn>
+                              </p:par>
+                              <p:par>
+                                <p:cTn id="11" presetID="1" presetClass="entr" presetSubtype="0" fill="hold" nodeType="withEffect">
+                                  <p:stCondLst>
+                                    <p:cond delay="0"/>
+                                  </p:stCondLst>
+                                  <p:childTnLst>
+                                    <p:set>
+                                      <p:cBhvr>
+                                        <p:cTn id="12" dur="1" fill="hold">
+                                          <p:stCondLst>
+                                            <p:cond delay="0"/>
+                                          </p:stCondLst>
+                                        </p:cTn>
+                                        <p:tgtEl>
+                                          <p:spTgt spid="8"/>
+                                        </p:tgtEl>
+                                        <p:attrNameLst>
+                                          <p:attrName>style.visibility</p:attrName>
+                                        </p:attrNameLst>
+                                      </p:cBhvr>
+                                      <p:to>
+                                        <p:strVal val="visible"/>
+                                      </p:to>
+                                    </p:set>
+                                  </p:childTnLst>
+                                </p:cTn>
+                              </p:par>
+                            </p:childTnLst>
+                          </p:cTn>
+                        </p:par>
+                      </p:childTnLst>
+                    </p:cTn>
+                  </p:par>
+                </p:childTnLst>
+              </p:cTn>
+              <p:prevCondLst>
+                <p:cond evt="onPrev" delay="0">
+                  <p:tgtEl>
+                    <p:sldTgt/>
+                  </p:tgtEl>
+                </p:cond>
+              </p:prevCondLst>
+              <p:nextCondLst>
+                <p:cond evt="onNext" delay="0">
+                  <p:tgtEl>
+                    <p:sldTgt/>
+                  </p:tgtEl>
+                </p:cond>
+              </p:nextCondLst>
+            </p:seq>
+          </p:childTnLst>
+        </p:cTn>
+      </p:par>
+    </p:tnLst>
+  </p:timing>
+</p:sld>
+</file>
+
+<file path=ppt/slides/slide13.xml><?xml version="1.0" encoding="utf-8"?>
+<p:sld xmlns:a="http://schemas.openxmlformats.org/drawingml/2006/main" xmlns:r="http://schemas.openxmlformats.org/officeDocument/2006/relationships" xmlns:p="http://schemas.openxmlformats.org/presentationml/2006/main">
+  <p:cSld>
+    <p:spTree>
+      <p:nvGrpSpPr>
+        <p:cNvPr id="1" name=""/>
+        <p:cNvGrpSpPr/>
+        <p:nvPr/>
+      </p:nvGrpSpPr>
+      <p:grpSpPr>
+        <a:xfrm>
+          <a:off x="0" y="0"/>
+          <a:ext cx="0" cy="0"/>
+          <a:chOff x="0" y="0"/>
+          <a:chExt cx="0" cy="0"/>
+        </a:xfrm>
+      </p:grpSpPr>
+      <p:pic>
+        <p:nvPicPr>
+          <p:cNvPr id="8" name="Picture 7" descr="A structure of a chemical formula&#10;&#10;Description automatically generated">
+            <a:extLst>
+              <a:ext uri="{FF2B5EF4-FFF2-40B4-BE49-F238E27FC236}">
+                <a16:creationId xmlns:a16="http://schemas.microsoft.com/office/drawing/2014/main" id="{7D372F08-DCBC-ABDA-5A49-F8CEB6268298}"/>
+              </a:ext>
+            </a:extLst>
+          </p:cNvPr>
+          <p:cNvPicPr>
+            <a:picLocks noChangeAspect="1"/>
+          </p:cNvPicPr>
+          <p:nvPr/>
+        </p:nvPicPr>
+        <p:blipFill rotWithShape="1">
+          <a:blip r:embed="rId3">
+            <a:extLst>
+              <a:ext uri="{28A0092B-C50C-407E-A947-70E740481C1C}">
+                <a14:useLocalDpi xmlns:a14="http://schemas.microsoft.com/office/drawing/2010/main" val="0"/>
+              </a:ext>
+            </a:extLst>
+          </a:blip>
+          <a:srcRect t="29790" b="29968"/>
+          <a:stretch/>
+        </p:blipFill>
+        <p:spPr>
+          <a:xfrm>
+            <a:off x="4004504" y="1515270"/>
+            <a:ext cx="3009900" cy="1211262"/>
+          </a:xfrm>
+          <a:prstGeom prst="rect">
+            <a:avLst/>
+          </a:prstGeom>
+        </p:spPr>
+      </p:pic>
+      <p:pic>
+        <p:nvPicPr>
+          <p:cNvPr id="26" name="Picture 25" descr="A molecule of a substance&#10;&#10;Description automatically generated with medium confidence">
+            <a:extLst>
+              <a:ext uri="{FF2B5EF4-FFF2-40B4-BE49-F238E27FC236}">
+                <a16:creationId xmlns:a16="http://schemas.microsoft.com/office/drawing/2014/main" id="{F262362F-06AE-D19B-28FB-E6045B54B15B}"/>
+              </a:ext>
+            </a:extLst>
+          </p:cNvPr>
+          <p:cNvPicPr>
+            <a:picLocks noChangeAspect="1"/>
+          </p:cNvPicPr>
+          <p:nvPr/>
+        </p:nvPicPr>
+        <p:blipFill>
+          <a:blip r:embed="rId4">
+            <a:extLst>
+              <a:ext uri="{28A0092B-C50C-407E-A947-70E740481C1C}">
+                <a14:useLocalDpi xmlns:a14="http://schemas.microsoft.com/office/drawing/2010/main" val="0"/>
+              </a:ext>
+            </a:extLst>
+          </a:blip>
+          <a:stretch>
+            <a:fillRect/>
+          </a:stretch>
+        </p:blipFill>
+        <p:spPr>
+          <a:xfrm>
+            <a:off x="6466901" y="4390230"/>
+            <a:ext cx="5715000" cy="1905000"/>
+          </a:xfrm>
+          <a:prstGeom prst="rect">
+            <a:avLst/>
+          </a:prstGeom>
+        </p:spPr>
+      </p:pic>
+      <p:pic>
+        <p:nvPicPr>
+          <p:cNvPr id="24" name="Picture 23" descr="A black and red chemical structure&#10;&#10;Description automatically generated">
+            <a:extLst>
+              <a:ext uri="{FF2B5EF4-FFF2-40B4-BE49-F238E27FC236}">
+                <a16:creationId xmlns:a16="http://schemas.microsoft.com/office/drawing/2014/main" id="{CA214FB3-A57E-7A1F-7B04-820FB9EBAC72}"/>
+              </a:ext>
+            </a:extLst>
+          </p:cNvPr>
+          <p:cNvPicPr>
+            <a:picLocks noChangeAspect="1"/>
+          </p:cNvPicPr>
+          <p:nvPr/>
+        </p:nvPicPr>
+        <p:blipFill rotWithShape="1">
+          <a:blip r:embed="rId5">
+            <a:extLst>
+              <a:ext uri="{28A0092B-C50C-407E-A947-70E740481C1C}">
+                <a14:useLocalDpi xmlns:a14="http://schemas.microsoft.com/office/drawing/2010/main" val="0"/>
+              </a:ext>
+            </a:extLst>
+          </a:blip>
+          <a:srcRect l="3482" t="18798"/>
+          <a:stretch/>
+        </p:blipFill>
+        <p:spPr>
+          <a:xfrm>
+            <a:off x="6676008" y="2201661"/>
+            <a:ext cx="5515992" cy="1546901"/>
+          </a:xfrm>
+          <a:prstGeom prst="rect">
+            <a:avLst/>
+          </a:prstGeom>
+        </p:spPr>
+      </p:pic>
+      <p:pic>
+        <p:nvPicPr>
+          <p:cNvPr id="22" name="Picture 21" descr="A graph with blue squares&#10;&#10;Description automatically generated">
+            <a:extLst>
+              <a:ext uri="{FF2B5EF4-FFF2-40B4-BE49-F238E27FC236}">
+                <a16:creationId xmlns:a16="http://schemas.microsoft.com/office/drawing/2014/main" id="{D6123BE2-E721-A2DB-B0D5-2E3B53FA1649}"/>
+              </a:ext>
+            </a:extLst>
+          </p:cNvPr>
+          <p:cNvPicPr>
+            <a:picLocks noChangeAspect="1"/>
+          </p:cNvPicPr>
+          <p:nvPr/>
+        </p:nvPicPr>
+        <p:blipFill>
+          <a:blip r:embed="rId6">
+            <a:extLst>
+              <a:ext uri="{28A0092B-C50C-407E-A947-70E740481C1C}">
+                <a14:useLocalDpi xmlns:a14="http://schemas.microsoft.com/office/drawing/2010/main" val="0"/>
+              </a:ext>
+            </a:extLst>
+          </a:blip>
+          <a:stretch>
+            <a:fillRect/>
+          </a:stretch>
+        </p:blipFill>
+        <p:spPr>
+          <a:xfrm>
+            <a:off x="6760357" y="250688"/>
+            <a:ext cx="3840000" cy="2880000"/>
+          </a:xfrm>
+          <a:prstGeom prst="rect">
+            <a:avLst/>
+          </a:prstGeom>
+        </p:spPr>
+      </p:pic>
+      <p:sp>
+        <p:nvSpPr>
+          <p:cNvPr id="2" name="Title 1">
+            <a:extLst>
+              <a:ext uri="{FF2B5EF4-FFF2-40B4-BE49-F238E27FC236}">
+                <a16:creationId xmlns:a16="http://schemas.microsoft.com/office/drawing/2014/main" id="{004B78E0-34CA-A2B0-8ADD-6B617507CE62}"/>
+              </a:ext>
+            </a:extLst>
+          </p:cNvPr>
+          <p:cNvSpPr>
+            <a:spLocks noGrp="1"/>
+          </p:cNvSpPr>
+          <p:nvPr>
+            <p:ph type="title"/>
+          </p:nvPr>
+        </p:nvSpPr>
+        <p:spPr/>
+        <p:txBody>
+          <a:bodyPr/>
+          <a:lstStyle/>
+          <a:p>
+            <a:r>
+              <a:rPr lang="en-US" dirty="0"/>
+              <a:t>Results and Discussion</a:t>
+            </a:r>
+            <a:br>
+              <a:rPr lang="en-US" dirty="0"/>
+            </a:br>
+            <a:r>
+              <a:rPr lang="en-US" dirty="0"/>
+              <a:t>RL MACCS / </a:t>
+            </a:r>
+            <a:r>
+              <a:rPr lang="en-US" dirty="0" err="1"/>
+              <a:t>Tanimoto</a:t>
+            </a:r>
+            <a:endParaRPr lang="en-NL" dirty="0"/>
+          </a:p>
+        </p:txBody>
+      </p:sp>
+      <p:sp>
+        <p:nvSpPr>
+          <p:cNvPr id="3" name="Content Placeholder 2">
+            <a:extLst>
+              <a:ext uri="{FF2B5EF4-FFF2-40B4-BE49-F238E27FC236}">
+                <a16:creationId xmlns:a16="http://schemas.microsoft.com/office/drawing/2014/main" id="{C9F76B53-57E9-249C-8608-F3C120DEB857}"/>
+              </a:ext>
+            </a:extLst>
+          </p:cNvPr>
+          <p:cNvSpPr>
+            <a:spLocks noGrp="1"/>
+          </p:cNvSpPr>
+          <p:nvPr>
+            <p:ph idx="1"/>
+          </p:nvPr>
+        </p:nvSpPr>
+        <p:spPr>
+          <a:xfrm>
+            <a:off x="838200" y="1825625"/>
+            <a:ext cx="5257800" cy="4351338"/>
+          </a:xfrm>
+        </p:spPr>
+        <p:txBody>
+          <a:bodyPr>
+            <a:normAutofit lnSpcReduction="10000"/>
+          </a:bodyPr>
+          <a:lstStyle/>
+          <a:p>
+            <a:r>
+              <a:rPr lang="en-US" dirty="0"/>
+              <a:t>Curcumin</a:t>
+            </a:r>
+          </a:p>
+          <a:p>
+            <a:r>
+              <a:rPr lang="en-US" dirty="0"/>
+              <a:t>50 iterations</a:t>
+            </a:r>
+          </a:p>
+          <a:p>
+            <a:pPr lvl="1"/>
+            <a:r>
+              <a:rPr lang="en-US" dirty="0"/>
+              <a:t>Learning rate: 0,000 001</a:t>
+            </a:r>
+          </a:p>
+          <a:p>
+            <a:pPr lvl="1"/>
+            <a:r>
+              <a:rPr lang="en-US" dirty="0"/>
+              <a:t>Generate 1 000</a:t>
+            </a:r>
+          </a:p>
+          <a:p>
+            <a:pPr lvl="1"/>
+            <a:r>
+              <a:rPr lang="en-US" dirty="0"/>
+              <a:t>10 epochs</a:t>
+            </a:r>
+          </a:p>
+          <a:p>
+            <a:r>
+              <a:rPr lang="en-US" dirty="0" err="1"/>
+              <a:t>Tanimoto</a:t>
+            </a:r>
+            <a:r>
+              <a:rPr lang="en-US" dirty="0"/>
+              <a:t> score</a:t>
+            </a:r>
+          </a:p>
+          <a:p>
+            <a:pPr lvl="1"/>
+            <a:r>
+              <a:rPr lang="en-US" dirty="0"/>
+              <a:t>between 0.5 and 1.5</a:t>
+            </a:r>
+          </a:p>
+          <a:p>
+            <a:pPr lvl="2"/>
+            <a:r>
+              <a:rPr lang="en-US" dirty="0"/>
+              <a:t>1 – score + 0,5</a:t>
+            </a:r>
+          </a:p>
+          <a:p>
+            <a:r>
+              <a:rPr lang="en-US" dirty="0"/>
+              <a:t>Valid smiles stable ~75%</a:t>
+            </a:r>
+          </a:p>
+          <a:p>
+            <a:pPr lvl="1"/>
+            <a:r>
+              <a:rPr lang="en-US" dirty="0"/>
+              <a:t>Sensitive to learning rate</a:t>
+            </a:r>
+          </a:p>
+          <a:p>
+            <a:pPr lvl="1"/>
+            <a:r>
+              <a:rPr lang="en-US" dirty="0"/>
+              <a:t>Can be further optimized</a:t>
+            </a:r>
+          </a:p>
+        </p:txBody>
+      </p:sp>
+      <p:sp>
+        <p:nvSpPr>
+          <p:cNvPr id="4" name="Slide Number Placeholder 3">
+            <a:extLst>
+              <a:ext uri="{FF2B5EF4-FFF2-40B4-BE49-F238E27FC236}">
+                <a16:creationId xmlns:a16="http://schemas.microsoft.com/office/drawing/2014/main" id="{B0ADB070-6375-0B2C-9C4A-A57A198A3493}"/>
+              </a:ext>
+            </a:extLst>
+          </p:cNvPr>
+          <p:cNvSpPr>
+            <a:spLocks noGrp="1"/>
+          </p:cNvSpPr>
+          <p:nvPr>
+            <p:ph type="sldNum" sz="quarter" idx="12"/>
+          </p:nvPr>
+        </p:nvSpPr>
+        <p:spPr/>
+        <p:txBody>
+          <a:bodyPr/>
+          <a:lstStyle/>
+          <a:p>
+            <a:fld id="{6D8AD5B3-FCFD-4636-963F-AB3B51592AB9}" type="slidenum">
+              <a:rPr lang="en-NL" smtClean="0"/>
+              <a:t>13</a:t>
+            </a:fld>
+            <a:endParaRPr lang="en-NL"/>
+          </a:p>
+        </p:txBody>
+      </p:sp>
+      <p:pic>
+        <p:nvPicPr>
+          <p:cNvPr id="16" name="Picture 15" descr="A graph of a number of smiles&#10;&#10;Description automatically generated">
+            <a:extLst>
+              <a:ext uri="{FF2B5EF4-FFF2-40B4-BE49-F238E27FC236}">
+                <a16:creationId xmlns:a16="http://schemas.microsoft.com/office/drawing/2014/main" id="{2813DE9F-8D64-E0A3-46AE-F0F810183748}"/>
+              </a:ext>
+            </a:extLst>
+          </p:cNvPr>
+          <p:cNvPicPr>
+            <a:picLocks noChangeAspect="1"/>
+          </p:cNvPicPr>
+          <p:nvPr/>
+        </p:nvPicPr>
+        <p:blipFill>
+          <a:blip r:embed="rId7">
+            <a:extLst>
+              <a:ext uri="{28A0092B-C50C-407E-A947-70E740481C1C}">
+                <a14:useLocalDpi xmlns:a14="http://schemas.microsoft.com/office/drawing/2010/main" val="0"/>
+              </a:ext>
+            </a:extLst>
+          </a:blip>
+          <a:stretch>
+            <a:fillRect/>
+          </a:stretch>
+        </p:blipFill>
+        <p:spPr>
+          <a:xfrm>
+            <a:off x="6760357" y="3202600"/>
+            <a:ext cx="3840000" cy="2880000"/>
+          </a:xfrm>
+          <a:prstGeom prst="rect">
+            <a:avLst/>
+          </a:prstGeom>
+        </p:spPr>
+      </p:pic>
+      <p:sp>
+        <p:nvSpPr>
+          <p:cNvPr id="14" name="TextBox 13">
+            <a:extLst>
+              <a:ext uri="{FF2B5EF4-FFF2-40B4-BE49-F238E27FC236}">
+                <a16:creationId xmlns:a16="http://schemas.microsoft.com/office/drawing/2014/main" id="{51B29492-7268-981A-21FB-702E4FB4D7EF}"/>
+              </a:ext>
+            </a:extLst>
+          </p:cNvPr>
+          <p:cNvSpPr txBox="1"/>
+          <p:nvPr/>
+        </p:nvSpPr>
+        <p:spPr>
+          <a:xfrm>
+            <a:off x="7255866" y="1272007"/>
+            <a:ext cx="3840000" cy="3108543"/>
+          </a:xfrm>
+          <a:prstGeom prst="rect">
+            <a:avLst/>
+          </a:prstGeom>
+          <a:noFill/>
+        </p:spPr>
+        <p:txBody>
+          <a:bodyPr wrap="square">
+            <a:spAutoFit/>
+          </a:bodyPr>
+          <a:lstStyle/>
+          <a:p>
+            <a:r>
+              <a:rPr lang="en-US" sz="2800" dirty="0"/>
+              <a:t>Nearest neighbor</a:t>
+            </a:r>
+          </a:p>
+          <a:p>
+            <a:endParaRPr lang="en-US" sz="2800" dirty="0"/>
+          </a:p>
+          <a:p>
+            <a:endParaRPr lang="en-US" sz="2800" dirty="0"/>
+          </a:p>
+          <a:p>
+            <a:endParaRPr lang="en-US" sz="2800" dirty="0"/>
+          </a:p>
+          <a:p>
+            <a:endParaRPr lang="en-US" sz="2800" dirty="0"/>
+          </a:p>
+          <a:p>
+            <a:endParaRPr lang="en-US" sz="2800" dirty="0"/>
+          </a:p>
+          <a:p>
+            <a:r>
+              <a:rPr lang="en-US" sz="2800" dirty="0"/>
+              <a:t>Furthest neighbor</a:t>
+            </a:r>
+          </a:p>
+        </p:txBody>
+      </p:sp>
+    </p:spTree>
+    <p:extLst>
+      <p:ext uri="{BB962C8B-B14F-4D97-AF65-F5344CB8AC3E}">
+        <p14:creationId xmlns:p14="http://schemas.microsoft.com/office/powerpoint/2010/main" val="1890579209"/>
+      </p:ext>
+    </p:extLst>
+  </p:cSld>
+  <p:clrMapOvr>
+    <a:masterClrMapping/>
+  </p:clrMapOvr>
+  <p:timing>
+    <p:tnLst>
+      <p:par>
+        <p:cTn id="1" dur="indefinite" restart="never" nodeType="tmRoot">
+          <p:childTnLst>
+            <p:seq concurrent="1" nextAc="seek">
+              <p:cTn id="2" dur="indefinite" nodeType="mainSeq">
+                <p:childTnLst>
+                  <p:par>
+                    <p:cTn id="3" fill="hold">
+                      <p:stCondLst>
+                        <p:cond delay="indefinite"/>
+                      </p:stCondLst>
+                      <p:childTnLst>
+                        <p:par>
+                          <p:cTn id="4" fill="hold">
+                            <p:stCondLst>
+                              <p:cond delay="0"/>
+                            </p:stCondLst>
+                            <p:childTnLst>
+                              <p:par>
+                                <p:cTn id="5" presetID="1" presetClass="exit" presetSubtype="0" fill="hold" nodeType="clickEffect">
+                                  <p:stCondLst>
+                                    <p:cond delay="0"/>
+                                  </p:stCondLst>
+                                  <p:childTnLst>
+                                    <p:set>
+                                      <p:cBhvr>
+                                        <p:cTn id="6" dur="1" fill="hold">
+                                          <p:stCondLst>
+                                            <p:cond delay="0"/>
+                                          </p:stCondLst>
+                                        </p:cTn>
+                                        <p:tgtEl>
+                                          <p:spTgt spid="24"/>
+                                        </p:tgtEl>
+                                        <p:attrNameLst>
+                                          <p:attrName>style.visibility</p:attrName>
+                                        </p:attrNameLst>
+                                      </p:cBhvr>
+                                      <p:to>
+                                        <p:strVal val="hidden"/>
+                                      </p:to>
+                                    </p:set>
+                                  </p:childTnLst>
+                                </p:cTn>
+                              </p:par>
+                              <p:par>
+                                <p:cTn id="7" presetID="1" presetClass="exit" presetSubtype="0" fill="hold" nodeType="withEffect">
+                                  <p:stCondLst>
+                                    <p:cond delay="0"/>
+                                  </p:stCondLst>
+                                  <p:childTnLst>
+                                    <p:set>
+                                      <p:cBhvr>
+                                        <p:cTn id="8" dur="1" fill="hold">
+                                          <p:stCondLst>
+                                            <p:cond delay="0"/>
+                                          </p:stCondLst>
+                                        </p:cTn>
+                                        <p:tgtEl>
+                                          <p:spTgt spid="26"/>
+                                        </p:tgtEl>
+                                        <p:attrNameLst>
+                                          <p:attrName>style.visibility</p:attrName>
+                                        </p:attrNameLst>
+                                      </p:cBhvr>
+                                      <p:to>
+                                        <p:strVal val="hidden"/>
+                                      </p:to>
+                                    </p:set>
+                                  </p:childTnLst>
+                                </p:cTn>
+                              </p:par>
+                              <p:par>
+                                <p:cTn id="9" presetID="1" presetClass="exit" presetSubtype="0" fill="hold" grpId="0" nodeType="withEffect">
+                                  <p:stCondLst>
+                                    <p:cond delay="0"/>
+                                  </p:stCondLst>
+                                  <p:childTnLst>
+                                    <p:set>
+                                      <p:cBhvr>
+                                        <p:cTn id="10" dur="1" fill="hold">
+                                          <p:stCondLst>
+                                            <p:cond delay="0"/>
+                                          </p:stCondLst>
+                                        </p:cTn>
+                                        <p:tgtEl>
+                                          <p:spTgt spid="14"/>
+                                        </p:tgtEl>
+                                        <p:attrNameLst>
+                                          <p:attrName>style.visibility</p:attrName>
+                                        </p:attrNameLst>
+                                      </p:cBhvr>
+                                      <p:to>
+                                        <p:strVal val="hidden"/>
+                                      </p:to>
+                                    </p:set>
+                                  </p:childTnLst>
+                                </p:cTn>
+                              </p:par>
+                              <p:par>
+                                <p:cTn id="11" presetID="1" presetClass="entr" presetSubtype="0" fill="hold" nodeType="withEffect">
+                                  <p:stCondLst>
+                                    <p:cond delay="0"/>
+                                  </p:stCondLst>
+                                  <p:childTnLst>
+                                    <p:set>
+                                      <p:cBhvr>
+                                        <p:cTn id="12" dur="1" fill="hold">
+                                          <p:stCondLst>
+                                            <p:cond delay="0"/>
+                                          </p:stCondLst>
+                                        </p:cTn>
+                                        <p:tgtEl>
+                                          <p:spTgt spid="22"/>
+                                        </p:tgtEl>
+                                        <p:attrNameLst>
+                                          <p:attrName>style.visibility</p:attrName>
+                                        </p:attrNameLst>
+                                      </p:cBhvr>
+                                      <p:to>
+                                        <p:strVal val="visible"/>
+                                      </p:to>
+                                    </p:set>
+                                  </p:childTnLst>
+                                </p:cTn>
+                              </p:par>
+                              <p:par>
+                                <p:cTn id="13" presetID="1" presetClass="entr" presetSubtype="0" fill="hold" nodeType="withEffect">
+                                  <p:stCondLst>
+                                    <p:cond delay="0"/>
+                                  </p:stCondLst>
+                                  <p:childTnLst>
+                                    <p:set>
+                                      <p:cBhvr>
+                                        <p:cTn id="14" dur="1" fill="hold">
+                                          <p:stCondLst>
+                                            <p:cond delay="0"/>
+                                          </p:stCondLst>
+                                        </p:cTn>
+                                        <p:tgtEl>
+                                          <p:spTgt spid="16"/>
+                                        </p:tgtEl>
+                                        <p:attrNameLst>
+                                          <p:attrName>style.visibility</p:attrName>
+                                        </p:attrNameLst>
+                                      </p:cBhvr>
+                                      <p:to>
+                                        <p:strVal val="visible"/>
+                                      </p:to>
+                                    </p:set>
+                                  </p:childTnLst>
+                                </p:cTn>
+                              </p:par>
+                            </p:childTnLst>
+                          </p:cTn>
+                        </p:par>
+                      </p:childTnLst>
+                    </p:cTn>
+                  </p:par>
+                </p:childTnLst>
+              </p:cTn>
+              <p:prevCondLst>
+                <p:cond evt="onPrev" delay="0">
+                  <p:tgtEl>
+                    <p:sldTgt/>
+                  </p:tgtEl>
+                </p:cond>
+              </p:prevCondLst>
+              <p:nextCondLst>
+                <p:cond evt="onNext" delay="0">
+                  <p:tgtEl>
+                    <p:sldTgt/>
+                  </p:tgtEl>
+                </p:cond>
+              </p:nextCondLst>
+            </p:seq>
+          </p:childTnLst>
+        </p:cTn>
+      </p:par>
+    </p:tnLst>
+    <p:bldLst>
+      <p:bldP spid="14" grpId="0"/>
+    </p:bldLst>
+  </p:timing>
+</p:sld>
+</file>
+
+<file path=ppt/slides/slide14.xml><?xml version="1.0" encoding="utf-8"?>
+<p:sld xmlns:a="http://schemas.openxmlformats.org/drawingml/2006/main" xmlns:r="http://schemas.openxmlformats.org/officeDocument/2006/relationships" xmlns:p="http://schemas.openxmlformats.org/presentationml/2006/main">
+  <p:cSld>
+    <p:spTree>
+      <p:nvGrpSpPr>
+        <p:cNvPr id="1" name=""/>
+        <p:cNvGrpSpPr/>
+        <p:nvPr/>
+      </p:nvGrpSpPr>
+      <p:grpSpPr>
+        <a:xfrm>
+          <a:off x="0" y="0"/>
+          <a:ext cx="0" cy="0"/>
+          <a:chOff x="0" y="0"/>
+          <a:chExt cx="0" cy="0"/>
+        </a:xfrm>
+      </p:grpSpPr>
+      <p:sp>
+        <p:nvSpPr>
+          <p:cNvPr id="2" name="Title 1">
+            <a:extLst>
+              <a:ext uri="{FF2B5EF4-FFF2-40B4-BE49-F238E27FC236}">
+                <a16:creationId xmlns:a16="http://schemas.microsoft.com/office/drawing/2014/main" id="{6E0B2BAC-183F-FDEA-4F6B-83CA3DD18F7E}"/>
+              </a:ext>
+            </a:extLst>
+          </p:cNvPr>
+          <p:cNvSpPr>
+            <a:spLocks noGrp="1"/>
+          </p:cNvSpPr>
+          <p:nvPr>
+            <p:ph type="title"/>
+          </p:nvPr>
+        </p:nvSpPr>
+        <p:spPr/>
+        <p:txBody>
+          <a:bodyPr/>
+          <a:lstStyle/>
+          <a:p>
+            <a:r>
+              <a:rPr lang="en-US" dirty="0"/>
+              <a:t>Conclusion</a:t>
+            </a:r>
+            <a:endParaRPr lang="en-NL" dirty="0"/>
+          </a:p>
+        </p:txBody>
+      </p:sp>
+      <p:sp>
+        <p:nvSpPr>
+          <p:cNvPr id="3" name="Content Placeholder 2">
+            <a:extLst>
+              <a:ext uri="{FF2B5EF4-FFF2-40B4-BE49-F238E27FC236}">
+                <a16:creationId xmlns:a16="http://schemas.microsoft.com/office/drawing/2014/main" id="{C2C18175-CCF2-1CF8-6CE8-DB1DC03B0095}"/>
+              </a:ext>
+            </a:extLst>
+          </p:cNvPr>
+          <p:cNvSpPr>
+            <a:spLocks noGrp="1"/>
+          </p:cNvSpPr>
+          <p:nvPr>
+            <p:ph idx="1"/>
+          </p:nvPr>
+        </p:nvSpPr>
+        <p:spPr>
+          <a:xfrm>
+            <a:off x="838200" y="1825624"/>
+            <a:ext cx="10515600" cy="4598987"/>
+          </a:xfrm>
+        </p:spPr>
+        <p:txBody>
+          <a:bodyPr>
+            <a:normAutofit/>
+          </a:bodyPr>
+          <a:lstStyle/>
+          <a:p>
+            <a:r>
+              <a:rPr lang="en-US" dirty="0"/>
+              <a:t>LSTM RNN can be used to sample (valid) smiles</a:t>
+            </a:r>
+          </a:p>
+          <a:p>
+            <a:pPr lvl="1"/>
+            <a:r>
+              <a:rPr lang="en-US" dirty="0"/>
+              <a:t>Training with (new) target data has been used</a:t>
+            </a:r>
+          </a:p>
+          <a:p>
+            <a:pPr lvl="1"/>
+            <a:r>
+              <a:rPr lang="en-US" dirty="0"/>
+              <a:t>Drug discovery</a:t>
+            </a:r>
+          </a:p>
+          <a:p>
+            <a:r>
+              <a:rPr lang="en-US" dirty="0"/>
+              <a:t>Reinforced learning</a:t>
+            </a:r>
+          </a:p>
+          <a:p>
+            <a:pPr lvl="1"/>
+            <a:r>
+              <a:rPr lang="en-US" dirty="0"/>
+              <a:t>Our implementation didn’t work as expected</a:t>
+            </a:r>
+          </a:p>
+          <a:p>
+            <a:pPr lvl="1"/>
+            <a:r>
+              <a:rPr lang="en-US" dirty="0"/>
+              <a:t>Unclear in article how the rewards were calculated {0,1}?</a:t>
+            </a:r>
+          </a:p>
+          <a:p>
+            <a:r>
+              <a:rPr lang="en-US" dirty="0"/>
+              <a:t>  Other reward system</a:t>
+            </a:r>
+          </a:p>
+          <a:p>
+            <a:pPr lvl="1"/>
+            <a:r>
+              <a:rPr lang="en-US" dirty="0"/>
+              <a:t>Add penalty</a:t>
+            </a:r>
+          </a:p>
+          <a:p>
+            <a:pPr lvl="1"/>
+            <a:r>
+              <a:rPr lang="en-US" dirty="0"/>
+              <a:t>Larger range of the penalty/reward</a:t>
+            </a:r>
+          </a:p>
+          <a:p>
+            <a:r>
+              <a:rPr lang="en-US" dirty="0"/>
+              <a:t>Not possible without CUDA acceleration</a:t>
+            </a:r>
+            <a:endParaRPr lang="en-NL" dirty="0"/>
+          </a:p>
+        </p:txBody>
+      </p:sp>
+      <p:sp>
+        <p:nvSpPr>
+          <p:cNvPr id="4" name="Slide Number Placeholder 3">
+            <a:extLst>
+              <a:ext uri="{FF2B5EF4-FFF2-40B4-BE49-F238E27FC236}">
+                <a16:creationId xmlns:a16="http://schemas.microsoft.com/office/drawing/2014/main" id="{93329927-FBE5-9905-AD59-EE895756BC7E}"/>
+              </a:ext>
+            </a:extLst>
+          </p:cNvPr>
+          <p:cNvSpPr>
+            <a:spLocks noGrp="1"/>
+          </p:cNvSpPr>
+          <p:nvPr>
+            <p:ph type="sldNum" sz="quarter" idx="12"/>
+          </p:nvPr>
+        </p:nvSpPr>
+        <p:spPr/>
+        <p:txBody>
+          <a:bodyPr/>
+          <a:lstStyle/>
+          <a:p>
+            <a:fld id="{6D8AD5B3-FCFD-4636-963F-AB3B51592AB9}" type="slidenum">
+              <a:rPr lang="en-NL" smtClean="0"/>
+              <a:t>14</a:t>
+            </a:fld>
+            <a:endParaRPr lang="en-NL"/>
+          </a:p>
+        </p:txBody>
+      </p:sp>
+    </p:spTree>
+    <p:extLst>
+      <p:ext uri="{BB962C8B-B14F-4D97-AF65-F5344CB8AC3E}">
+        <p14:creationId xmlns:p14="http://schemas.microsoft.com/office/powerpoint/2010/main" val="45723674"/>
       </p:ext>
     </p:extLst>
   </p:cSld>
@@ -4165,7 +7171,7 @@
           <a:p>
             <a:r>
               <a:rPr lang="en-US" dirty="0"/>
-              <a:t>Introduction</a:t>
+              <a:t>Introduction - RNN</a:t>
             </a:r>
             <a:endParaRPr lang="en-NL" dirty="0"/>
           </a:p>
@@ -4187,12 +7193,86 @@
             <p:ph idx="1"/>
           </p:nvPr>
         </p:nvSpPr>
-        <p:spPr/>
+        <p:spPr>
+          <a:xfrm>
+            <a:off x="838199" y="1825625"/>
+            <a:ext cx="9629022" cy="4265687"/>
+          </a:xfrm>
+        </p:spPr>
         <p:txBody>
           <a:bodyPr/>
           <a:lstStyle/>
           <a:p>
-            <a:endParaRPr lang="en-NL"/>
+            <a:r>
+              <a:rPr lang="en-US" dirty="0"/>
+              <a:t>Retention of past information</a:t>
+            </a:r>
+          </a:p>
+          <a:p>
+            <a:pPr lvl="1"/>
+            <a:r>
+              <a:rPr lang="en-US" dirty="0"/>
+              <a:t>Natural language</a:t>
+            </a:r>
+          </a:p>
+          <a:p>
+            <a:pPr lvl="1"/>
+            <a:r>
+              <a:rPr lang="en-US" dirty="0"/>
+              <a:t>Translation</a:t>
+            </a:r>
+          </a:p>
+          <a:p>
+            <a:pPr lvl="1"/>
+            <a:r>
+              <a:rPr lang="en-US" dirty="0"/>
+              <a:t>Music</a:t>
+            </a:r>
+          </a:p>
+          <a:p>
+            <a:r>
+              <a:rPr lang="en-US" dirty="0"/>
+              <a:t>LSTM</a:t>
+            </a:r>
+          </a:p>
+          <a:p>
+            <a:pPr lvl="1"/>
+            <a:r>
+              <a:rPr lang="en-US" dirty="0" err="1"/>
+              <a:t>Hochreiter</a:t>
+            </a:r>
+            <a:r>
+              <a:rPr lang="en-US" dirty="0"/>
+              <a:t> and </a:t>
+            </a:r>
+            <a:r>
+              <a:rPr lang="en-US" dirty="0" err="1"/>
+              <a:t>Schmidhuber</a:t>
+            </a:r>
+            <a:r>
+              <a:rPr lang="en-US" dirty="0"/>
+              <a:t> in 1997</a:t>
+            </a:r>
+          </a:p>
+          <a:p>
+            <a:pPr lvl="1"/>
+            <a:r>
+              <a:rPr lang="en-US" dirty="0"/>
+              <a:t>Long term memory (cell state c)</a:t>
+            </a:r>
+          </a:p>
+          <a:p>
+            <a:pPr lvl="1"/>
+            <a:r>
+              <a:rPr lang="en-US" dirty="0"/>
+              <a:t>Short term memory (hidden state h)</a:t>
+            </a:r>
+          </a:p>
+          <a:p>
+            <a:pPr marL="457200" lvl="1" indent="0">
+              <a:buNone/>
+            </a:pPr>
+            <a:endParaRPr lang="en-NL" dirty="0"/>
           </a:p>
         </p:txBody>
       </p:sp>
@@ -4222,6 +7302,135 @@
               <a:t>3</a:t>
             </a:fld>
             <a:endParaRPr lang="en-NL"/>
+          </a:p>
+        </p:txBody>
+      </p:sp>
+      <p:pic>
+        <p:nvPicPr>
+          <p:cNvPr id="6" name="Picture 5">
+            <a:extLst>
+              <a:ext uri="{FF2B5EF4-FFF2-40B4-BE49-F238E27FC236}">
+                <a16:creationId xmlns:a16="http://schemas.microsoft.com/office/drawing/2014/main" id="{5F6B589A-16EB-08C2-B180-A999E902A6F8}"/>
+              </a:ext>
+            </a:extLst>
+          </p:cNvPr>
+          <p:cNvPicPr>
+            <a:picLocks noChangeAspect="1"/>
+          </p:cNvPicPr>
+          <p:nvPr/>
+        </p:nvPicPr>
+        <p:blipFill>
+          <a:blip r:embed="rId2"/>
+          <a:stretch>
+            <a:fillRect/>
+          </a:stretch>
+        </p:blipFill>
+        <p:spPr>
+          <a:xfrm>
+            <a:off x="8907603" y="68263"/>
+            <a:ext cx="3011463" cy="2779035"/>
+          </a:xfrm>
+          <a:prstGeom prst="rect">
+            <a:avLst/>
+          </a:prstGeom>
+        </p:spPr>
+      </p:pic>
+      <p:pic>
+        <p:nvPicPr>
+          <p:cNvPr id="1026" name="Picture 2">
+            <a:extLst>
+              <a:ext uri="{FF2B5EF4-FFF2-40B4-BE49-F238E27FC236}">
+                <a16:creationId xmlns:a16="http://schemas.microsoft.com/office/drawing/2014/main" id="{45747419-47EC-BED1-D454-1D612BB25117}"/>
+              </a:ext>
+            </a:extLst>
+          </p:cNvPr>
+          <p:cNvPicPr>
+            <a:picLocks noChangeAspect="1" noChangeArrowheads="1"/>
+          </p:cNvPicPr>
+          <p:nvPr/>
+        </p:nvPicPr>
+        <p:blipFill>
+          <a:blip r:embed="rId3">
+            <a:extLst>
+              <a:ext uri="{28A0092B-C50C-407E-A947-70E740481C1C}">
+                <a14:useLocalDpi xmlns:a14="http://schemas.microsoft.com/office/drawing/2010/main" val="0"/>
+              </a:ext>
+            </a:extLst>
+          </a:blip>
+          <a:srcRect/>
+          <a:stretch>
+            <a:fillRect/>
+          </a:stretch>
+        </p:blipFill>
+        <p:spPr bwMode="auto">
+          <a:xfrm>
+            <a:off x="7307813" y="2847298"/>
+            <a:ext cx="4747338" cy="3244014"/>
+          </a:xfrm>
+          <a:prstGeom prst="rect">
+            <a:avLst/>
+          </a:prstGeom>
+          <a:noFill/>
+          <a:extLst>
+            <a:ext uri="{909E8E84-426E-40DD-AFC4-6F175D3DCCD1}">
+              <a14:hiddenFill xmlns:a14="http://schemas.microsoft.com/office/drawing/2010/main">
+                <a:solidFill>
+                  <a:srgbClr val="FFFFFF"/>
+                </a:solidFill>
+              </a14:hiddenFill>
+            </a:ext>
+          </a:extLst>
+        </p:spPr>
+      </p:pic>
+      <p:sp>
+        <p:nvSpPr>
+          <p:cNvPr id="10" name="TextBox 9">
+            <a:extLst>
+              <a:ext uri="{FF2B5EF4-FFF2-40B4-BE49-F238E27FC236}">
+                <a16:creationId xmlns:a16="http://schemas.microsoft.com/office/drawing/2014/main" id="{B63503C7-2DDC-F6B2-90D8-5D5B613C5421}"/>
+              </a:ext>
+            </a:extLst>
+          </p:cNvPr>
+          <p:cNvSpPr txBox="1"/>
+          <p:nvPr/>
+        </p:nvSpPr>
+        <p:spPr>
+          <a:xfrm>
+            <a:off x="4674393" y="6420405"/>
+            <a:ext cx="2843213" cy="369332"/>
+          </a:xfrm>
+          <a:prstGeom prst="rect">
+            <a:avLst/>
+          </a:prstGeom>
+          <a:noFill/>
+        </p:spPr>
+        <p:txBody>
+          <a:bodyPr wrap="square">
+            <a:spAutoFit/>
+          </a:bodyPr>
+          <a:lstStyle/>
+          <a:p>
+            <a:r>
+              <a:rPr lang="nl-NL" dirty="0" err="1">
+                <a:solidFill>
+                  <a:schemeClr val="bg1"/>
+                </a:solidFill>
+              </a:rPr>
+              <a:t>Gupta</a:t>
+            </a:r>
+            <a:r>
+              <a:rPr lang="nl-NL" dirty="0">
+                <a:solidFill>
+                  <a:schemeClr val="bg1"/>
+                </a:solidFill>
+              </a:rPr>
+              <a:t> et al. Mol. Inf. (2018)</a:t>
+            </a:r>
+            <a:endParaRPr lang="en-NL" dirty="0">
+              <a:solidFill>
+                <a:schemeClr val="bg1"/>
+              </a:solidFill>
+            </a:endParaRPr>
           </a:p>
         </p:txBody>
       </p:sp>
@@ -4260,7 +7469,7 @@
           <p:cNvPr id="2" name="Title 1">
             <a:extLst>
               <a:ext uri="{FF2B5EF4-FFF2-40B4-BE49-F238E27FC236}">
-                <a16:creationId xmlns:a16="http://schemas.microsoft.com/office/drawing/2014/main" id="{77862718-CFD6-B214-A48D-A330FF76C39E}"/>
+                <a16:creationId xmlns:a16="http://schemas.microsoft.com/office/drawing/2014/main" id="{299CCBCB-C31E-32E7-5757-48BE33D99C87}"/>
               </a:ext>
             </a:extLst>
           </p:cNvPr>
@@ -4278,7 +7487,7 @@
           <a:p>
             <a:r>
               <a:rPr lang="en-US" dirty="0"/>
-              <a:t>Method</a:t>
+              <a:t>Introduction – Properties</a:t>
             </a:r>
             <a:endParaRPr lang="en-NL" dirty="0"/>
           </a:p>
@@ -4289,7 +7498,7 @@
           <p:cNvPr id="3" name="Content Placeholder 2">
             <a:extLst>
               <a:ext uri="{FF2B5EF4-FFF2-40B4-BE49-F238E27FC236}">
-                <a16:creationId xmlns:a16="http://schemas.microsoft.com/office/drawing/2014/main" id="{3FA8F98C-31B4-32EF-0A13-FEE16E046836}"/>
+                <a16:creationId xmlns:a16="http://schemas.microsoft.com/office/drawing/2014/main" id="{F09399BC-C5D0-0AD9-8133-6F4F4AE2DC3A}"/>
               </a:ext>
             </a:extLst>
           </p:cNvPr>
@@ -4300,12 +7509,98 @@
             <p:ph idx="1"/>
           </p:nvPr>
         </p:nvSpPr>
-        <p:spPr/>
+        <p:spPr>
+          <a:xfrm>
+            <a:off x="838200" y="1825625"/>
+            <a:ext cx="7071804" cy="4351338"/>
+          </a:xfrm>
+        </p:spPr>
         <p:txBody>
           <a:bodyPr/>
           <a:lstStyle/>
           <a:p>
-            <a:endParaRPr lang="en-NL"/>
+            <a:r>
+              <a:rPr lang="en-US" dirty="0"/>
+              <a:t>Proof of concept via </a:t>
+            </a:r>
+            <a:r>
+              <a:rPr lang="en-US" dirty="0" err="1"/>
+              <a:t>RDKit</a:t>
+            </a:r>
+            <a:endParaRPr lang="en-US" dirty="0"/>
+          </a:p>
+          <a:p>
+            <a:pPr lvl="1"/>
+            <a:r>
+              <a:rPr lang="en-US" dirty="0" err="1"/>
+              <a:t>Logp</a:t>
+            </a:r>
+            <a:r>
+              <a:rPr lang="en-US" dirty="0"/>
+              <a:t> (partition coefficient)</a:t>
+            </a:r>
+          </a:p>
+          <a:p>
+            <a:pPr lvl="1"/>
+            <a:r>
+              <a:rPr lang="en-US" dirty="0"/>
+              <a:t>MACCS fingerprint</a:t>
+            </a:r>
+          </a:p>
+          <a:p>
+            <a:pPr lvl="2"/>
+            <a:r>
+              <a:rPr lang="en-US" dirty="0" err="1"/>
+              <a:t>Tanimoto</a:t>
+            </a:r>
+            <a:r>
+              <a:rPr lang="en-US" dirty="0"/>
+              <a:t> similarity score</a:t>
+            </a:r>
+          </a:p>
+          <a:p>
+            <a:r>
+              <a:rPr lang="en-US" dirty="0"/>
+              <a:t>Using neural networks to assign properties</a:t>
+            </a:r>
+          </a:p>
+          <a:p>
+            <a:pPr lvl="1"/>
+            <a:r>
+              <a:rPr lang="en-US" dirty="0"/>
+              <a:t>Bioactivity</a:t>
+            </a:r>
+          </a:p>
+          <a:p>
+            <a:pPr lvl="1"/>
+            <a:r>
+              <a:rPr lang="en-US" dirty="0"/>
+              <a:t>Solubility</a:t>
+            </a:r>
+          </a:p>
+          <a:p>
+            <a:r>
+              <a:rPr lang="en-US" dirty="0"/>
+              <a:t>Using actual (quantum) calculations</a:t>
+            </a:r>
+          </a:p>
+          <a:p>
+            <a:pPr lvl="1"/>
+            <a:r>
+              <a:rPr lang="en-US" dirty="0"/>
+              <a:t>Not enough information in SMILES</a:t>
+            </a:r>
+          </a:p>
+          <a:p>
+            <a:pPr lvl="2"/>
+            <a:r>
+              <a:rPr lang="en-US" dirty="0"/>
+              <a:t>Conformation of molecule</a:t>
+            </a:r>
+          </a:p>
+          <a:p>
+            <a:pPr lvl="1"/>
+            <a:endParaRPr lang="en-NL" dirty="0"/>
           </a:p>
         </p:txBody>
       </p:sp>
@@ -4314,7 +7609,7 @@
           <p:cNvPr id="4" name="Slide Number Placeholder 3">
             <a:extLst>
               <a:ext uri="{FF2B5EF4-FFF2-40B4-BE49-F238E27FC236}">
-                <a16:creationId xmlns:a16="http://schemas.microsoft.com/office/drawing/2014/main" id="{B3B366F5-52A3-1E08-8CB1-EBCD309CD0E6}"/>
+                <a16:creationId xmlns:a16="http://schemas.microsoft.com/office/drawing/2014/main" id="{4F494DA6-EDEB-8C4F-1949-13BBA5F6FF79}"/>
               </a:ext>
             </a:extLst>
           </p:cNvPr>
@@ -4338,10 +7633,723 @@
           </a:p>
         </p:txBody>
       </p:sp>
+      <p:pic>
+        <p:nvPicPr>
+          <p:cNvPr id="2050" name="Picture 2" descr="Space filling model of methanol">
+            <a:extLst>
+              <a:ext uri="{FF2B5EF4-FFF2-40B4-BE49-F238E27FC236}">
+                <a16:creationId xmlns:a16="http://schemas.microsoft.com/office/drawing/2014/main" id="{7E102288-5687-1CB6-AEE2-39F11BBD1FA8}"/>
+              </a:ext>
+            </a:extLst>
+          </p:cNvPr>
+          <p:cNvPicPr>
+            <a:picLocks noChangeAspect="1" noChangeArrowheads="1"/>
+          </p:cNvPicPr>
+          <p:nvPr/>
+        </p:nvPicPr>
+        <p:blipFill>
+          <a:blip r:embed="rId2">
+            <a:extLst>
+              <a:ext uri="{28A0092B-C50C-407E-A947-70E740481C1C}">
+                <a14:useLocalDpi xmlns:a14="http://schemas.microsoft.com/office/drawing/2010/main" val="0"/>
+              </a:ext>
+            </a:extLst>
+          </a:blip>
+          <a:srcRect/>
+          <a:stretch>
+            <a:fillRect/>
+          </a:stretch>
+        </p:blipFill>
+        <p:spPr bwMode="auto">
+          <a:xfrm>
+            <a:off x="7416346" y="365125"/>
+            <a:ext cx="1685106" cy="1440000"/>
+          </a:xfrm>
+          <a:prstGeom prst="rect">
+            <a:avLst/>
+          </a:prstGeom>
+          <a:noFill/>
+          <a:extLst>
+            <a:ext uri="{909E8E84-426E-40DD-AFC4-6F175D3DCCD1}">
+              <a14:hiddenFill xmlns:a14="http://schemas.microsoft.com/office/drawing/2010/main">
+                <a:solidFill>
+                  <a:srgbClr val="FFFFFF"/>
+                </a:solidFill>
+              </a14:hiddenFill>
+            </a:ext>
+          </a:extLst>
+        </p:spPr>
+      </p:pic>
+      <p:pic>
+        <p:nvPicPr>
+          <p:cNvPr id="2052" name="Picture 4" descr="Structural formula of hexamethylbenzene">
+            <a:extLst>
+              <a:ext uri="{FF2B5EF4-FFF2-40B4-BE49-F238E27FC236}">
+                <a16:creationId xmlns:a16="http://schemas.microsoft.com/office/drawing/2014/main" id="{986DA139-E74B-A15C-52C9-4A0EE53D61DF}"/>
+              </a:ext>
+            </a:extLst>
+          </p:cNvPr>
+          <p:cNvPicPr>
+            <a:picLocks noChangeAspect="1" noChangeArrowheads="1"/>
+          </p:cNvPicPr>
+          <p:nvPr/>
+        </p:nvPicPr>
+        <p:blipFill>
+          <a:blip r:embed="rId3">
+            <a:extLst>
+              <a:ext uri="{28A0092B-C50C-407E-A947-70E740481C1C}">
+                <a14:useLocalDpi xmlns:a14="http://schemas.microsoft.com/office/drawing/2010/main" val="0"/>
+              </a:ext>
+            </a:extLst>
+          </a:blip>
+          <a:srcRect/>
+          <a:stretch>
+            <a:fillRect/>
+          </a:stretch>
+        </p:blipFill>
+        <p:spPr bwMode="auto">
+          <a:xfrm>
+            <a:off x="9601005" y="365125"/>
+            <a:ext cx="1627826" cy="1440000"/>
+          </a:xfrm>
+          <a:prstGeom prst="rect">
+            <a:avLst/>
+          </a:prstGeom>
+          <a:noFill/>
+          <a:extLst>
+            <a:ext uri="{909E8E84-426E-40DD-AFC4-6F175D3DCCD1}">
+              <a14:hiddenFill xmlns:a14="http://schemas.microsoft.com/office/drawing/2010/main">
+                <a:solidFill>
+                  <a:srgbClr val="FFFFFF"/>
+                </a:solidFill>
+              </a14:hiddenFill>
+            </a:ext>
+          </a:extLst>
+        </p:spPr>
+      </p:pic>
+      <p:sp>
+        <p:nvSpPr>
+          <p:cNvPr id="6" name="TextBox 5">
+            <a:extLst>
+              <a:ext uri="{FF2B5EF4-FFF2-40B4-BE49-F238E27FC236}">
+                <a16:creationId xmlns:a16="http://schemas.microsoft.com/office/drawing/2014/main" id="{00E93C21-AA7A-3B23-453E-72FB239C47E1}"/>
+              </a:ext>
+            </a:extLst>
+          </p:cNvPr>
+          <p:cNvSpPr txBox="1"/>
+          <p:nvPr/>
+        </p:nvSpPr>
+        <p:spPr>
+          <a:xfrm>
+            <a:off x="6533224" y="1744284"/>
+            <a:ext cx="5256322" cy="369332"/>
+          </a:xfrm>
+          <a:prstGeom prst="rect">
+            <a:avLst/>
+          </a:prstGeom>
+          <a:noFill/>
+        </p:spPr>
+        <p:txBody>
+          <a:bodyPr wrap="square">
+            <a:spAutoFit/>
+          </a:bodyPr>
+          <a:lstStyle/>
+          <a:p>
+            <a:pPr lvl="2"/>
+            <a:r>
+              <a:rPr lang="en-US" b="1" dirty="0" err="1"/>
+              <a:t>Logp</a:t>
+            </a:r>
+            <a:r>
+              <a:rPr lang="en-US" b="1" dirty="0"/>
+              <a:t> = -0,81	             </a:t>
+            </a:r>
+            <a:r>
+              <a:rPr lang="en-US" b="1" dirty="0" err="1"/>
+              <a:t>logp</a:t>
+            </a:r>
+            <a:r>
+              <a:rPr lang="en-US" b="1" dirty="0"/>
+              <a:t> = 4,61</a:t>
+            </a:r>
+          </a:p>
+        </p:txBody>
+      </p:sp>
+      <mc:AlternateContent xmlns:mc="http://schemas.openxmlformats.org/markup-compatibility/2006">
+        <mc:Choice xmlns:a14="http://schemas.microsoft.com/office/drawing/2010/main" Requires="a14">
+          <p:sp>
+            <p:nvSpPr>
+              <p:cNvPr id="7" name="TextBox 6">
+                <a:extLst>
+                  <a:ext uri="{FF2B5EF4-FFF2-40B4-BE49-F238E27FC236}">
+                    <a16:creationId xmlns:a16="http://schemas.microsoft.com/office/drawing/2014/main" id="{B9A28EF1-BF48-9B47-824F-2AE291ED8219}"/>
+                  </a:ext>
+                </a:extLst>
+              </p:cNvPr>
+              <p:cNvSpPr txBox="1"/>
+              <p:nvPr/>
+            </p:nvSpPr>
+            <p:spPr>
+              <a:xfrm>
+                <a:off x="7910004" y="2591690"/>
+                <a:ext cx="3578352" cy="912622"/>
+              </a:xfrm>
+              <a:prstGeom prst="rect">
+                <a:avLst/>
+              </a:prstGeom>
+              <a:noFill/>
+            </p:spPr>
+            <p:txBody>
+              <a:bodyPr wrap="none" lIns="0" tIns="0" rIns="0" bIns="0" rtlCol="0">
+                <a:spAutoFit/>
+              </a:bodyPr>
+              <a:lstStyle/>
+              <a:p>
+                <a14:m>
+                  <m:oMathPara xmlns:m="http://schemas.openxmlformats.org/officeDocument/2006/math">
+                    <m:oMathParaPr>
+                      <m:jc m:val="centerGroup"/>
+                    </m:oMathParaPr>
+                    <m:oMath xmlns:m="http://schemas.openxmlformats.org/officeDocument/2006/math">
+                      <m:r>
+                        <a:rPr lang="en-US" sz="2800" b="0" i="1" smtClean="0">
+                          <a:latin typeface="Cambria Math" panose="02040503050406030204" pitchFamily="18" charset="0"/>
+                        </a:rPr>
+                        <m:t>𝑇</m:t>
+                      </m:r>
+                      <m:d>
+                        <m:dPr>
+                          <m:ctrlPr>
+                            <a:rPr lang="en-US" sz="2800" b="0" i="1" smtClean="0">
+                              <a:latin typeface="Cambria Math" panose="02040503050406030204" pitchFamily="18" charset="0"/>
+                            </a:rPr>
+                          </m:ctrlPr>
+                        </m:dPr>
+                        <m:e>
+                          <m:r>
+                            <a:rPr lang="en-US" sz="2800" b="0" i="1" smtClean="0">
+                              <a:latin typeface="Cambria Math" panose="02040503050406030204" pitchFamily="18" charset="0"/>
+                            </a:rPr>
+                            <m:t>𝐴</m:t>
+                          </m:r>
+                          <m:r>
+                            <a:rPr lang="en-US" sz="2800" b="0" i="1" smtClean="0">
+                              <a:latin typeface="Cambria Math" panose="02040503050406030204" pitchFamily="18" charset="0"/>
+                            </a:rPr>
+                            <m:t>,</m:t>
+                          </m:r>
+                          <m:r>
+                            <a:rPr lang="en-US" sz="2800" b="0" i="1" smtClean="0">
+                              <a:latin typeface="Cambria Math" panose="02040503050406030204" pitchFamily="18" charset="0"/>
+                            </a:rPr>
+                            <m:t>𝐵</m:t>
+                          </m:r>
+                        </m:e>
+                      </m:d>
+                      <m:r>
+                        <a:rPr lang="en-US" sz="2800" b="0" i="1" smtClean="0">
+                          <a:latin typeface="Cambria Math" panose="02040503050406030204" pitchFamily="18" charset="0"/>
+                        </a:rPr>
+                        <m:t>=</m:t>
+                      </m:r>
+                      <m:f>
+                        <m:fPr>
+                          <m:ctrlPr>
+                            <a:rPr lang="en-US" sz="2800" b="0" i="1" smtClean="0">
+                              <a:latin typeface="Cambria Math" panose="02040503050406030204" pitchFamily="18" charset="0"/>
+                            </a:rPr>
+                          </m:ctrlPr>
+                        </m:fPr>
+                        <m:num>
+                          <m:d>
+                            <m:dPr>
+                              <m:begChr m:val="|"/>
+                              <m:endChr m:val="|"/>
+                              <m:ctrlPr>
+                                <a:rPr lang="en-US" sz="2800" b="0" i="1" smtClean="0">
+                                  <a:latin typeface="Cambria Math" panose="02040503050406030204" pitchFamily="18" charset="0"/>
+                                </a:rPr>
+                              </m:ctrlPr>
+                            </m:dPr>
+                            <m:e>
+                              <m:r>
+                                <a:rPr lang="en-US" sz="2800" b="0" i="1" smtClean="0">
+                                  <a:latin typeface="Cambria Math" panose="02040503050406030204" pitchFamily="18" charset="0"/>
+                                </a:rPr>
+                                <m:t>𝐴</m:t>
+                              </m:r>
+                              <m:r>
+                                <a:rPr lang="en-US" sz="2800" b="0" i="1" smtClean="0">
+                                  <a:latin typeface="Cambria Math" panose="02040503050406030204" pitchFamily="18" charset="0"/>
+                                </a:rPr>
+                                <m:t> </m:t>
+                              </m:r>
+                              <m:d>
+                                <m:dPr>
+                                  <m:ctrlPr>
+                                    <a:rPr lang="en-US" sz="2800" b="0" i="1" smtClean="0">
+                                      <a:latin typeface="Cambria Math" panose="02040503050406030204" pitchFamily="18" charset="0"/>
+                                    </a:rPr>
+                                  </m:ctrlPr>
+                                </m:dPr>
+                                <m:e>
+                                  <m:r>
+                                    <a:rPr lang="en-US" sz="2800" b="0" i="1" smtClean="0">
+                                      <a:latin typeface="Cambria Math" panose="02040503050406030204" pitchFamily="18" charset="0"/>
+                                    </a:rPr>
+                                    <m:t>𝐴𝑁𝐷</m:t>
+                                  </m:r>
+                                </m:e>
+                              </m:d>
+                              <m:r>
+                                <a:rPr lang="en-US" sz="2800" b="0" i="1" smtClean="0">
+                                  <a:latin typeface="Cambria Math" panose="02040503050406030204" pitchFamily="18" charset="0"/>
+                                </a:rPr>
+                                <m:t> </m:t>
+                              </m:r>
+                              <m:r>
+                                <a:rPr lang="en-US" sz="2800" b="0" i="1" smtClean="0">
+                                  <a:latin typeface="Cambria Math" panose="02040503050406030204" pitchFamily="18" charset="0"/>
+                                </a:rPr>
+                                <m:t>𝐵</m:t>
+                              </m:r>
+                            </m:e>
+                          </m:d>
+                        </m:num>
+                        <m:den>
+                          <m:d>
+                            <m:dPr>
+                              <m:begChr m:val="|"/>
+                              <m:endChr m:val="|"/>
+                              <m:ctrlPr>
+                                <a:rPr lang="en-US" sz="2800" b="0" i="1" smtClean="0">
+                                  <a:latin typeface="Cambria Math" panose="02040503050406030204" pitchFamily="18" charset="0"/>
+                                </a:rPr>
+                              </m:ctrlPr>
+                            </m:dPr>
+                            <m:e>
+                              <m:r>
+                                <a:rPr lang="en-US" sz="2800" b="0" i="1" smtClean="0">
+                                  <a:latin typeface="Cambria Math" panose="02040503050406030204" pitchFamily="18" charset="0"/>
+                                </a:rPr>
+                                <m:t>𝐴</m:t>
+                              </m:r>
+                              <m:r>
+                                <a:rPr lang="en-US" sz="2800" b="0" i="1" smtClean="0">
+                                  <a:latin typeface="Cambria Math" panose="02040503050406030204" pitchFamily="18" charset="0"/>
+                                </a:rPr>
+                                <m:t> </m:t>
+                              </m:r>
+                              <m:d>
+                                <m:dPr>
+                                  <m:ctrlPr>
+                                    <a:rPr lang="en-US" sz="2800" b="0" i="1" smtClean="0">
+                                      <a:latin typeface="Cambria Math" panose="02040503050406030204" pitchFamily="18" charset="0"/>
+                                    </a:rPr>
+                                  </m:ctrlPr>
+                                </m:dPr>
+                                <m:e>
+                                  <m:r>
+                                    <a:rPr lang="en-US" sz="2800" b="0" i="1" smtClean="0">
+                                      <a:latin typeface="Cambria Math" panose="02040503050406030204" pitchFamily="18" charset="0"/>
+                                    </a:rPr>
+                                    <m:t>𝑂𝑅</m:t>
+                                  </m:r>
+                                </m:e>
+                              </m:d>
+                              <m:r>
+                                <a:rPr lang="en-US" sz="2800" b="0" i="1" smtClean="0">
+                                  <a:latin typeface="Cambria Math" panose="02040503050406030204" pitchFamily="18" charset="0"/>
+                                </a:rPr>
+                                <m:t>𝐵</m:t>
+                              </m:r>
+                            </m:e>
+                          </m:d>
+                        </m:den>
+                      </m:f>
+                    </m:oMath>
+                  </m:oMathPara>
+                </a14:m>
+                <a:endParaRPr lang="en-NL" sz="2800" dirty="0"/>
+              </a:p>
+            </p:txBody>
+          </p:sp>
+        </mc:Choice>
+        <mc:Fallback>
+          <p:sp>
+            <p:nvSpPr>
+              <p:cNvPr id="7" name="TextBox 6">
+                <a:extLst>
+                  <a:ext uri="{FF2B5EF4-FFF2-40B4-BE49-F238E27FC236}">
+                    <a16:creationId xmlns:a16="http://schemas.microsoft.com/office/drawing/2014/main" id="{B9A28EF1-BF48-9B47-824F-2AE291ED8219}"/>
+                  </a:ext>
+                </a:extLst>
+              </p:cNvPr>
+              <p:cNvSpPr txBox="1">
+                <a:spLocks noRot="1" noChangeAspect="1" noMove="1" noResize="1" noEditPoints="1" noAdjustHandles="1" noChangeArrowheads="1" noChangeShapeType="1" noTextEdit="1"/>
+              </p:cNvSpPr>
+              <p:nvPr/>
+            </p:nvSpPr>
+            <p:spPr>
+              <a:xfrm>
+                <a:off x="7910004" y="2591690"/>
+                <a:ext cx="3578352" cy="912622"/>
+              </a:xfrm>
+              <a:prstGeom prst="rect">
+                <a:avLst/>
+              </a:prstGeom>
+              <a:blipFill>
+                <a:blip r:embed="rId4"/>
+                <a:stretch>
+                  <a:fillRect/>
+                </a:stretch>
+              </a:blipFill>
+            </p:spPr>
+            <p:txBody>
+              <a:bodyPr/>
+              <a:lstStyle/>
+              <a:p>
+                <a:r>
+                  <a:rPr lang="en-NL">
+                    <a:noFill/>
+                  </a:rPr>
+                  <a:t> </a:t>
+                </a:r>
+              </a:p>
+            </p:txBody>
+          </p:sp>
+        </mc:Fallback>
+      </mc:AlternateContent>
+      <p:sp>
+        <p:nvSpPr>
+          <p:cNvPr id="8" name="Rectangle: Rounded Corners 7">
+            <a:extLst>
+              <a:ext uri="{FF2B5EF4-FFF2-40B4-BE49-F238E27FC236}">
+                <a16:creationId xmlns:a16="http://schemas.microsoft.com/office/drawing/2014/main" id="{F89EF46D-A2AD-99EA-518A-041F4BCC2DF5}"/>
+              </a:ext>
+            </a:extLst>
+          </p:cNvPr>
+          <p:cNvSpPr/>
+          <p:nvPr/>
+        </p:nvSpPr>
+        <p:spPr>
+          <a:xfrm>
+            <a:off x="9286043" y="4578283"/>
+            <a:ext cx="1793289" cy="772357"/>
+          </a:xfrm>
+          <a:prstGeom prst="roundRect">
+            <a:avLst/>
+          </a:prstGeom>
+          <a:noFill/>
+          <a:ln w="76200">
+            <a:solidFill>
+              <a:schemeClr val="tx1"/>
+            </a:solidFill>
+          </a:ln>
+        </p:spPr>
+        <p:style>
+          <a:lnRef idx="2">
+            <a:schemeClr val="accent1">
+              <a:shade val="15000"/>
+            </a:schemeClr>
+          </a:lnRef>
+          <a:fillRef idx="1">
+            <a:schemeClr val="accent1"/>
+          </a:fillRef>
+          <a:effectRef idx="0">
+            <a:schemeClr val="accent1"/>
+          </a:effectRef>
+          <a:fontRef idx="minor">
+            <a:schemeClr val="lt1"/>
+          </a:fontRef>
+        </p:style>
+        <p:txBody>
+          <a:bodyPr rtlCol="0" anchor="ctr"/>
+          <a:lstStyle/>
+          <a:p>
+            <a:pPr algn="ctr"/>
+            <a:r>
+              <a:rPr lang="en-US" sz="3600" b="1" dirty="0">
+                <a:solidFill>
+                  <a:schemeClr val="tx1"/>
+                </a:solidFill>
+              </a:rPr>
+              <a:t>NN</a:t>
+            </a:r>
+            <a:endParaRPr lang="en-NL" sz="3600" b="1" dirty="0">
+              <a:solidFill>
+                <a:schemeClr val="tx1"/>
+              </a:solidFill>
+            </a:endParaRPr>
+          </a:p>
+        </p:txBody>
+      </p:sp>
+      <p:sp>
+        <p:nvSpPr>
+          <p:cNvPr id="9" name="Arrow: Down 8">
+            <a:extLst>
+              <a:ext uri="{FF2B5EF4-FFF2-40B4-BE49-F238E27FC236}">
+                <a16:creationId xmlns:a16="http://schemas.microsoft.com/office/drawing/2014/main" id="{FB9F1F0F-324C-78C9-C1F9-B665E68BBE25}"/>
+              </a:ext>
+            </a:extLst>
+          </p:cNvPr>
+          <p:cNvSpPr/>
+          <p:nvPr/>
+        </p:nvSpPr>
+        <p:spPr>
+          <a:xfrm>
+            <a:off x="9783452" y="4276668"/>
+            <a:ext cx="798470" cy="284085"/>
+          </a:xfrm>
+          <a:prstGeom prst="downArrow">
+            <a:avLst/>
+          </a:prstGeom>
+          <a:solidFill>
+            <a:schemeClr val="tx1"/>
+          </a:solidFill>
+          <a:ln w="57150">
+            <a:solidFill>
+              <a:schemeClr val="tx1"/>
+            </a:solidFill>
+          </a:ln>
+        </p:spPr>
+        <p:style>
+          <a:lnRef idx="2">
+            <a:schemeClr val="accent1">
+              <a:shade val="15000"/>
+            </a:schemeClr>
+          </a:lnRef>
+          <a:fillRef idx="1">
+            <a:schemeClr val="accent1"/>
+          </a:fillRef>
+          <a:effectRef idx="0">
+            <a:schemeClr val="accent1"/>
+          </a:effectRef>
+          <a:fontRef idx="minor">
+            <a:schemeClr val="lt1"/>
+          </a:fontRef>
+        </p:style>
+        <p:txBody>
+          <a:bodyPr rtlCol="0" anchor="ctr"/>
+          <a:lstStyle/>
+          <a:p>
+            <a:pPr algn="ctr"/>
+            <a:endParaRPr lang="en-NL"/>
+          </a:p>
+        </p:txBody>
+      </p:sp>
+      <p:sp>
+        <p:nvSpPr>
+          <p:cNvPr id="10" name="Arrow: Down 9">
+            <a:extLst>
+              <a:ext uri="{FF2B5EF4-FFF2-40B4-BE49-F238E27FC236}">
+                <a16:creationId xmlns:a16="http://schemas.microsoft.com/office/drawing/2014/main" id="{F3D1536F-D69D-C316-05D6-5086791915D6}"/>
+              </a:ext>
+            </a:extLst>
+          </p:cNvPr>
+          <p:cNvSpPr/>
+          <p:nvPr/>
+        </p:nvSpPr>
+        <p:spPr>
+          <a:xfrm>
+            <a:off x="9783452" y="5350640"/>
+            <a:ext cx="798470" cy="284085"/>
+          </a:xfrm>
+          <a:prstGeom prst="downArrow">
+            <a:avLst/>
+          </a:prstGeom>
+          <a:solidFill>
+            <a:schemeClr val="tx1"/>
+          </a:solidFill>
+          <a:ln w="57150">
+            <a:solidFill>
+              <a:schemeClr val="tx1"/>
+            </a:solidFill>
+          </a:ln>
+        </p:spPr>
+        <p:style>
+          <a:lnRef idx="2">
+            <a:schemeClr val="accent1">
+              <a:shade val="15000"/>
+            </a:schemeClr>
+          </a:lnRef>
+          <a:fillRef idx="1">
+            <a:schemeClr val="accent1"/>
+          </a:fillRef>
+          <a:effectRef idx="0">
+            <a:schemeClr val="accent1"/>
+          </a:effectRef>
+          <a:fontRef idx="minor">
+            <a:schemeClr val="lt1"/>
+          </a:fontRef>
+        </p:style>
+        <p:txBody>
+          <a:bodyPr rtlCol="0" anchor="ctr"/>
+          <a:lstStyle/>
+          <a:p>
+            <a:pPr algn="ctr"/>
+            <a:endParaRPr lang="en-NL"/>
+          </a:p>
+        </p:txBody>
+      </p:sp>
+      <p:sp>
+        <p:nvSpPr>
+          <p:cNvPr id="12" name="TextBox 11">
+            <a:extLst>
+              <a:ext uri="{FF2B5EF4-FFF2-40B4-BE49-F238E27FC236}">
+                <a16:creationId xmlns:a16="http://schemas.microsoft.com/office/drawing/2014/main" id="{6C7BAB5E-23BF-33D3-ECB3-F353356F9F42}"/>
+              </a:ext>
+            </a:extLst>
+          </p:cNvPr>
+          <p:cNvSpPr txBox="1"/>
+          <p:nvPr/>
+        </p:nvSpPr>
+        <p:spPr>
+          <a:xfrm>
+            <a:off x="9574111" y="3761750"/>
+            <a:ext cx="1211997" cy="461665"/>
+          </a:xfrm>
+          <a:prstGeom prst="rect">
+            <a:avLst/>
+          </a:prstGeom>
+          <a:noFill/>
+        </p:spPr>
+        <p:txBody>
+          <a:bodyPr wrap="square">
+            <a:spAutoFit/>
+          </a:bodyPr>
+          <a:lstStyle/>
+          <a:p>
+            <a:r>
+              <a:rPr lang="en-US" sz="2400" dirty="0"/>
+              <a:t>SMILES</a:t>
+            </a:r>
+          </a:p>
+        </p:txBody>
+      </p:sp>
+      <p:sp>
+        <p:nvSpPr>
+          <p:cNvPr id="13" name="TextBox 12">
+            <a:extLst>
+              <a:ext uri="{FF2B5EF4-FFF2-40B4-BE49-F238E27FC236}">
+                <a16:creationId xmlns:a16="http://schemas.microsoft.com/office/drawing/2014/main" id="{B54CCEC4-E101-DF99-EA6A-645FEB47A4D3}"/>
+              </a:ext>
+            </a:extLst>
+          </p:cNvPr>
+          <p:cNvSpPr txBox="1"/>
+          <p:nvPr/>
+        </p:nvSpPr>
+        <p:spPr>
+          <a:xfrm>
+            <a:off x="8660341" y="5693784"/>
+            <a:ext cx="3044692" cy="461665"/>
+          </a:xfrm>
+          <a:prstGeom prst="rect">
+            <a:avLst/>
+          </a:prstGeom>
+          <a:noFill/>
+        </p:spPr>
+        <p:txBody>
+          <a:bodyPr wrap="square">
+            <a:spAutoFit/>
+          </a:bodyPr>
+          <a:lstStyle/>
+          <a:p>
+            <a:r>
+              <a:rPr lang="en-US" sz="2400" dirty="0"/>
+              <a:t>Prediction of property</a:t>
+            </a:r>
+          </a:p>
+        </p:txBody>
+      </p:sp>
+      <p:sp>
+        <p:nvSpPr>
+          <p:cNvPr id="15" name="TextBox 14">
+            <a:extLst>
+              <a:ext uri="{FF2B5EF4-FFF2-40B4-BE49-F238E27FC236}">
+                <a16:creationId xmlns:a16="http://schemas.microsoft.com/office/drawing/2014/main" id="{6402F173-A876-825F-A063-1F2D392A4773}"/>
+              </a:ext>
+            </a:extLst>
+          </p:cNvPr>
+          <p:cNvSpPr txBox="1"/>
+          <p:nvPr/>
+        </p:nvSpPr>
+        <p:spPr>
+          <a:xfrm>
+            <a:off x="2375931" y="6416237"/>
+            <a:ext cx="7440137" cy="369332"/>
+          </a:xfrm>
+          <a:prstGeom prst="rect">
+            <a:avLst/>
+          </a:prstGeom>
+          <a:noFill/>
+        </p:spPr>
+        <p:txBody>
+          <a:bodyPr wrap="square">
+            <a:spAutoFit/>
+          </a:bodyPr>
+          <a:lstStyle/>
+          <a:p>
+            <a:r>
+              <a:rPr lang="en-US" dirty="0" err="1">
+                <a:solidFill>
+                  <a:schemeClr val="bg1"/>
+                </a:solidFill>
+              </a:rPr>
+              <a:t>Olivecrona</a:t>
+            </a:r>
+            <a:r>
+              <a:rPr lang="en-US" dirty="0">
+                <a:solidFill>
+                  <a:schemeClr val="bg1"/>
+                </a:solidFill>
+              </a:rPr>
+              <a:t> et al. J </a:t>
+            </a:r>
+            <a:r>
+              <a:rPr lang="en-US" dirty="0" err="1">
+                <a:solidFill>
+                  <a:schemeClr val="bg1"/>
+                </a:solidFill>
+              </a:rPr>
+              <a:t>Cheminform</a:t>
+            </a:r>
+            <a:r>
+              <a:rPr lang="en-US" dirty="0">
+                <a:solidFill>
+                  <a:schemeClr val="bg1"/>
+                </a:solidFill>
+              </a:rPr>
+              <a:t> (2017) &amp; Pereira et al. J </a:t>
+            </a:r>
+            <a:r>
+              <a:rPr lang="en-US" dirty="0" err="1">
+                <a:solidFill>
+                  <a:schemeClr val="bg1"/>
+                </a:solidFill>
+              </a:rPr>
+              <a:t>Cheminform</a:t>
+            </a:r>
+            <a:r>
+              <a:rPr lang="en-US" dirty="0">
+                <a:solidFill>
+                  <a:schemeClr val="bg1"/>
+                </a:solidFill>
+              </a:rPr>
+              <a:t> (2021)</a:t>
+            </a:r>
+            <a:endParaRPr lang="en-NL" dirty="0">
+              <a:solidFill>
+                <a:schemeClr val="bg1"/>
+              </a:solidFill>
+            </a:endParaRPr>
+          </a:p>
+        </p:txBody>
+      </p:sp>
     </p:spTree>
     <p:extLst>
       <p:ext uri="{BB962C8B-B14F-4D97-AF65-F5344CB8AC3E}">
-        <p14:creationId xmlns:p14="http://schemas.microsoft.com/office/powerpoint/2010/main" val="1203030831"/>
+        <p14:creationId xmlns:p14="http://schemas.microsoft.com/office/powerpoint/2010/main" val="2730127437"/>
       </p:ext>
     </p:extLst>
   </p:cSld>
@@ -4373,7 +8381,7 @@
           <p:cNvPr id="2" name="Title 1">
             <a:extLst>
               <a:ext uri="{FF2B5EF4-FFF2-40B4-BE49-F238E27FC236}">
-                <a16:creationId xmlns:a16="http://schemas.microsoft.com/office/drawing/2014/main" id="{77070BD0-642F-6077-FE6D-BFF56BDB09D0}"/>
+                <a16:creationId xmlns:a16="http://schemas.microsoft.com/office/drawing/2014/main" id="{5728056E-A2E9-352C-4E5E-D5D90A044C11}"/>
               </a:ext>
             </a:extLst>
           </p:cNvPr>
@@ -4391,11 +8399,7 @@
           <a:p>
             <a:r>
               <a:rPr lang="en-US" dirty="0"/>
-              <a:t>Results and </a:t>
-            </a:r>
-            <a:r>
-              <a:rPr lang="en-US" dirty="0" err="1"/>
-              <a:t>Discusion</a:t>
+              <a:t>Introduction – Reinforced learning</a:t>
             </a:r>
             <a:endParaRPr lang="en-NL" dirty="0"/>
           </a:p>
@@ -4406,7 +8410,7 @@
           <p:cNvPr id="3" name="Content Placeholder 2">
             <a:extLst>
               <a:ext uri="{FF2B5EF4-FFF2-40B4-BE49-F238E27FC236}">
-                <a16:creationId xmlns:a16="http://schemas.microsoft.com/office/drawing/2014/main" id="{74F18580-2DE9-5712-8526-63A502CE31D1}"/>
+                <a16:creationId xmlns:a16="http://schemas.microsoft.com/office/drawing/2014/main" id="{B6708399-0A8E-80DE-2B1D-80AFC9D3D22B}"/>
               </a:ext>
             </a:extLst>
           </p:cNvPr>
@@ -4417,12 +8421,74 @@
             <p:ph idx="1"/>
           </p:nvPr>
         </p:nvSpPr>
-        <p:spPr/>
+        <p:spPr>
+          <a:xfrm>
+            <a:off x="838199" y="1825625"/>
+            <a:ext cx="9397753" cy="4351338"/>
+          </a:xfrm>
+        </p:spPr>
         <p:txBody>
           <a:bodyPr/>
           <a:lstStyle/>
           <a:p>
-            <a:endParaRPr lang="en-NL"/>
+            <a:r>
+              <a:rPr lang="en-US" dirty="0"/>
+              <a:t>Scoring of generated SMILES</a:t>
+            </a:r>
+          </a:p>
+          <a:p>
+            <a:pPr lvl="1"/>
+            <a:r>
+              <a:rPr lang="en-US" dirty="0"/>
+              <a:t>Reward/penalty used to teach the model</a:t>
+            </a:r>
+          </a:p>
+          <a:p>
+            <a:pPr lvl="1"/>
+            <a:r>
+              <a:rPr lang="en-US" dirty="0"/>
+              <a:t>Many ways to score</a:t>
+            </a:r>
+          </a:p>
+          <a:p>
+            <a:r>
+              <a:rPr lang="en-US" dirty="0"/>
+              <a:t>Used to generate SMILES with preferred properties</a:t>
+            </a:r>
+          </a:p>
+          <a:p>
+            <a:pPr lvl="1"/>
+            <a:r>
+              <a:rPr lang="en-US" dirty="0"/>
+              <a:t>Bioactivity</a:t>
+            </a:r>
+          </a:p>
+          <a:p>
+            <a:pPr lvl="1"/>
+            <a:r>
+              <a:rPr lang="en-US" dirty="0"/>
+              <a:t>Low sulfur content</a:t>
+            </a:r>
+          </a:p>
+          <a:p>
+            <a:r>
+              <a:rPr lang="en-US" dirty="0"/>
+              <a:t>Alternative to bias during training</a:t>
+            </a:r>
+          </a:p>
+          <a:p>
+            <a:pPr lvl="1"/>
+            <a:r>
+              <a:rPr lang="en-US" dirty="0"/>
+              <a:t>Similar molecules / properties</a:t>
+            </a:r>
+          </a:p>
+          <a:p>
+            <a:r>
+              <a:rPr lang="en-US" dirty="0"/>
+              <a:t>Balance  between exploration and exploitation</a:t>
+            </a:r>
+            <a:endParaRPr lang="en-NL" dirty="0"/>
           </a:p>
         </p:txBody>
       </p:sp>
@@ -4431,7 +8497,7 @@
           <p:cNvPr id="4" name="Slide Number Placeholder 3">
             <a:extLst>
               <a:ext uri="{FF2B5EF4-FFF2-40B4-BE49-F238E27FC236}">
-                <a16:creationId xmlns:a16="http://schemas.microsoft.com/office/drawing/2014/main" id="{9B9AD25B-AA33-A060-C45E-A55780D394ED}"/>
+                <a16:creationId xmlns:a16="http://schemas.microsoft.com/office/drawing/2014/main" id="{96677F9E-725D-41D0-9DCE-F5C8275D0CDF}"/>
               </a:ext>
             </a:extLst>
           </p:cNvPr>
@@ -4455,10 +8521,631 @@
           </a:p>
         </p:txBody>
       </p:sp>
+      <p:sp>
+        <p:nvSpPr>
+          <p:cNvPr id="9" name="Rectangle: Rounded Corners 8">
+            <a:extLst>
+              <a:ext uri="{FF2B5EF4-FFF2-40B4-BE49-F238E27FC236}">
+                <a16:creationId xmlns:a16="http://schemas.microsoft.com/office/drawing/2014/main" id="{E4CE42C4-545F-D4F9-5F45-A23D03BA6056}"/>
+              </a:ext>
+            </a:extLst>
+          </p:cNvPr>
+          <p:cNvSpPr/>
+          <p:nvPr/>
+        </p:nvSpPr>
+        <p:spPr>
+          <a:xfrm>
+            <a:off x="9886080" y="1594096"/>
+            <a:ext cx="1583870" cy="688482"/>
+          </a:xfrm>
+          <a:prstGeom prst="roundRect">
+            <a:avLst/>
+          </a:prstGeom>
+          <a:noFill/>
+          <a:ln w="57150">
+            <a:solidFill>
+              <a:schemeClr val="tx1"/>
+            </a:solidFill>
+          </a:ln>
+        </p:spPr>
+        <p:style>
+          <a:lnRef idx="2">
+            <a:schemeClr val="accent1">
+              <a:shade val="15000"/>
+            </a:schemeClr>
+          </a:lnRef>
+          <a:fillRef idx="1">
+            <a:schemeClr val="accent1"/>
+          </a:fillRef>
+          <a:effectRef idx="0">
+            <a:schemeClr val="accent1"/>
+          </a:effectRef>
+          <a:fontRef idx="minor">
+            <a:schemeClr val="lt1"/>
+          </a:fontRef>
+        </p:style>
+        <p:txBody>
+          <a:bodyPr rtlCol="0" anchor="ctr"/>
+          <a:lstStyle/>
+          <a:p>
+            <a:pPr algn="ctr"/>
+            <a:r>
+              <a:rPr lang="en-US" sz="2800" b="1" dirty="0">
+                <a:solidFill>
+                  <a:schemeClr val="tx1"/>
+                </a:solidFill>
+              </a:rPr>
+              <a:t>RNN</a:t>
+            </a:r>
+            <a:endParaRPr lang="en-NL" sz="2800" b="1" dirty="0">
+              <a:solidFill>
+                <a:schemeClr val="tx1"/>
+              </a:solidFill>
+            </a:endParaRPr>
+          </a:p>
+        </p:txBody>
+      </p:sp>
+      <p:sp>
+        <p:nvSpPr>
+          <p:cNvPr id="11" name="Rectangle: Rounded Corners 10">
+            <a:extLst>
+              <a:ext uri="{FF2B5EF4-FFF2-40B4-BE49-F238E27FC236}">
+                <a16:creationId xmlns:a16="http://schemas.microsoft.com/office/drawing/2014/main" id="{B0F4BA92-DB93-2D7F-2C93-A8E274F73978}"/>
+              </a:ext>
+            </a:extLst>
+          </p:cNvPr>
+          <p:cNvSpPr/>
+          <p:nvPr/>
+        </p:nvSpPr>
+        <p:spPr>
+          <a:xfrm>
+            <a:off x="9886080" y="2530227"/>
+            <a:ext cx="1583870" cy="688482"/>
+          </a:xfrm>
+          <a:prstGeom prst="roundRect">
+            <a:avLst/>
+          </a:prstGeom>
+          <a:noFill/>
+          <a:ln w="57150">
+            <a:solidFill>
+              <a:schemeClr val="tx1"/>
+            </a:solidFill>
+          </a:ln>
+        </p:spPr>
+        <p:style>
+          <a:lnRef idx="2">
+            <a:schemeClr val="accent1">
+              <a:shade val="15000"/>
+            </a:schemeClr>
+          </a:lnRef>
+          <a:fillRef idx="1">
+            <a:schemeClr val="accent1"/>
+          </a:fillRef>
+          <a:effectRef idx="0">
+            <a:schemeClr val="accent1"/>
+          </a:effectRef>
+          <a:fontRef idx="minor">
+            <a:schemeClr val="lt1"/>
+          </a:fontRef>
+        </p:style>
+        <p:txBody>
+          <a:bodyPr rtlCol="0" anchor="ctr"/>
+          <a:lstStyle/>
+          <a:p>
+            <a:pPr algn="ctr"/>
+            <a:r>
+              <a:rPr lang="en-US" sz="2800" b="1" dirty="0">
+                <a:solidFill>
+                  <a:schemeClr val="tx1"/>
+                </a:solidFill>
+              </a:rPr>
+              <a:t>Sample</a:t>
+            </a:r>
+            <a:endParaRPr lang="en-NL" sz="2800" b="1" dirty="0">
+              <a:solidFill>
+                <a:schemeClr val="tx1"/>
+              </a:solidFill>
+            </a:endParaRPr>
+          </a:p>
+        </p:txBody>
+      </p:sp>
+      <p:sp>
+        <p:nvSpPr>
+          <p:cNvPr id="12" name="Rectangle: Rounded Corners 11">
+            <a:extLst>
+              <a:ext uri="{FF2B5EF4-FFF2-40B4-BE49-F238E27FC236}">
+                <a16:creationId xmlns:a16="http://schemas.microsoft.com/office/drawing/2014/main" id="{EC83B11D-6193-8AC6-5158-C064E967B226}"/>
+              </a:ext>
+            </a:extLst>
+          </p:cNvPr>
+          <p:cNvSpPr/>
+          <p:nvPr/>
+        </p:nvSpPr>
+        <p:spPr>
+          <a:xfrm>
+            <a:off x="9886080" y="3466358"/>
+            <a:ext cx="1583870" cy="688482"/>
+          </a:xfrm>
+          <a:prstGeom prst="roundRect">
+            <a:avLst/>
+          </a:prstGeom>
+          <a:noFill/>
+          <a:ln w="57150">
+            <a:solidFill>
+              <a:schemeClr val="tx1"/>
+            </a:solidFill>
+          </a:ln>
+        </p:spPr>
+        <p:style>
+          <a:lnRef idx="2">
+            <a:schemeClr val="accent1">
+              <a:shade val="15000"/>
+            </a:schemeClr>
+          </a:lnRef>
+          <a:fillRef idx="1">
+            <a:schemeClr val="accent1"/>
+          </a:fillRef>
+          <a:effectRef idx="0">
+            <a:schemeClr val="accent1"/>
+          </a:effectRef>
+          <a:fontRef idx="minor">
+            <a:schemeClr val="lt1"/>
+          </a:fontRef>
+        </p:style>
+        <p:txBody>
+          <a:bodyPr rtlCol="0" anchor="ctr"/>
+          <a:lstStyle/>
+          <a:p>
+            <a:pPr algn="ctr"/>
+            <a:r>
+              <a:rPr lang="en-US" sz="2800" b="1" dirty="0">
+                <a:solidFill>
+                  <a:schemeClr val="tx1"/>
+                </a:solidFill>
+              </a:rPr>
+              <a:t>Scoring</a:t>
+            </a:r>
+            <a:endParaRPr lang="en-NL" sz="2800" b="1" dirty="0">
+              <a:solidFill>
+                <a:schemeClr val="tx1"/>
+              </a:solidFill>
+            </a:endParaRPr>
+          </a:p>
+        </p:txBody>
+      </p:sp>
+      <p:sp>
+        <p:nvSpPr>
+          <p:cNvPr id="13" name="Rectangle: Rounded Corners 12">
+            <a:extLst>
+              <a:ext uri="{FF2B5EF4-FFF2-40B4-BE49-F238E27FC236}">
+                <a16:creationId xmlns:a16="http://schemas.microsoft.com/office/drawing/2014/main" id="{C82A913D-33A5-B8D5-83FF-BA09FD9424AC}"/>
+              </a:ext>
+            </a:extLst>
+          </p:cNvPr>
+          <p:cNvSpPr/>
+          <p:nvPr/>
+        </p:nvSpPr>
+        <p:spPr>
+          <a:xfrm>
+            <a:off x="7860147" y="1599089"/>
+            <a:ext cx="1583870" cy="1038345"/>
+          </a:xfrm>
+          <a:prstGeom prst="roundRect">
+            <a:avLst/>
+          </a:prstGeom>
+          <a:noFill/>
+          <a:ln w="57150">
+            <a:solidFill>
+              <a:schemeClr val="tx1"/>
+            </a:solidFill>
+          </a:ln>
+        </p:spPr>
+        <p:style>
+          <a:lnRef idx="2">
+            <a:schemeClr val="accent1">
+              <a:shade val="15000"/>
+            </a:schemeClr>
+          </a:lnRef>
+          <a:fillRef idx="1">
+            <a:schemeClr val="accent1"/>
+          </a:fillRef>
+          <a:effectRef idx="0">
+            <a:schemeClr val="accent1"/>
+          </a:effectRef>
+          <a:fontRef idx="minor">
+            <a:schemeClr val="lt1"/>
+          </a:fontRef>
+        </p:style>
+        <p:txBody>
+          <a:bodyPr rtlCol="0" anchor="ctr"/>
+          <a:lstStyle/>
+          <a:p>
+            <a:pPr algn="ctr"/>
+            <a:r>
+              <a:rPr lang="en-US" sz="2800" b="1" dirty="0">
+                <a:solidFill>
+                  <a:schemeClr val="tx1"/>
+                </a:solidFill>
+              </a:rPr>
+              <a:t>RL training</a:t>
+            </a:r>
+            <a:endParaRPr lang="en-NL" sz="2800" b="1" dirty="0">
+              <a:solidFill>
+                <a:schemeClr val="tx1"/>
+              </a:solidFill>
+            </a:endParaRPr>
+          </a:p>
+        </p:txBody>
+      </p:sp>
+      <p:cxnSp>
+        <p:nvCxnSpPr>
+          <p:cNvPr id="18" name="Straight Connector 17">
+            <a:extLst>
+              <a:ext uri="{FF2B5EF4-FFF2-40B4-BE49-F238E27FC236}">
+                <a16:creationId xmlns:a16="http://schemas.microsoft.com/office/drawing/2014/main" id="{89C03ABF-7DC4-431E-38B4-9368D6DE6419}"/>
+              </a:ext>
+            </a:extLst>
+          </p:cNvPr>
+          <p:cNvCxnSpPr>
+            <a:cxnSpLocks/>
+            <a:stCxn id="12" idx="1"/>
+          </p:cNvCxnSpPr>
+          <p:nvPr/>
+        </p:nvCxnSpPr>
+        <p:spPr>
+          <a:xfrm flipH="1">
+            <a:off x="9142392" y="3810599"/>
+            <a:ext cx="743688" cy="0"/>
+          </a:xfrm>
+          <a:prstGeom prst="line">
+            <a:avLst/>
+          </a:prstGeom>
+          <a:ln w="57150">
+            <a:solidFill>
+              <a:schemeClr val="tx1"/>
+            </a:solidFill>
+          </a:ln>
+        </p:spPr>
+        <p:style>
+          <a:lnRef idx="2">
+            <a:schemeClr val="accent1"/>
+          </a:lnRef>
+          <a:fillRef idx="0">
+            <a:schemeClr val="accent1"/>
+          </a:fillRef>
+          <a:effectRef idx="1">
+            <a:schemeClr val="accent1"/>
+          </a:effectRef>
+          <a:fontRef idx="minor">
+            <a:schemeClr val="tx1"/>
+          </a:fontRef>
+        </p:style>
+      </p:cxnSp>
+      <p:cxnSp>
+        <p:nvCxnSpPr>
+          <p:cNvPr id="22" name="Straight Connector 21">
+            <a:extLst>
+              <a:ext uri="{FF2B5EF4-FFF2-40B4-BE49-F238E27FC236}">
+                <a16:creationId xmlns:a16="http://schemas.microsoft.com/office/drawing/2014/main" id="{9A136E59-2B1C-7AE7-9C2E-9F343EE72E5D}"/>
+              </a:ext>
+            </a:extLst>
+          </p:cNvPr>
+          <p:cNvCxnSpPr>
+            <a:cxnSpLocks/>
+          </p:cNvCxnSpPr>
+          <p:nvPr/>
+        </p:nvCxnSpPr>
+        <p:spPr>
+          <a:xfrm flipH="1">
+            <a:off x="9142392" y="2886673"/>
+            <a:ext cx="743688" cy="0"/>
+          </a:xfrm>
+          <a:prstGeom prst="line">
+            <a:avLst/>
+          </a:prstGeom>
+          <a:ln w="57150">
+            <a:solidFill>
+              <a:schemeClr val="tx1"/>
+            </a:solidFill>
+          </a:ln>
+        </p:spPr>
+        <p:style>
+          <a:lnRef idx="2">
+            <a:schemeClr val="accent1"/>
+          </a:lnRef>
+          <a:fillRef idx="0">
+            <a:schemeClr val="accent1"/>
+          </a:fillRef>
+          <a:effectRef idx="1">
+            <a:schemeClr val="accent1"/>
+          </a:effectRef>
+          <a:fontRef idx="minor">
+            <a:schemeClr val="tx1"/>
+          </a:fontRef>
+        </p:style>
+      </p:cxnSp>
+      <p:cxnSp>
+        <p:nvCxnSpPr>
+          <p:cNvPr id="24" name="Straight Arrow Connector 23">
+            <a:extLst>
+              <a:ext uri="{FF2B5EF4-FFF2-40B4-BE49-F238E27FC236}">
+                <a16:creationId xmlns:a16="http://schemas.microsoft.com/office/drawing/2014/main" id="{D53A84EB-E411-70A9-C633-8BFC900CA355}"/>
+              </a:ext>
+            </a:extLst>
+          </p:cNvPr>
+          <p:cNvCxnSpPr>
+            <a:cxnSpLocks/>
+          </p:cNvCxnSpPr>
+          <p:nvPr/>
+        </p:nvCxnSpPr>
+        <p:spPr>
+          <a:xfrm flipV="1">
+            <a:off x="9142392" y="2637434"/>
+            <a:ext cx="0" cy="1201141"/>
+          </a:xfrm>
+          <a:prstGeom prst="straightConnector1">
+            <a:avLst/>
+          </a:prstGeom>
+          <a:ln w="57150">
+            <a:solidFill>
+              <a:schemeClr val="tx1"/>
+            </a:solidFill>
+            <a:tailEnd type="triangle"/>
+          </a:ln>
+        </p:spPr>
+        <p:style>
+          <a:lnRef idx="2">
+            <a:schemeClr val="accent1"/>
+          </a:lnRef>
+          <a:fillRef idx="0">
+            <a:schemeClr val="accent1"/>
+          </a:fillRef>
+          <a:effectRef idx="1">
+            <a:schemeClr val="accent1"/>
+          </a:effectRef>
+          <a:fontRef idx="minor">
+            <a:schemeClr val="tx1"/>
+          </a:fontRef>
+        </p:style>
+      </p:cxnSp>
+      <p:cxnSp>
+        <p:nvCxnSpPr>
+          <p:cNvPr id="29" name="Straight Arrow Connector 28">
+            <a:extLst>
+              <a:ext uri="{FF2B5EF4-FFF2-40B4-BE49-F238E27FC236}">
+                <a16:creationId xmlns:a16="http://schemas.microsoft.com/office/drawing/2014/main" id="{B201033C-66E2-95FF-7AAC-6EAD08237A4F}"/>
+              </a:ext>
+            </a:extLst>
+          </p:cNvPr>
+          <p:cNvCxnSpPr>
+            <a:stCxn id="9" idx="2"/>
+            <a:endCxn id="11" idx="0"/>
+          </p:cNvCxnSpPr>
+          <p:nvPr/>
+        </p:nvCxnSpPr>
+        <p:spPr>
+          <a:xfrm>
+            <a:off x="10678015" y="2282578"/>
+            <a:ext cx="0" cy="247649"/>
+          </a:xfrm>
+          <a:prstGeom prst="straightConnector1">
+            <a:avLst/>
+          </a:prstGeom>
+          <a:ln w="57150">
+            <a:solidFill>
+              <a:schemeClr val="tx1"/>
+            </a:solidFill>
+            <a:tailEnd type="triangle"/>
+          </a:ln>
+        </p:spPr>
+        <p:style>
+          <a:lnRef idx="2">
+            <a:schemeClr val="accent1"/>
+          </a:lnRef>
+          <a:fillRef idx="0">
+            <a:schemeClr val="accent1"/>
+          </a:fillRef>
+          <a:effectRef idx="1">
+            <a:schemeClr val="accent1"/>
+          </a:effectRef>
+          <a:fontRef idx="minor">
+            <a:schemeClr val="tx1"/>
+          </a:fontRef>
+        </p:style>
+      </p:cxnSp>
+      <p:cxnSp>
+        <p:nvCxnSpPr>
+          <p:cNvPr id="31" name="Straight Arrow Connector 30">
+            <a:extLst>
+              <a:ext uri="{FF2B5EF4-FFF2-40B4-BE49-F238E27FC236}">
+                <a16:creationId xmlns:a16="http://schemas.microsoft.com/office/drawing/2014/main" id="{A18EDAF2-C2C8-6A17-E591-6E3E919D5BF0}"/>
+              </a:ext>
+            </a:extLst>
+          </p:cNvPr>
+          <p:cNvCxnSpPr>
+            <a:stCxn id="11" idx="2"/>
+            <a:endCxn id="12" idx="0"/>
+          </p:cNvCxnSpPr>
+          <p:nvPr/>
+        </p:nvCxnSpPr>
+        <p:spPr>
+          <a:xfrm>
+            <a:off x="10678015" y="3218709"/>
+            <a:ext cx="0" cy="247649"/>
+          </a:xfrm>
+          <a:prstGeom prst="straightConnector1">
+            <a:avLst/>
+          </a:prstGeom>
+          <a:ln w="57150">
+            <a:solidFill>
+              <a:schemeClr val="tx1"/>
+            </a:solidFill>
+            <a:tailEnd type="triangle"/>
+          </a:ln>
+        </p:spPr>
+        <p:style>
+          <a:lnRef idx="2">
+            <a:schemeClr val="accent1"/>
+          </a:lnRef>
+          <a:fillRef idx="0">
+            <a:schemeClr val="accent1"/>
+          </a:fillRef>
+          <a:effectRef idx="1">
+            <a:schemeClr val="accent1"/>
+          </a:effectRef>
+          <a:fontRef idx="minor">
+            <a:schemeClr val="tx1"/>
+          </a:fontRef>
+        </p:style>
+      </p:cxnSp>
+      <p:cxnSp>
+        <p:nvCxnSpPr>
+          <p:cNvPr id="33" name="Straight Arrow Connector 32">
+            <a:extLst>
+              <a:ext uri="{FF2B5EF4-FFF2-40B4-BE49-F238E27FC236}">
+                <a16:creationId xmlns:a16="http://schemas.microsoft.com/office/drawing/2014/main" id="{F9A9BD26-DC5A-3D1A-5CD3-A79EBE0E43E0}"/>
+              </a:ext>
+            </a:extLst>
+          </p:cNvPr>
+          <p:cNvCxnSpPr>
+            <a:cxnSpLocks/>
+          </p:cNvCxnSpPr>
+          <p:nvPr/>
+        </p:nvCxnSpPr>
+        <p:spPr>
+          <a:xfrm>
+            <a:off x="9444017" y="1938337"/>
+            <a:ext cx="442063" cy="1588"/>
+          </a:xfrm>
+          <a:prstGeom prst="straightConnector1">
+            <a:avLst/>
+          </a:prstGeom>
+          <a:ln w="57150">
+            <a:solidFill>
+              <a:schemeClr val="tx1"/>
+            </a:solidFill>
+            <a:tailEnd type="triangle"/>
+          </a:ln>
+        </p:spPr>
+        <p:style>
+          <a:lnRef idx="2">
+            <a:schemeClr val="accent1"/>
+          </a:lnRef>
+          <a:fillRef idx="0">
+            <a:schemeClr val="accent1"/>
+          </a:fillRef>
+          <a:effectRef idx="1">
+            <a:schemeClr val="accent1"/>
+          </a:effectRef>
+          <a:fontRef idx="minor">
+            <a:schemeClr val="tx1"/>
+          </a:fontRef>
+        </p:style>
+      </p:cxnSp>
+      <p:sp>
+        <p:nvSpPr>
+          <p:cNvPr id="35" name="TextBox 34">
+            <a:extLst>
+              <a:ext uri="{FF2B5EF4-FFF2-40B4-BE49-F238E27FC236}">
+                <a16:creationId xmlns:a16="http://schemas.microsoft.com/office/drawing/2014/main" id="{1872839A-0B90-1F7B-23E9-DB896C195A8B}"/>
+              </a:ext>
+            </a:extLst>
+          </p:cNvPr>
+          <p:cNvSpPr txBox="1"/>
+          <p:nvPr/>
+        </p:nvSpPr>
+        <p:spPr>
+          <a:xfrm>
+            <a:off x="2338387" y="6284008"/>
+            <a:ext cx="7515225" cy="646331"/>
+          </a:xfrm>
+          <a:prstGeom prst="rect">
+            <a:avLst/>
+          </a:prstGeom>
+          <a:noFill/>
+        </p:spPr>
+        <p:txBody>
+          <a:bodyPr wrap="square">
+            <a:spAutoFit/>
+          </a:bodyPr>
+          <a:lstStyle/>
+          <a:p>
+            <a:r>
+              <a:rPr lang="en-US" dirty="0" err="1">
+                <a:solidFill>
+                  <a:schemeClr val="bg1"/>
+                </a:solidFill>
+              </a:rPr>
+              <a:t>Olivecrona</a:t>
+            </a:r>
+            <a:r>
+              <a:rPr lang="en-US" dirty="0">
+                <a:solidFill>
+                  <a:schemeClr val="bg1"/>
+                </a:solidFill>
+              </a:rPr>
+              <a:t> et al. J </a:t>
+            </a:r>
+            <a:r>
+              <a:rPr lang="en-US" dirty="0" err="1">
+                <a:solidFill>
+                  <a:schemeClr val="bg1"/>
+                </a:solidFill>
+              </a:rPr>
+              <a:t>Cheminform</a:t>
+            </a:r>
+            <a:r>
+              <a:rPr lang="en-US" dirty="0">
+                <a:solidFill>
+                  <a:schemeClr val="bg1"/>
+                </a:solidFill>
+              </a:rPr>
+              <a:t> (2017) &amp; Pereira et al. J </a:t>
+            </a:r>
+            <a:r>
+              <a:rPr lang="en-US" dirty="0" err="1">
+                <a:solidFill>
+                  <a:schemeClr val="bg1"/>
+                </a:solidFill>
+              </a:rPr>
+              <a:t>Cheminform</a:t>
+            </a:r>
+            <a:r>
+              <a:rPr lang="en-US" dirty="0">
+                <a:solidFill>
+                  <a:schemeClr val="bg1"/>
+                </a:solidFill>
+              </a:rPr>
+              <a:t> (2021) &amp; </a:t>
+            </a:r>
+            <a:r>
+              <a:rPr lang="en-US" dirty="0" err="1">
+                <a:solidFill>
+                  <a:schemeClr val="bg1"/>
+                </a:solidFill>
+              </a:rPr>
+              <a:t>Gebauer</a:t>
+            </a:r>
+            <a:r>
+              <a:rPr lang="en-US" dirty="0">
+                <a:solidFill>
+                  <a:schemeClr val="bg1"/>
+                </a:solidFill>
+              </a:rPr>
+              <a:t> et al. N communications (2022)</a:t>
+            </a:r>
+            <a:endParaRPr lang="en-NL" dirty="0">
+              <a:solidFill>
+                <a:schemeClr val="bg1"/>
+              </a:solidFill>
+            </a:endParaRPr>
+          </a:p>
+        </p:txBody>
+      </p:sp>
     </p:spTree>
     <p:extLst>
       <p:ext uri="{BB962C8B-B14F-4D97-AF65-F5344CB8AC3E}">
-        <p14:creationId xmlns:p14="http://schemas.microsoft.com/office/powerpoint/2010/main" val="250914193"/>
+        <p14:creationId xmlns:p14="http://schemas.microsoft.com/office/powerpoint/2010/main" val="3322853809"/>
       </p:ext>
     </p:extLst>
   </p:cSld>
@@ -4490,7 +9177,7 @@
           <p:cNvPr id="2" name="Title 1">
             <a:extLst>
               <a:ext uri="{FF2B5EF4-FFF2-40B4-BE49-F238E27FC236}">
-                <a16:creationId xmlns:a16="http://schemas.microsoft.com/office/drawing/2014/main" id="{6E0B2BAC-183F-FDEA-4F6B-83CA3DD18F7E}"/>
+                <a16:creationId xmlns:a16="http://schemas.microsoft.com/office/drawing/2014/main" id="{A42DF64A-4B85-8C85-1DEF-8488280452E6}"/>
               </a:ext>
             </a:extLst>
           </p:cNvPr>
@@ -4508,7 +9195,7 @@
           <a:p>
             <a:r>
               <a:rPr lang="en-US" dirty="0"/>
-              <a:t>Conclusion</a:t>
+              <a:t>Method – Model</a:t>
             </a:r>
             <a:endParaRPr lang="en-NL" dirty="0"/>
           </a:p>
@@ -4519,7 +9206,7 @@
           <p:cNvPr id="3" name="Content Placeholder 2">
             <a:extLst>
               <a:ext uri="{FF2B5EF4-FFF2-40B4-BE49-F238E27FC236}">
-                <a16:creationId xmlns:a16="http://schemas.microsoft.com/office/drawing/2014/main" id="{C2C18175-CCF2-1CF8-6CE8-DB1DC03B0095}"/>
+                <a16:creationId xmlns:a16="http://schemas.microsoft.com/office/drawing/2014/main" id="{6F989400-F9B2-82C0-1534-24CDEA9BC325}"/>
               </a:ext>
             </a:extLst>
           </p:cNvPr>
@@ -4530,12 +9217,75 @@
             <p:ph idx="1"/>
           </p:nvPr>
         </p:nvSpPr>
-        <p:spPr/>
+        <p:spPr>
+          <a:xfrm>
+            <a:off x="838200" y="1825625"/>
+            <a:ext cx="5257800" cy="4351338"/>
+          </a:xfrm>
+        </p:spPr>
         <p:txBody>
           <a:bodyPr/>
           <a:lstStyle/>
           <a:p>
-            <a:endParaRPr lang="en-NL"/>
+            <a:r>
+              <a:rPr lang="en-US" dirty="0"/>
+              <a:t>LSTM</a:t>
+            </a:r>
+          </a:p>
+          <a:p>
+            <a:pPr lvl="1"/>
+            <a:r>
+              <a:rPr lang="en-US" dirty="0"/>
+              <a:t>Two layers</a:t>
+            </a:r>
+          </a:p>
+          <a:p>
+            <a:pPr lvl="1"/>
+            <a:r>
+              <a:rPr lang="en-US" dirty="0"/>
+              <a:t>256 hidden features (h)</a:t>
+            </a:r>
+          </a:p>
+          <a:p>
+            <a:pPr lvl="1"/>
+            <a:r>
+              <a:rPr lang="en-US" dirty="0"/>
+              <a:t>First layer 0.5 dropout second 0.3</a:t>
+            </a:r>
+          </a:p>
+          <a:p>
+            <a:r>
+              <a:rPr lang="en-US" dirty="0"/>
+              <a:t>Linear</a:t>
+            </a:r>
+          </a:p>
+          <a:p>
+            <a:pPr lvl="1"/>
+            <a:r>
+              <a:rPr lang="en-US" dirty="0"/>
+              <a:t>Input size of 256 (hidden LSTM)</a:t>
+            </a:r>
+          </a:p>
+          <a:p>
+            <a:pPr lvl="1"/>
+            <a:r>
+              <a:rPr lang="en-US" dirty="0"/>
+              <a:t>Output number of unique tokens</a:t>
+            </a:r>
+          </a:p>
+          <a:p>
+            <a:r>
+              <a:rPr lang="en-US" dirty="0"/>
+              <a:t>SoftMax (only sampling)</a:t>
+            </a:r>
+          </a:p>
+          <a:p>
+            <a:pPr lvl="1"/>
+            <a:r>
+              <a:rPr lang="en-US" dirty="0"/>
+              <a:t>	Multinomial 	</a:t>
+            </a:r>
+            <a:endParaRPr lang="en-NL" dirty="0"/>
           </a:p>
         </p:txBody>
       </p:sp>
@@ -4544,7 +9294,7 @@
           <p:cNvPr id="4" name="Slide Number Placeholder 3">
             <a:extLst>
               <a:ext uri="{FF2B5EF4-FFF2-40B4-BE49-F238E27FC236}">
-                <a16:creationId xmlns:a16="http://schemas.microsoft.com/office/drawing/2014/main" id="{93329927-FBE5-9905-AD59-EE895756BC7E}"/>
+                <a16:creationId xmlns:a16="http://schemas.microsoft.com/office/drawing/2014/main" id="{70AF05E3-FD2E-6CA4-EBEF-B204CF91E5AD}"/>
               </a:ext>
             </a:extLst>
           </p:cNvPr>
@@ -4564,14 +9314,2026 @@
               <a:rPr lang="en-NL" smtClean="0"/>
               <a:t>6</a:t>
             </a:fld>
-            <a:endParaRPr lang="en-NL"/>
+            <a:endParaRPr lang="en-NL" dirty="0"/>
+          </a:p>
+        </p:txBody>
+      </p:sp>
+      <p:sp>
+        <p:nvSpPr>
+          <p:cNvPr id="5" name="Rectangle: Rounded Corners 4">
+            <a:extLst>
+              <a:ext uri="{FF2B5EF4-FFF2-40B4-BE49-F238E27FC236}">
+                <a16:creationId xmlns:a16="http://schemas.microsoft.com/office/drawing/2014/main" id="{685ADFFB-61F0-8684-11E8-148B6547615E}"/>
+              </a:ext>
+            </a:extLst>
+          </p:cNvPr>
+          <p:cNvSpPr/>
+          <p:nvPr/>
+        </p:nvSpPr>
+        <p:spPr>
+          <a:xfrm>
+            <a:off x="7874122" y="186809"/>
+            <a:ext cx="3169329" cy="1047565"/>
+          </a:xfrm>
+          <a:prstGeom prst="roundRect">
+            <a:avLst/>
+          </a:prstGeom>
+          <a:noFill/>
+          <a:ln w="57150">
+            <a:solidFill>
+              <a:schemeClr val="tx1"/>
+            </a:solidFill>
+          </a:ln>
+        </p:spPr>
+        <p:style>
+          <a:lnRef idx="2">
+            <a:schemeClr val="accent1">
+              <a:shade val="15000"/>
+            </a:schemeClr>
+          </a:lnRef>
+          <a:fillRef idx="1">
+            <a:schemeClr val="accent1"/>
+          </a:fillRef>
+          <a:effectRef idx="0">
+            <a:schemeClr val="accent1"/>
+          </a:effectRef>
+          <a:fontRef idx="minor">
+            <a:schemeClr val="lt1"/>
+          </a:fontRef>
+        </p:style>
+        <p:txBody>
+          <a:bodyPr rtlCol="0" anchor="ctr"/>
+          <a:lstStyle/>
+          <a:p>
+            <a:pPr algn="ctr"/>
+            <a:r>
+              <a:rPr lang="en-US" dirty="0">
+                <a:solidFill>
+                  <a:schemeClr val="tx1"/>
+                </a:solidFill>
+              </a:rPr>
+              <a:t>LSTM 1</a:t>
+            </a:r>
+          </a:p>
+          <a:p>
+            <a:pPr algn="ctr"/>
+            <a:r>
+              <a:rPr lang="en-US" dirty="0">
+                <a:solidFill>
+                  <a:schemeClr val="tx1"/>
+                </a:solidFill>
+              </a:rPr>
+              <a:t>In: n unique tokens</a:t>
+            </a:r>
+          </a:p>
+          <a:p>
+            <a:pPr algn="ctr"/>
+            <a:r>
+              <a:rPr lang="en-US" dirty="0">
+                <a:solidFill>
+                  <a:schemeClr val="tx1"/>
+                </a:solidFill>
+              </a:rPr>
+              <a:t>Out: 256 hidden features (h)</a:t>
+            </a:r>
+          </a:p>
+        </p:txBody>
+      </p:sp>
+      <p:sp>
+        <p:nvSpPr>
+          <p:cNvPr id="7" name="Rectangle: Rounded Corners 6">
+            <a:extLst>
+              <a:ext uri="{FF2B5EF4-FFF2-40B4-BE49-F238E27FC236}">
+                <a16:creationId xmlns:a16="http://schemas.microsoft.com/office/drawing/2014/main" id="{516F216A-8FCC-D041-0A06-2C3E2A3E8CF9}"/>
+              </a:ext>
+            </a:extLst>
+          </p:cNvPr>
+          <p:cNvSpPr/>
+          <p:nvPr/>
+        </p:nvSpPr>
+        <p:spPr>
+          <a:xfrm>
+            <a:off x="7874122" y="2088974"/>
+            <a:ext cx="3169329" cy="1047565"/>
+          </a:xfrm>
+          <a:prstGeom prst="roundRect">
+            <a:avLst/>
+          </a:prstGeom>
+          <a:noFill/>
+          <a:ln w="57150">
+            <a:solidFill>
+              <a:schemeClr val="tx1"/>
+            </a:solidFill>
+          </a:ln>
+        </p:spPr>
+        <p:style>
+          <a:lnRef idx="2">
+            <a:schemeClr val="accent1">
+              <a:shade val="15000"/>
+            </a:schemeClr>
+          </a:lnRef>
+          <a:fillRef idx="1">
+            <a:schemeClr val="accent1"/>
+          </a:fillRef>
+          <a:effectRef idx="0">
+            <a:schemeClr val="accent1"/>
+          </a:effectRef>
+          <a:fontRef idx="minor">
+            <a:schemeClr val="lt1"/>
+          </a:fontRef>
+        </p:style>
+        <p:txBody>
+          <a:bodyPr rtlCol="0" anchor="ctr"/>
+          <a:lstStyle/>
+          <a:p>
+            <a:pPr algn="ctr"/>
+            <a:r>
+              <a:rPr lang="en-US" dirty="0">
+                <a:solidFill>
+                  <a:schemeClr val="tx1"/>
+                </a:solidFill>
+              </a:rPr>
+              <a:t>LSTM 2</a:t>
+            </a:r>
+          </a:p>
+          <a:p>
+            <a:pPr algn="ctr"/>
+            <a:r>
+              <a:rPr lang="en-US" dirty="0">
+                <a:solidFill>
+                  <a:schemeClr val="tx1"/>
+                </a:solidFill>
+              </a:rPr>
+              <a:t>In: 256 hidden features (h)</a:t>
+            </a:r>
+          </a:p>
+          <a:p>
+            <a:pPr algn="ctr"/>
+            <a:r>
+              <a:rPr lang="en-US" dirty="0">
+                <a:solidFill>
+                  <a:schemeClr val="tx1"/>
+                </a:solidFill>
+              </a:rPr>
+              <a:t>Out: 256 hidden features (h)</a:t>
+            </a:r>
+          </a:p>
+        </p:txBody>
+      </p:sp>
+      <p:sp>
+        <p:nvSpPr>
+          <p:cNvPr id="9" name="Rectangle: Rounded Corners 8">
+            <a:extLst>
+              <a:ext uri="{FF2B5EF4-FFF2-40B4-BE49-F238E27FC236}">
+                <a16:creationId xmlns:a16="http://schemas.microsoft.com/office/drawing/2014/main" id="{37BDA8E6-9FF4-2FA3-7855-FBA8D6202E9D}"/>
+              </a:ext>
+            </a:extLst>
+          </p:cNvPr>
+          <p:cNvSpPr/>
+          <p:nvPr/>
+        </p:nvSpPr>
+        <p:spPr>
+          <a:xfrm>
+            <a:off x="7874122" y="1386910"/>
+            <a:ext cx="3169329" cy="549528"/>
+          </a:xfrm>
+          <a:prstGeom prst="roundRect">
+            <a:avLst/>
+          </a:prstGeom>
+          <a:noFill/>
+          <a:ln w="57150">
+            <a:solidFill>
+              <a:schemeClr val="tx1"/>
+            </a:solidFill>
+          </a:ln>
+        </p:spPr>
+        <p:style>
+          <a:lnRef idx="2">
+            <a:schemeClr val="accent1">
+              <a:shade val="15000"/>
+            </a:schemeClr>
+          </a:lnRef>
+          <a:fillRef idx="1">
+            <a:schemeClr val="accent1"/>
+          </a:fillRef>
+          <a:effectRef idx="0">
+            <a:schemeClr val="accent1"/>
+          </a:effectRef>
+          <a:fontRef idx="minor">
+            <a:schemeClr val="lt1"/>
+          </a:fontRef>
+        </p:style>
+        <p:txBody>
+          <a:bodyPr rtlCol="0" anchor="ctr"/>
+          <a:lstStyle/>
+          <a:p>
+            <a:pPr algn="ctr"/>
+            <a:r>
+              <a:rPr lang="en-US" dirty="0">
+                <a:solidFill>
+                  <a:schemeClr val="tx1"/>
+                </a:solidFill>
+              </a:rPr>
+              <a:t>Dropout</a:t>
+            </a:r>
+          </a:p>
+          <a:p>
+            <a:pPr algn="ctr"/>
+            <a:r>
+              <a:rPr lang="en-US" dirty="0">
+                <a:solidFill>
+                  <a:schemeClr val="tx1"/>
+                </a:solidFill>
+              </a:rPr>
+              <a:t>0,5</a:t>
+            </a:r>
+          </a:p>
+        </p:txBody>
+      </p:sp>
+      <p:sp>
+        <p:nvSpPr>
+          <p:cNvPr id="10" name="Rectangle: Rounded Corners 9">
+            <a:extLst>
+              <a:ext uri="{FF2B5EF4-FFF2-40B4-BE49-F238E27FC236}">
+                <a16:creationId xmlns:a16="http://schemas.microsoft.com/office/drawing/2014/main" id="{C99C7C58-CF5E-2561-A0A0-23F2A00CA430}"/>
+              </a:ext>
+            </a:extLst>
+          </p:cNvPr>
+          <p:cNvSpPr/>
+          <p:nvPr/>
+        </p:nvSpPr>
+        <p:spPr>
+          <a:xfrm>
+            <a:off x="7874122" y="3289075"/>
+            <a:ext cx="3169329" cy="549528"/>
+          </a:xfrm>
+          <a:prstGeom prst="roundRect">
+            <a:avLst/>
+          </a:prstGeom>
+          <a:noFill/>
+          <a:ln w="57150">
+            <a:solidFill>
+              <a:schemeClr val="tx1"/>
+            </a:solidFill>
+          </a:ln>
+        </p:spPr>
+        <p:style>
+          <a:lnRef idx="2">
+            <a:schemeClr val="accent1">
+              <a:shade val="15000"/>
+            </a:schemeClr>
+          </a:lnRef>
+          <a:fillRef idx="1">
+            <a:schemeClr val="accent1"/>
+          </a:fillRef>
+          <a:effectRef idx="0">
+            <a:schemeClr val="accent1"/>
+          </a:effectRef>
+          <a:fontRef idx="minor">
+            <a:schemeClr val="lt1"/>
+          </a:fontRef>
+        </p:style>
+        <p:txBody>
+          <a:bodyPr rtlCol="0" anchor="ctr"/>
+          <a:lstStyle/>
+          <a:p>
+            <a:pPr algn="ctr"/>
+            <a:r>
+              <a:rPr lang="en-US" dirty="0">
+                <a:solidFill>
+                  <a:schemeClr val="tx1"/>
+                </a:solidFill>
+              </a:rPr>
+              <a:t>Dropout</a:t>
+            </a:r>
+          </a:p>
+          <a:p>
+            <a:pPr algn="ctr"/>
+            <a:r>
+              <a:rPr lang="en-US" dirty="0">
+                <a:solidFill>
+                  <a:schemeClr val="tx1"/>
+                </a:solidFill>
+              </a:rPr>
+              <a:t>0,3</a:t>
+            </a:r>
+          </a:p>
+        </p:txBody>
+      </p:sp>
+      <p:sp>
+        <p:nvSpPr>
+          <p:cNvPr id="11" name="Rectangle: Rounded Corners 10">
+            <a:extLst>
+              <a:ext uri="{FF2B5EF4-FFF2-40B4-BE49-F238E27FC236}">
+                <a16:creationId xmlns:a16="http://schemas.microsoft.com/office/drawing/2014/main" id="{C6C9AE9B-93F2-6C66-54D1-48AFFBC5414F}"/>
+              </a:ext>
+            </a:extLst>
+          </p:cNvPr>
+          <p:cNvSpPr/>
+          <p:nvPr/>
+        </p:nvSpPr>
+        <p:spPr>
+          <a:xfrm>
+            <a:off x="7874121" y="3991139"/>
+            <a:ext cx="3169329" cy="1047565"/>
+          </a:xfrm>
+          <a:prstGeom prst="roundRect">
+            <a:avLst/>
+          </a:prstGeom>
+          <a:noFill/>
+          <a:ln w="57150">
+            <a:solidFill>
+              <a:schemeClr val="tx1"/>
+            </a:solidFill>
+          </a:ln>
+        </p:spPr>
+        <p:style>
+          <a:lnRef idx="2">
+            <a:schemeClr val="accent1">
+              <a:shade val="15000"/>
+            </a:schemeClr>
+          </a:lnRef>
+          <a:fillRef idx="1">
+            <a:schemeClr val="accent1"/>
+          </a:fillRef>
+          <a:effectRef idx="0">
+            <a:schemeClr val="accent1"/>
+          </a:effectRef>
+          <a:fontRef idx="minor">
+            <a:schemeClr val="lt1"/>
+          </a:fontRef>
+        </p:style>
+        <p:txBody>
+          <a:bodyPr rtlCol="0" anchor="ctr"/>
+          <a:lstStyle/>
+          <a:p>
+            <a:pPr algn="ctr"/>
+            <a:r>
+              <a:rPr lang="en-US" dirty="0">
+                <a:solidFill>
+                  <a:schemeClr val="tx1"/>
+                </a:solidFill>
+              </a:rPr>
+              <a:t>Linear</a:t>
+            </a:r>
+          </a:p>
+          <a:p>
+            <a:pPr algn="ctr"/>
+            <a:r>
+              <a:rPr lang="en-US" dirty="0">
+                <a:solidFill>
+                  <a:schemeClr val="tx1"/>
+                </a:solidFill>
+              </a:rPr>
+              <a:t>In: 256 hidden features (h)</a:t>
+            </a:r>
+          </a:p>
+          <a:p>
+            <a:pPr algn="ctr"/>
+            <a:r>
+              <a:rPr lang="en-US" dirty="0">
+                <a:solidFill>
+                  <a:schemeClr val="tx1"/>
+                </a:solidFill>
+              </a:rPr>
+              <a:t>Out: n unique tokens</a:t>
+            </a:r>
+          </a:p>
+        </p:txBody>
+      </p:sp>
+      <p:sp>
+        <p:nvSpPr>
+          <p:cNvPr id="12" name="Rectangle: Rounded Corners 11">
+            <a:extLst>
+              <a:ext uri="{FF2B5EF4-FFF2-40B4-BE49-F238E27FC236}">
+                <a16:creationId xmlns:a16="http://schemas.microsoft.com/office/drawing/2014/main" id="{56EDFE54-37D6-C617-4260-09A0E59899E1}"/>
+              </a:ext>
+            </a:extLst>
+          </p:cNvPr>
+          <p:cNvSpPr/>
+          <p:nvPr/>
+        </p:nvSpPr>
+        <p:spPr>
+          <a:xfrm>
+            <a:off x="7874121" y="5191240"/>
+            <a:ext cx="3169329" cy="365125"/>
+          </a:xfrm>
+          <a:prstGeom prst="roundRect">
+            <a:avLst/>
+          </a:prstGeom>
+          <a:noFill/>
+          <a:ln w="57150">
+            <a:solidFill>
+              <a:schemeClr val="tx1"/>
+            </a:solidFill>
+          </a:ln>
+        </p:spPr>
+        <p:style>
+          <a:lnRef idx="2">
+            <a:schemeClr val="accent1">
+              <a:shade val="15000"/>
+            </a:schemeClr>
+          </a:lnRef>
+          <a:fillRef idx="1">
+            <a:schemeClr val="accent1"/>
+          </a:fillRef>
+          <a:effectRef idx="0">
+            <a:schemeClr val="accent1"/>
+          </a:effectRef>
+          <a:fontRef idx="minor">
+            <a:schemeClr val="lt1"/>
+          </a:fontRef>
+        </p:style>
+        <p:txBody>
+          <a:bodyPr rtlCol="0" anchor="ctr"/>
+          <a:lstStyle/>
+          <a:p>
+            <a:pPr algn="ctr"/>
+            <a:r>
+              <a:rPr lang="en-US" dirty="0">
+                <a:solidFill>
+                  <a:schemeClr val="tx1"/>
+                </a:solidFill>
+              </a:rPr>
+              <a:t>SoftMax</a:t>
+            </a:r>
+          </a:p>
+        </p:txBody>
+      </p:sp>
+      <p:sp>
+        <p:nvSpPr>
+          <p:cNvPr id="13" name="Rectangle: Rounded Corners 12">
+            <a:extLst>
+              <a:ext uri="{FF2B5EF4-FFF2-40B4-BE49-F238E27FC236}">
+                <a16:creationId xmlns:a16="http://schemas.microsoft.com/office/drawing/2014/main" id="{19F22CEF-AA00-70AA-8481-FDFEC540B69C}"/>
+              </a:ext>
+            </a:extLst>
+          </p:cNvPr>
+          <p:cNvSpPr/>
+          <p:nvPr/>
+        </p:nvSpPr>
+        <p:spPr>
+          <a:xfrm>
+            <a:off x="7874121" y="5729651"/>
+            <a:ext cx="3169329" cy="365125"/>
+          </a:xfrm>
+          <a:prstGeom prst="roundRect">
+            <a:avLst/>
+          </a:prstGeom>
+          <a:noFill/>
+          <a:ln w="57150">
+            <a:solidFill>
+              <a:schemeClr val="tx1"/>
+            </a:solidFill>
+          </a:ln>
+        </p:spPr>
+        <p:style>
+          <a:lnRef idx="2">
+            <a:schemeClr val="accent1">
+              <a:shade val="15000"/>
+            </a:schemeClr>
+          </a:lnRef>
+          <a:fillRef idx="1">
+            <a:schemeClr val="accent1"/>
+          </a:fillRef>
+          <a:effectRef idx="0">
+            <a:schemeClr val="accent1"/>
+          </a:effectRef>
+          <a:fontRef idx="minor">
+            <a:schemeClr val="lt1"/>
+          </a:fontRef>
+        </p:style>
+        <p:txBody>
+          <a:bodyPr rtlCol="0" anchor="ctr"/>
+          <a:lstStyle/>
+          <a:p>
+            <a:pPr algn="ctr"/>
+            <a:r>
+              <a:rPr lang="en-US" dirty="0">
+                <a:solidFill>
+                  <a:schemeClr val="tx1"/>
+                </a:solidFill>
+              </a:rPr>
+              <a:t>Multinomial</a:t>
+            </a:r>
+          </a:p>
+        </p:txBody>
+      </p:sp>
+      <p:sp>
+        <p:nvSpPr>
+          <p:cNvPr id="14" name="Left Brace 13">
+            <a:extLst>
+              <a:ext uri="{FF2B5EF4-FFF2-40B4-BE49-F238E27FC236}">
+                <a16:creationId xmlns:a16="http://schemas.microsoft.com/office/drawing/2014/main" id="{57E207E8-5C6F-E078-4D70-B5E62D087D4E}"/>
+              </a:ext>
+            </a:extLst>
+          </p:cNvPr>
+          <p:cNvSpPr/>
+          <p:nvPr/>
+        </p:nvSpPr>
+        <p:spPr>
+          <a:xfrm>
+            <a:off x="6471821" y="736337"/>
+            <a:ext cx="1251752" cy="3844541"/>
+          </a:xfrm>
+          <a:prstGeom prst="leftBrace">
+            <a:avLst>
+              <a:gd name="adj1" fmla="val 8333"/>
+              <a:gd name="adj2" fmla="val 24599"/>
+            </a:avLst>
+          </a:prstGeom>
+          <a:ln w="57150">
+            <a:solidFill>
+              <a:schemeClr val="tx1"/>
+            </a:solidFill>
+            <a:prstDash val="sysDot"/>
+          </a:ln>
+        </p:spPr>
+        <p:style>
+          <a:lnRef idx="2">
+            <a:schemeClr val="accent1"/>
+          </a:lnRef>
+          <a:fillRef idx="0">
+            <a:schemeClr val="accent1"/>
+          </a:fillRef>
+          <a:effectRef idx="1">
+            <a:schemeClr val="accent1"/>
+          </a:effectRef>
+          <a:fontRef idx="minor">
+            <a:schemeClr val="tx1"/>
+          </a:fontRef>
+        </p:style>
+        <p:txBody>
+          <a:bodyPr rtlCol="0" anchor="ctr"/>
+          <a:lstStyle/>
+          <a:p>
+            <a:pPr algn="ctr"/>
+            <a:endParaRPr lang="en-NL" dirty="0"/>
+          </a:p>
+        </p:txBody>
+      </p:sp>
+      <p:sp>
+        <p:nvSpPr>
+          <p:cNvPr id="16" name="TextBox 15">
+            <a:extLst>
+              <a:ext uri="{FF2B5EF4-FFF2-40B4-BE49-F238E27FC236}">
+                <a16:creationId xmlns:a16="http://schemas.microsoft.com/office/drawing/2014/main" id="{77A24422-D497-47A8-B8C3-D6EBDA22EB3A}"/>
+              </a:ext>
+            </a:extLst>
+          </p:cNvPr>
+          <p:cNvSpPr txBox="1"/>
+          <p:nvPr/>
+        </p:nvSpPr>
+        <p:spPr>
+          <a:xfrm>
+            <a:off x="5006540" y="1429078"/>
+            <a:ext cx="1914805" cy="523220"/>
+          </a:xfrm>
+          <a:prstGeom prst="rect">
+            <a:avLst/>
+          </a:prstGeom>
+          <a:noFill/>
+        </p:spPr>
+        <p:txBody>
+          <a:bodyPr wrap="square">
+            <a:spAutoFit/>
+          </a:bodyPr>
+          <a:lstStyle/>
+          <a:p>
+            <a:r>
+              <a:rPr lang="en-US" sz="2800" dirty="0"/>
+              <a:t>Training</a:t>
+            </a:r>
+          </a:p>
+        </p:txBody>
+      </p:sp>
+      <p:sp>
+        <p:nvSpPr>
+          <p:cNvPr id="18" name="TextBox 17">
+            <a:extLst>
+              <a:ext uri="{FF2B5EF4-FFF2-40B4-BE49-F238E27FC236}">
+                <a16:creationId xmlns:a16="http://schemas.microsoft.com/office/drawing/2014/main" id="{26130208-D2CE-2969-3A48-FB44BB46EA3B}"/>
+              </a:ext>
+            </a:extLst>
+          </p:cNvPr>
+          <p:cNvSpPr txBox="1"/>
+          <p:nvPr/>
+        </p:nvSpPr>
+        <p:spPr>
+          <a:xfrm>
+            <a:off x="4674393" y="6420405"/>
+            <a:ext cx="2843213" cy="369332"/>
+          </a:xfrm>
+          <a:prstGeom prst="rect">
+            <a:avLst/>
+          </a:prstGeom>
+          <a:noFill/>
+        </p:spPr>
+        <p:txBody>
+          <a:bodyPr wrap="square">
+            <a:spAutoFit/>
+          </a:bodyPr>
+          <a:lstStyle/>
+          <a:p>
+            <a:r>
+              <a:rPr lang="nl-NL" dirty="0" err="1">
+                <a:solidFill>
+                  <a:schemeClr val="bg1"/>
+                </a:solidFill>
+              </a:rPr>
+              <a:t>Gupta</a:t>
+            </a:r>
+            <a:r>
+              <a:rPr lang="nl-NL" dirty="0">
+                <a:solidFill>
+                  <a:schemeClr val="bg1"/>
+                </a:solidFill>
+              </a:rPr>
+              <a:t> et al. Mol. Inf. (2018)</a:t>
+            </a:r>
+            <a:endParaRPr lang="en-NL" dirty="0">
+              <a:solidFill>
+                <a:schemeClr val="bg1"/>
+              </a:solidFill>
+            </a:endParaRPr>
           </a:p>
         </p:txBody>
       </p:sp>
     </p:spTree>
     <p:extLst>
       <p:ext uri="{BB962C8B-B14F-4D97-AF65-F5344CB8AC3E}">
-        <p14:creationId xmlns:p14="http://schemas.microsoft.com/office/powerpoint/2010/main" val="45723674"/>
+        <p14:creationId xmlns:p14="http://schemas.microsoft.com/office/powerpoint/2010/main" val="1621567964"/>
+      </p:ext>
+    </p:extLst>
+  </p:cSld>
+  <p:clrMapOvr>
+    <a:masterClrMapping/>
+  </p:clrMapOvr>
+</p:sld>
+</file>
+
+<file path=ppt/slides/slide7.xml><?xml version="1.0" encoding="utf-8"?>
+<p:sld xmlns:a="http://schemas.openxmlformats.org/drawingml/2006/main" xmlns:r="http://schemas.openxmlformats.org/officeDocument/2006/relationships" xmlns:p="http://schemas.openxmlformats.org/presentationml/2006/main">
+  <p:cSld>
+    <p:spTree>
+      <p:nvGrpSpPr>
+        <p:cNvPr id="1" name=""/>
+        <p:cNvGrpSpPr/>
+        <p:nvPr/>
+      </p:nvGrpSpPr>
+      <p:grpSpPr>
+        <a:xfrm>
+          <a:off x="0" y="0"/>
+          <a:ext cx="0" cy="0"/>
+          <a:chOff x="0" y="0"/>
+          <a:chExt cx="0" cy="0"/>
+        </a:xfrm>
+      </p:grpSpPr>
+      <p:sp>
+        <p:nvSpPr>
+          <p:cNvPr id="2" name="Title 1">
+            <a:extLst>
+              <a:ext uri="{FF2B5EF4-FFF2-40B4-BE49-F238E27FC236}">
+                <a16:creationId xmlns:a16="http://schemas.microsoft.com/office/drawing/2014/main" id="{77862718-CFD6-B214-A48D-A330FF76C39E}"/>
+              </a:ext>
+            </a:extLst>
+          </p:cNvPr>
+          <p:cNvSpPr>
+            <a:spLocks noGrp="1"/>
+          </p:cNvSpPr>
+          <p:nvPr>
+            <p:ph type="title"/>
+          </p:nvPr>
+        </p:nvSpPr>
+        <p:spPr/>
+        <p:txBody>
+          <a:bodyPr/>
+          <a:lstStyle/>
+          <a:p>
+            <a:r>
+              <a:rPr lang="en-US" dirty="0"/>
+              <a:t>Method – Dataset</a:t>
+            </a:r>
+            <a:endParaRPr lang="en-NL" dirty="0"/>
+          </a:p>
+        </p:txBody>
+      </p:sp>
+      <p:sp>
+        <p:nvSpPr>
+          <p:cNvPr id="3" name="Content Placeholder 2">
+            <a:extLst>
+              <a:ext uri="{FF2B5EF4-FFF2-40B4-BE49-F238E27FC236}">
+                <a16:creationId xmlns:a16="http://schemas.microsoft.com/office/drawing/2014/main" id="{3FA8F98C-31B4-32EF-0A13-FEE16E046836}"/>
+              </a:ext>
+            </a:extLst>
+          </p:cNvPr>
+          <p:cNvSpPr>
+            <a:spLocks noGrp="1"/>
+          </p:cNvSpPr>
+          <p:nvPr>
+            <p:ph idx="1"/>
+          </p:nvPr>
+        </p:nvSpPr>
+        <p:spPr/>
+        <p:txBody>
+          <a:bodyPr/>
+          <a:lstStyle/>
+          <a:p>
+            <a:r>
+              <a:rPr lang="en-US" dirty="0" err="1"/>
+              <a:t>ChEMBL</a:t>
+            </a:r>
+            <a:r>
+              <a:rPr lang="en-US" dirty="0"/>
+              <a:t> 22 (2016)</a:t>
+            </a:r>
+          </a:p>
+          <a:p>
+            <a:pPr lvl="1"/>
+            <a:r>
+              <a:rPr lang="en-US" dirty="0"/>
+              <a:t>Open access</a:t>
+            </a:r>
+          </a:p>
+          <a:p>
+            <a:pPr lvl="1"/>
+            <a:r>
+              <a:rPr lang="en-US" dirty="0"/>
+              <a:t>542 673 (canonical) smiles</a:t>
+            </a:r>
+          </a:p>
+          <a:p>
+            <a:pPr lvl="2"/>
+            <a:r>
+              <a:rPr lang="en-US" dirty="0"/>
+              <a:t>34 – 74 characters </a:t>
+            </a:r>
+          </a:p>
+          <a:p>
+            <a:pPr lvl="2"/>
+            <a:r>
+              <a:rPr lang="en-US" dirty="0"/>
+              <a:t>No salts</a:t>
+            </a:r>
+          </a:p>
+          <a:p>
+            <a:pPr lvl="2"/>
+            <a:r>
+              <a:rPr lang="en-US" dirty="0"/>
+              <a:t>IC/EC50 and </a:t>
+            </a:r>
+            <a:r>
+              <a:rPr lang="en-US" dirty="0" err="1"/>
+              <a:t>kd</a:t>
+            </a:r>
+            <a:r>
+              <a:rPr lang="en-US" dirty="0"/>
+              <a:t>/ki/b</a:t>
+            </a:r>
+          </a:p>
+          <a:p>
+            <a:r>
+              <a:rPr lang="en-US" dirty="0"/>
+              <a:t>Bioactive molecules</a:t>
+            </a:r>
+          </a:p>
+          <a:p>
+            <a:pPr lvl="1"/>
+            <a:r>
+              <a:rPr lang="en-US" dirty="0"/>
+              <a:t>Used in drug discovery</a:t>
+            </a:r>
+          </a:p>
+          <a:p>
+            <a:pPr lvl="1"/>
+            <a:endParaRPr lang="en-US" dirty="0"/>
+          </a:p>
+          <a:p>
+            <a:endParaRPr lang="en-NL" dirty="0"/>
+          </a:p>
+        </p:txBody>
+      </p:sp>
+      <p:sp>
+        <p:nvSpPr>
+          <p:cNvPr id="4" name="Slide Number Placeholder 3">
+            <a:extLst>
+              <a:ext uri="{FF2B5EF4-FFF2-40B4-BE49-F238E27FC236}">
+                <a16:creationId xmlns:a16="http://schemas.microsoft.com/office/drawing/2014/main" id="{B3B366F5-52A3-1E08-8CB1-EBCD309CD0E6}"/>
+              </a:ext>
+            </a:extLst>
+          </p:cNvPr>
+          <p:cNvSpPr>
+            <a:spLocks noGrp="1"/>
+          </p:cNvSpPr>
+          <p:nvPr>
+            <p:ph type="sldNum" sz="quarter" idx="12"/>
+          </p:nvPr>
+        </p:nvSpPr>
+        <p:spPr/>
+        <p:txBody>
+          <a:bodyPr/>
+          <a:lstStyle/>
+          <a:p>
+            <a:fld id="{6D8AD5B3-FCFD-4636-963F-AB3B51592AB9}" type="slidenum">
+              <a:rPr lang="en-NL" smtClean="0"/>
+              <a:t>7</a:t>
+            </a:fld>
+            <a:endParaRPr lang="en-NL"/>
+          </a:p>
+        </p:txBody>
+      </p:sp>
+      <p:pic>
+        <p:nvPicPr>
+          <p:cNvPr id="6" name="Picture 5" descr="A group of black and red hexagons&#10;&#10;Description automatically generated">
+            <a:extLst>
+              <a:ext uri="{FF2B5EF4-FFF2-40B4-BE49-F238E27FC236}">
+                <a16:creationId xmlns:a16="http://schemas.microsoft.com/office/drawing/2014/main" id="{C4E4CADF-BB5B-DA8F-2165-8AFCC2ED4398}"/>
+              </a:ext>
+            </a:extLst>
+          </p:cNvPr>
+          <p:cNvPicPr>
+            <a:picLocks noChangeAspect="1"/>
+          </p:cNvPicPr>
+          <p:nvPr/>
+        </p:nvPicPr>
+        <p:blipFill rotWithShape="1">
+          <a:blip r:embed="rId2">
+            <a:extLst>
+              <a:ext uri="{28A0092B-C50C-407E-A947-70E740481C1C}">
+                <a14:useLocalDpi xmlns:a14="http://schemas.microsoft.com/office/drawing/2010/main" val="0"/>
+              </a:ext>
+            </a:extLst>
+          </a:blip>
+          <a:srcRect l="1088" t="9329" b="6530"/>
+          <a:stretch/>
+        </p:blipFill>
+        <p:spPr>
+          <a:xfrm>
+            <a:off x="5784202" y="1368263"/>
+            <a:ext cx="5652796" cy="4808700"/>
+          </a:xfrm>
+          <a:prstGeom prst="rect">
+            <a:avLst/>
+          </a:prstGeom>
+        </p:spPr>
+      </p:pic>
+      <p:sp>
+        <p:nvSpPr>
+          <p:cNvPr id="5" name="TextBox 4">
+            <a:extLst>
+              <a:ext uri="{FF2B5EF4-FFF2-40B4-BE49-F238E27FC236}">
+                <a16:creationId xmlns:a16="http://schemas.microsoft.com/office/drawing/2014/main" id="{9A6849E8-61A3-DEB8-52A0-9FAD2947038F}"/>
+              </a:ext>
+            </a:extLst>
+          </p:cNvPr>
+          <p:cNvSpPr txBox="1"/>
+          <p:nvPr/>
+        </p:nvSpPr>
+        <p:spPr>
+          <a:xfrm>
+            <a:off x="4455935" y="6424612"/>
+            <a:ext cx="3280129" cy="369332"/>
+          </a:xfrm>
+          <a:prstGeom prst="rect">
+            <a:avLst/>
+          </a:prstGeom>
+          <a:noFill/>
+        </p:spPr>
+        <p:txBody>
+          <a:bodyPr wrap="none" rtlCol="0">
+            <a:spAutoFit/>
+          </a:bodyPr>
+          <a:lstStyle/>
+          <a:p>
+            <a:r>
+              <a:rPr lang="en-US" dirty="0">
+                <a:solidFill>
+                  <a:schemeClr val="bg1"/>
+                </a:solidFill>
+              </a:rPr>
+              <a:t>https://www.ebi.ac.uk/chembl/</a:t>
+            </a:r>
+            <a:endParaRPr lang="en-NL" dirty="0">
+              <a:solidFill>
+                <a:schemeClr val="bg1"/>
+              </a:solidFill>
+            </a:endParaRPr>
+          </a:p>
+        </p:txBody>
+      </p:sp>
+    </p:spTree>
+    <p:extLst>
+      <p:ext uri="{BB962C8B-B14F-4D97-AF65-F5344CB8AC3E}">
+        <p14:creationId xmlns:p14="http://schemas.microsoft.com/office/powerpoint/2010/main" val="1203030831"/>
+      </p:ext>
+    </p:extLst>
+  </p:cSld>
+  <p:clrMapOvr>
+    <a:masterClrMapping/>
+  </p:clrMapOvr>
+</p:sld>
+</file>
+
+<file path=ppt/slides/slide8.xml><?xml version="1.0" encoding="utf-8"?>
+<p:sld xmlns:a="http://schemas.openxmlformats.org/drawingml/2006/main" xmlns:r="http://schemas.openxmlformats.org/officeDocument/2006/relationships" xmlns:p="http://schemas.openxmlformats.org/presentationml/2006/main">
+  <p:cSld>
+    <p:spTree>
+      <p:nvGrpSpPr>
+        <p:cNvPr id="1" name=""/>
+        <p:cNvGrpSpPr/>
+        <p:nvPr/>
+      </p:nvGrpSpPr>
+      <p:grpSpPr>
+        <a:xfrm>
+          <a:off x="0" y="0"/>
+          <a:ext cx="0" cy="0"/>
+          <a:chOff x="0" y="0"/>
+          <a:chExt cx="0" cy="0"/>
+        </a:xfrm>
+      </p:grpSpPr>
+      <p:sp>
+        <p:nvSpPr>
+          <p:cNvPr id="2" name="Title 1">
+            <a:extLst>
+              <a:ext uri="{FF2B5EF4-FFF2-40B4-BE49-F238E27FC236}">
+                <a16:creationId xmlns:a16="http://schemas.microsoft.com/office/drawing/2014/main" id="{5F5652CC-4442-A12C-0590-C548B4A0D171}"/>
+              </a:ext>
+            </a:extLst>
+          </p:cNvPr>
+          <p:cNvSpPr>
+            <a:spLocks noGrp="1"/>
+          </p:cNvSpPr>
+          <p:nvPr>
+            <p:ph type="title"/>
+          </p:nvPr>
+        </p:nvSpPr>
+        <p:spPr/>
+        <p:txBody>
+          <a:bodyPr/>
+          <a:lstStyle/>
+          <a:p>
+            <a:r>
+              <a:rPr lang="en-US" dirty="0"/>
+              <a:t>Method – Training</a:t>
+            </a:r>
+            <a:endParaRPr lang="en-NL" dirty="0"/>
+          </a:p>
+        </p:txBody>
+      </p:sp>
+      <p:sp>
+        <p:nvSpPr>
+          <p:cNvPr id="3" name="Content Placeholder 2">
+            <a:extLst>
+              <a:ext uri="{FF2B5EF4-FFF2-40B4-BE49-F238E27FC236}">
+                <a16:creationId xmlns:a16="http://schemas.microsoft.com/office/drawing/2014/main" id="{938DD596-FF1C-BA97-B446-E0DCB7CF7EDC}"/>
+              </a:ext>
+            </a:extLst>
+          </p:cNvPr>
+          <p:cNvSpPr>
+            <a:spLocks noGrp="1"/>
+          </p:cNvSpPr>
+          <p:nvPr>
+            <p:ph idx="1"/>
+          </p:nvPr>
+        </p:nvSpPr>
+        <p:spPr>
+          <a:xfrm>
+            <a:off x="838200" y="1825625"/>
+            <a:ext cx="5372100" cy="4351338"/>
+          </a:xfrm>
+        </p:spPr>
+        <p:txBody>
+          <a:bodyPr/>
+          <a:lstStyle/>
+          <a:p>
+            <a:r>
+              <a:rPr lang="en-US" dirty="0"/>
+              <a:t>Adam optimizer </a:t>
+            </a:r>
+          </a:p>
+          <a:p>
+            <a:pPr lvl="1"/>
+            <a:r>
+              <a:rPr lang="en-US" dirty="0" err="1"/>
+              <a:t>AdaGrad</a:t>
+            </a:r>
+            <a:r>
+              <a:rPr lang="en-US" dirty="0"/>
+              <a:t> </a:t>
+            </a:r>
+          </a:p>
+          <a:p>
+            <a:pPr lvl="2"/>
+            <a:r>
+              <a:rPr lang="en-US" dirty="0"/>
+              <a:t>Adaptive learning rate</a:t>
+            </a:r>
+          </a:p>
+          <a:p>
+            <a:pPr lvl="1"/>
+            <a:r>
+              <a:rPr lang="en-US" dirty="0" err="1"/>
+              <a:t>RMSProp</a:t>
+            </a:r>
+            <a:endParaRPr lang="en-US" dirty="0"/>
+          </a:p>
+          <a:p>
+            <a:pPr lvl="2"/>
+            <a:r>
+              <a:rPr lang="en-US" dirty="0"/>
+              <a:t>Stabilizes learning rate</a:t>
+            </a:r>
+          </a:p>
+          <a:p>
+            <a:r>
+              <a:rPr lang="en-US" dirty="0" err="1"/>
+              <a:t>CrossEntropyLoss</a:t>
+            </a:r>
+            <a:r>
+              <a:rPr lang="en-US" dirty="0"/>
+              <a:t>  loss function</a:t>
+            </a:r>
+          </a:p>
+          <a:p>
+            <a:endParaRPr lang="en-NL" dirty="0"/>
+          </a:p>
+        </p:txBody>
+      </p:sp>
+      <p:sp>
+        <p:nvSpPr>
+          <p:cNvPr id="4" name="Slide Number Placeholder 3">
+            <a:extLst>
+              <a:ext uri="{FF2B5EF4-FFF2-40B4-BE49-F238E27FC236}">
+                <a16:creationId xmlns:a16="http://schemas.microsoft.com/office/drawing/2014/main" id="{DE8E314D-43F9-338E-31ED-7B6C6B94EF3B}"/>
+              </a:ext>
+            </a:extLst>
+          </p:cNvPr>
+          <p:cNvSpPr>
+            <a:spLocks noGrp="1"/>
+          </p:cNvSpPr>
+          <p:nvPr>
+            <p:ph type="sldNum" sz="quarter" idx="12"/>
+          </p:nvPr>
+        </p:nvSpPr>
+        <p:spPr/>
+        <p:txBody>
+          <a:bodyPr/>
+          <a:lstStyle/>
+          <a:p>
+            <a:fld id="{6D8AD5B3-FCFD-4636-963F-AB3B51592AB9}" type="slidenum">
+              <a:rPr lang="en-NL" smtClean="0"/>
+              <a:t>8</a:t>
+            </a:fld>
+            <a:endParaRPr lang="en-NL"/>
+          </a:p>
+        </p:txBody>
+      </p:sp>
+      <p:pic>
+        <p:nvPicPr>
+          <p:cNvPr id="8" name="Picture 7">
+            <a:extLst>
+              <a:ext uri="{FF2B5EF4-FFF2-40B4-BE49-F238E27FC236}">
+                <a16:creationId xmlns:a16="http://schemas.microsoft.com/office/drawing/2014/main" id="{2399AEDC-8E01-1B29-9E4C-BC9921001BA6}"/>
+              </a:ext>
+            </a:extLst>
+          </p:cNvPr>
+          <p:cNvPicPr>
+            <a:picLocks noChangeAspect="1"/>
+          </p:cNvPicPr>
+          <p:nvPr/>
+        </p:nvPicPr>
+        <p:blipFill>
+          <a:blip r:embed="rId2"/>
+          <a:stretch>
+            <a:fillRect/>
+          </a:stretch>
+        </p:blipFill>
+        <p:spPr>
+          <a:xfrm>
+            <a:off x="7148246" y="1727673"/>
+            <a:ext cx="3820058" cy="2295845"/>
+          </a:xfrm>
+          <a:prstGeom prst="rect">
+            <a:avLst/>
+          </a:prstGeom>
+        </p:spPr>
+      </p:pic>
+      <mc:AlternateContent xmlns:mc="http://schemas.openxmlformats.org/markup-compatibility/2006" xmlns:a14="http://schemas.microsoft.com/office/drawing/2010/main">
+        <mc:Choice Requires="a14">
+          <p:sp>
+            <p:nvSpPr>
+              <p:cNvPr id="9" name="TextBox 8">
+                <a:extLst>
+                  <a:ext uri="{FF2B5EF4-FFF2-40B4-BE49-F238E27FC236}">
+                    <a16:creationId xmlns:a16="http://schemas.microsoft.com/office/drawing/2014/main" id="{73A8D156-9604-9266-0249-73E6AA58B9C3}"/>
+                  </a:ext>
+                </a:extLst>
+              </p:cNvPr>
+              <p:cNvSpPr txBox="1"/>
+              <p:nvPr/>
+            </p:nvSpPr>
+            <p:spPr>
+              <a:xfrm>
+                <a:off x="6096000" y="4795538"/>
+                <a:ext cx="5488747" cy="1560812"/>
+              </a:xfrm>
+              <a:prstGeom prst="rect">
+                <a:avLst/>
+              </a:prstGeom>
+              <a:noFill/>
+            </p:spPr>
+            <p:txBody>
+              <a:bodyPr wrap="none" lIns="0" tIns="0" rIns="0" bIns="0" rtlCol="0">
+                <a:spAutoFit/>
+              </a:bodyPr>
+              <a:lstStyle/>
+              <a:p>
+                <a:pPr/>
+                <a14:m>
+                  <m:oMathPara xmlns:m="http://schemas.openxmlformats.org/officeDocument/2006/math">
+                    <m:oMathParaPr>
+                      <m:jc m:val="centerGroup"/>
+                    </m:oMathParaPr>
+                    <m:oMath xmlns:m="http://schemas.openxmlformats.org/officeDocument/2006/math">
+                      <m:r>
+                        <a:rPr lang="en-US" sz="3600" b="0" i="1" smtClean="0">
+                          <a:latin typeface="Cambria Math" panose="02040503050406030204" pitchFamily="18" charset="0"/>
+                        </a:rPr>
+                        <m:t>𝑙</m:t>
+                      </m:r>
+                      <m:d>
+                        <m:dPr>
+                          <m:ctrlPr>
+                            <a:rPr lang="en-US" sz="3600" b="0" i="1" smtClean="0">
+                              <a:latin typeface="Cambria Math" panose="02040503050406030204" pitchFamily="18" charset="0"/>
+                            </a:rPr>
+                          </m:ctrlPr>
+                        </m:dPr>
+                        <m:e>
+                          <m:r>
+                            <a:rPr lang="en-US" sz="3600" b="0" i="1" smtClean="0">
+                              <a:latin typeface="Cambria Math" panose="02040503050406030204" pitchFamily="18" charset="0"/>
+                            </a:rPr>
+                            <m:t>𝑥</m:t>
+                          </m:r>
+                          <m:r>
+                            <a:rPr lang="en-US" sz="3600" b="0" i="1" smtClean="0">
+                              <a:latin typeface="Cambria Math" panose="02040503050406030204" pitchFamily="18" charset="0"/>
+                            </a:rPr>
+                            <m:t>,</m:t>
+                          </m:r>
+                          <m:r>
+                            <a:rPr lang="en-US" sz="3600" b="0" i="1" smtClean="0">
+                              <a:latin typeface="Cambria Math" panose="02040503050406030204" pitchFamily="18" charset="0"/>
+                            </a:rPr>
+                            <m:t>𝑦</m:t>
+                          </m:r>
+                        </m:e>
+                      </m:d>
+                      <m:r>
+                        <a:rPr lang="en-US" sz="3600" b="0" i="1" smtClean="0">
+                          <a:latin typeface="Cambria Math" panose="02040503050406030204" pitchFamily="18" charset="0"/>
+                        </a:rPr>
+                        <m:t>=−</m:t>
+                      </m:r>
+                      <m:nary>
+                        <m:naryPr>
+                          <m:chr m:val="∑"/>
+                          <m:ctrlPr>
+                            <a:rPr lang="en-US" sz="3600" b="0" i="1" smtClean="0">
+                              <a:latin typeface="Cambria Math" panose="02040503050406030204" pitchFamily="18" charset="0"/>
+                            </a:rPr>
+                          </m:ctrlPr>
+                        </m:naryPr>
+                        <m:sub>
+                          <m:r>
+                            <m:rPr>
+                              <m:brk m:alnAt="23"/>
+                            </m:rPr>
+                            <a:rPr lang="en-US" sz="3600" b="0" i="1" smtClean="0">
+                              <a:latin typeface="Cambria Math" panose="02040503050406030204" pitchFamily="18" charset="0"/>
+                            </a:rPr>
+                            <m:t>𝑐</m:t>
+                          </m:r>
+                          <m:r>
+                            <a:rPr lang="en-US" sz="3600" b="0" i="1" smtClean="0">
+                              <a:latin typeface="Cambria Math" panose="02040503050406030204" pitchFamily="18" charset="0"/>
+                            </a:rPr>
+                            <m:t>=1</m:t>
+                          </m:r>
+                        </m:sub>
+                        <m:sup>
+                          <m:r>
+                            <a:rPr lang="en-US" sz="3600" b="0" i="1" smtClean="0">
+                              <a:latin typeface="Cambria Math" panose="02040503050406030204" pitchFamily="18" charset="0"/>
+                            </a:rPr>
+                            <m:t>𝐶</m:t>
+                          </m:r>
+                        </m:sup>
+                        <m:e>
+                          <m:func>
+                            <m:funcPr>
+                              <m:ctrlPr>
+                                <a:rPr lang="en-US" sz="3600" b="0" i="1" smtClean="0">
+                                  <a:latin typeface="Cambria Math" panose="02040503050406030204" pitchFamily="18" charset="0"/>
+                                </a:rPr>
+                              </m:ctrlPr>
+                            </m:funcPr>
+                            <m:fName>
+                              <m:r>
+                                <m:rPr>
+                                  <m:sty m:val="p"/>
+                                </m:rPr>
+                                <a:rPr lang="en-US" sz="3600" b="0" i="0" smtClean="0">
+                                  <a:latin typeface="Cambria Math" panose="02040503050406030204" pitchFamily="18" charset="0"/>
+                                </a:rPr>
+                                <m:t>log</m:t>
+                              </m:r>
+                            </m:fName>
+                            <m:e>
+                              <m:d>
+                                <m:dPr>
+                                  <m:ctrlPr>
+                                    <a:rPr lang="en-US" sz="3600" b="0" i="1" smtClean="0">
+                                      <a:latin typeface="Cambria Math" panose="02040503050406030204" pitchFamily="18" charset="0"/>
+                                    </a:rPr>
+                                  </m:ctrlPr>
+                                </m:dPr>
+                                <m:e>
+                                  <m:f>
+                                    <m:fPr>
+                                      <m:ctrlPr>
+                                        <a:rPr lang="en-US" sz="3600" b="0" i="1" smtClean="0">
+                                          <a:latin typeface="Cambria Math" panose="02040503050406030204" pitchFamily="18" charset="0"/>
+                                        </a:rPr>
+                                      </m:ctrlPr>
+                                    </m:fPr>
+                                    <m:num>
+                                      <m:sSup>
+                                        <m:sSupPr>
+                                          <m:ctrlPr>
+                                            <a:rPr lang="en-US" sz="3600" b="0" i="1" smtClean="0">
+                                              <a:latin typeface="Cambria Math" panose="02040503050406030204" pitchFamily="18" charset="0"/>
+                                            </a:rPr>
+                                          </m:ctrlPr>
+                                        </m:sSupPr>
+                                        <m:e>
+                                          <m:r>
+                                            <a:rPr lang="en-US" sz="3600" b="0" i="1" smtClean="0">
+                                              <a:latin typeface="Cambria Math" panose="02040503050406030204" pitchFamily="18" charset="0"/>
+                                            </a:rPr>
+                                            <m:t>𝑒</m:t>
+                                          </m:r>
+                                        </m:e>
+                                        <m:sup>
+                                          <m:sSub>
+                                            <m:sSubPr>
+                                              <m:ctrlPr>
+                                                <a:rPr lang="en-US" sz="3600" b="0" i="1" smtClean="0">
+                                                  <a:latin typeface="Cambria Math" panose="02040503050406030204" pitchFamily="18" charset="0"/>
+                                                </a:rPr>
+                                              </m:ctrlPr>
+                                            </m:sSubPr>
+                                            <m:e>
+                                              <m:r>
+                                                <a:rPr lang="en-US" sz="3600" b="0" i="1" smtClean="0">
+                                                  <a:latin typeface="Cambria Math" panose="02040503050406030204" pitchFamily="18" charset="0"/>
+                                                </a:rPr>
+                                                <m:t>𝑥</m:t>
+                                              </m:r>
+                                            </m:e>
+                                            <m:sub>
+                                              <m:r>
+                                                <a:rPr lang="en-US" sz="3600" b="0" i="1" smtClean="0">
+                                                  <a:latin typeface="Cambria Math" panose="02040503050406030204" pitchFamily="18" charset="0"/>
+                                                </a:rPr>
+                                                <m:t>𝑖</m:t>
+                                              </m:r>
+                                            </m:sub>
+                                          </m:sSub>
+                                        </m:sup>
+                                      </m:sSup>
+                                    </m:num>
+                                    <m:den>
+                                      <m:nary>
+                                        <m:naryPr>
+                                          <m:chr m:val="∑"/>
+                                          <m:subHide m:val="on"/>
+                                          <m:supHide m:val="on"/>
+                                          <m:ctrlPr>
+                                            <a:rPr lang="en-US" sz="3600" b="0" i="1" smtClean="0">
+                                              <a:latin typeface="Cambria Math" panose="02040503050406030204" pitchFamily="18" charset="0"/>
+                                            </a:rPr>
+                                          </m:ctrlPr>
+                                        </m:naryPr>
+                                        <m:sub/>
+                                        <m:sup/>
+                                        <m:e>
+                                          <m:sSup>
+                                            <m:sSupPr>
+                                              <m:ctrlPr>
+                                                <a:rPr lang="en-US" sz="3600" b="0" i="1" smtClean="0">
+                                                  <a:latin typeface="Cambria Math" panose="02040503050406030204" pitchFamily="18" charset="0"/>
+                                                </a:rPr>
+                                              </m:ctrlPr>
+                                            </m:sSupPr>
+                                            <m:e>
+                                              <m:r>
+                                                <a:rPr lang="en-US" sz="3600" b="0" i="1" smtClean="0">
+                                                  <a:latin typeface="Cambria Math" panose="02040503050406030204" pitchFamily="18" charset="0"/>
+                                                </a:rPr>
+                                                <m:t>𝑒</m:t>
+                                              </m:r>
+                                            </m:e>
+                                            <m:sup>
+                                              <m:r>
+                                                <a:rPr lang="en-US" sz="3600" b="0" i="1" smtClean="0">
+                                                  <a:latin typeface="Cambria Math" panose="02040503050406030204" pitchFamily="18" charset="0"/>
+                                                </a:rPr>
+                                                <m:t>𝑥</m:t>
+                                              </m:r>
+                                            </m:sup>
+                                          </m:sSup>
+                                        </m:e>
+                                      </m:nary>
+                                    </m:den>
+                                  </m:f>
+                                </m:e>
+                              </m:d>
+                              <m:r>
+                                <a:rPr lang="en-US" sz="3600" b="0" i="1" smtClean="0">
+                                  <a:latin typeface="Cambria Math" panose="02040503050406030204" pitchFamily="18" charset="0"/>
+                                </a:rPr>
+                                <m:t>𝑦</m:t>
+                              </m:r>
+                            </m:e>
+                          </m:func>
+                        </m:e>
+                      </m:nary>
+                    </m:oMath>
+                  </m:oMathPara>
+                </a14:m>
+                <a:endParaRPr lang="en-NL" dirty="0"/>
+              </a:p>
+            </p:txBody>
+          </p:sp>
+        </mc:Choice>
+        <mc:Fallback xmlns="">
+          <p:sp>
+            <p:nvSpPr>
+              <p:cNvPr id="9" name="TextBox 8">
+                <a:extLst>
+                  <a:ext uri="{FF2B5EF4-FFF2-40B4-BE49-F238E27FC236}">
+                    <a16:creationId xmlns:a16="http://schemas.microsoft.com/office/drawing/2014/main" id="{73A8D156-9604-9266-0249-73E6AA58B9C3}"/>
+                  </a:ext>
+                </a:extLst>
+              </p:cNvPr>
+              <p:cNvSpPr txBox="1">
+                <a:spLocks noRot="1" noChangeAspect="1" noMove="1" noResize="1" noEditPoints="1" noAdjustHandles="1" noChangeArrowheads="1" noChangeShapeType="1" noTextEdit="1"/>
+              </p:cNvSpPr>
+              <p:nvPr/>
+            </p:nvSpPr>
+            <p:spPr>
+              <a:xfrm>
+                <a:off x="6096000" y="4795538"/>
+                <a:ext cx="5488747" cy="1560812"/>
+              </a:xfrm>
+              <a:prstGeom prst="rect">
+                <a:avLst/>
+              </a:prstGeom>
+              <a:blipFill>
+                <a:blip r:embed="rId3"/>
+                <a:stretch>
+                  <a:fillRect/>
+                </a:stretch>
+              </a:blipFill>
+            </p:spPr>
+            <p:txBody>
+              <a:bodyPr/>
+              <a:lstStyle/>
+              <a:p>
+                <a:r>
+                  <a:rPr lang="en-NL">
+                    <a:noFill/>
+                  </a:rPr>
+                  <a:t> </a:t>
+                </a:r>
+              </a:p>
+            </p:txBody>
+          </p:sp>
+        </mc:Fallback>
+      </mc:AlternateContent>
+      <p:cxnSp>
+        <p:nvCxnSpPr>
+          <p:cNvPr id="13" name="Straight Arrow Connector 12">
+            <a:extLst>
+              <a:ext uri="{FF2B5EF4-FFF2-40B4-BE49-F238E27FC236}">
+                <a16:creationId xmlns:a16="http://schemas.microsoft.com/office/drawing/2014/main" id="{E5688140-A4B0-7907-30A9-22F5523C94D9}"/>
+              </a:ext>
+            </a:extLst>
+          </p:cNvPr>
+          <p:cNvCxnSpPr>
+            <a:cxnSpLocks/>
+          </p:cNvCxnSpPr>
+          <p:nvPr/>
+        </p:nvCxnSpPr>
+        <p:spPr>
+          <a:xfrm>
+            <a:off x="9058275" y="4546477"/>
+            <a:ext cx="838200" cy="377948"/>
+          </a:xfrm>
+          <a:prstGeom prst="straightConnector1">
+            <a:avLst/>
+          </a:prstGeom>
+          <a:ln w="76200">
+            <a:solidFill>
+              <a:srgbClr val="FF0000"/>
+            </a:solidFill>
+            <a:tailEnd type="triangle"/>
+          </a:ln>
+        </p:spPr>
+        <p:style>
+          <a:lnRef idx="2">
+            <a:schemeClr val="accent1"/>
+          </a:lnRef>
+          <a:fillRef idx="0">
+            <a:schemeClr val="accent1"/>
+          </a:fillRef>
+          <a:effectRef idx="1">
+            <a:schemeClr val="accent1"/>
+          </a:effectRef>
+          <a:fontRef idx="minor">
+            <a:schemeClr val="tx1"/>
+          </a:fontRef>
+        </p:style>
+      </p:cxnSp>
+      <p:sp>
+        <p:nvSpPr>
+          <p:cNvPr id="16" name="TextBox 15">
+            <a:extLst>
+              <a:ext uri="{FF2B5EF4-FFF2-40B4-BE49-F238E27FC236}">
+                <a16:creationId xmlns:a16="http://schemas.microsoft.com/office/drawing/2014/main" id="{26120E49-8C87-09EC-F91E-E70707D83B28}"/>
+              </a:ext>
+            </a:extLst>
+          </p:cNvPr>
+          <p:cNvSpPr txBox="1"/>
+          <p:nvPr/>
+        </p:nvSpPr>
+        <p:spPr>
+          <a:xfrm>
+            <a:off x="6429375" y="4184250"/>
+            <a:ext cx="6096000" cy="461665"/>
+          </a:xfrm>
+          <a:prstGeom prst="rect">
+            <a:avLst/>
+          </a:prstGeom>
+          <a:noFill/>
+        </p:spPr>
+        <p:txBody>
+          <a:bodyPr wrap="square">
+            <a:spAutoFit/>
+          </a:bodyPr>
+          <a:lstStyle/>
+          <a:p>
+            <a:r>
+              <a:rPr lang="en-US" sz="2400" dirty="0"/>
+              <a:t>SoftMax function</a:t>
+            </a:r>
+          </a:p>
+        </p:txBody>
+      </p:sp>
+      <p:sp>
+        <p:nvSpPr>
+          <p:cNvPr id="5" name="TextBox 4">
+            <a:extLst>
+              <a:ext uri="{FF2B5EF4-FFF2-40B4-BE49-F238E27FC236}">
+                <a16:creationId xmlns:a16="http://schemas.microsoft.com/office/drawing/2014/main" id="{D575FACD-DA5E-0BF0-CC24-F8FBEB4C66E1}"/>
+              </a:ext>
+            </a:extLst>
+          </p:cNvPr>
+          <p:cNvSpPr txBox="1"/>
+          <p:nvPr/>
+        </p:nvSpPr>
+        <p:spPr>
+          <a:xfrm>
+            <a:off x="4674393" y="6420405"/>
+            <a:ext cx="2843213" cy="369332"/>
+          </a:xfrm>
+          <a:prstGeom prst="rect">
+            <a:avLst/>
+          </a:prstGeom>
+          <a:noFill/>
+        </p:spPr>
+        <p:txBody>
+          <a:bodyPr wrap="square">
+            <a:spAutoFit/>
+          </a:bodyPr>
+          <a:lstStyle/>
+          <a:p>
+            <a:r>
+              <a:rPr lang="nl-NL" dirty="0" err="1">
+                <a:solidFill>
+                  <a:schemeClr val="bg1"/>
+                </a:solidFill>
+              </a:rPr>
+              <a:t>Gupta</a:t>
+            </a:r>
+            <a:r>
+              <a:rPr lang="nl-NL" dirty="0">
+                <a:solidFill>
+                  <a:schemeClr val="bg1"/>
+                </a:solidFill>
+              </a:rPr>
+              <a:t> et al. Mol. Inf. (2018)</a:t>
+            </a:r>
+            <a:endParaRPr lang="en-NL" dirty="0">
+              <a:solidFill>
+                <a:schemeClr val="bg1"/>
+              </a:solidFill>
+            </a:endParaRPr>
+          </a:p>
+        </p:txBody>
+      </p:sp>
+    </p:spTree>
+    <p:extLst>
+      <p:ext uri="{BB962C8B-B14F-4D97-AF65-F5344CB8AC3E}">
+        <p14:creationId xmlns:p14="http://schemas.microsoft.com/office/powerpoint/2010/main" val="2695715349"/>
+      </p:ext>
+    </p:extLst>
+  </p:cSld>
+  <p:clrMapOvr>
+    <a:masterClrMapping/>
+  </p:clrMapOvr>
+</p:sld>
+</file>
+
+<file path=ppt/slides/slide9.xml><?xml version="1.0" encoding="utf-8"?>
+<p:sld xmlns:a="http://schemas.openxmlformats.org/drawingml/2006/main" xmlns:r="http://schemas.openxmlformats.org/officeDocument/2006/relationships" xmlns:p="http://schemas.openxmlformats.org/presentationml/2006/main">
+  <p:cSld>
+    <p:spTree>
+      <p:nvGrpSpPr>
+        <p:cNvPr id="1" name=""/>
+        <p:cNvGrpSpPr/>
+        <p:nvPr/>
+      </p:nvGrpSpPr>
+      <p:grpSpPr>
+        <a:xfrm>
+          <a:off x="0" y="0"/>
+          <a:ext cx="0" cy="0"/>
+          <a:chOff x="0" y="0"/>
+          <a:chExt cx="0" cy="0"/>
+        </a:xfrm>
+      </p:grpSpPr>
+      <p:sp>
+        <p:nvSpPr>
+          <p:cNvPr id="2" name="Title 1">
+            <a:extLst>
+              <a:ext uri="{FF2B5EF4-FFF2-40B4-BE49-F238E27FC236}">
+                <a16:creationId xmlns:a16="http://schemas.microsoft.com/office/drawing/2014/main" id="{9C11D0AD-B29B-1C99-247A-B9993E2EF9AC}"/>
+              </a:ext>
+            </a:extLst>
+          </p:cNvPr>
+          <p:cNvSpPr>
+            <a:spLocks noGrp="1"/>
+          </p:cNvSpPr>
+          <p:nvPr>
+            <p:ph type="title"/>
+          </p:nvPr>
+        </p:nvSpPr>
+        <p:spPr/>
+        <p:txBody>
+          <a:bodyPr/>
+          <a:lstStyle/>
+          <a:p>
+            <a:r>
+              <a:rPr lang="en-US" dirty="0"/>
+              <a:t>Method – Reinforced training</a:t>
+            </a:r>
+            <a:endParaRPr lang="en-NL" dirty="0"/>
+          </a:p>
+        </p:txBody>
+      </p:sp>
+      <p:sp>
+        <p:nvSpPr>
+          <p:cNvPr id="3" name="Content Placeholder 2">
+            <a:extLst>
+              <a:ext uri="{FF2B5EF4-FFF2-40B4-BE49-F238E27FC236}">
+                <a16:creationId xmlns:a16="http://schemas.microsoft.com/office/drawing/2014/main" id="{49A4B823-E3A4-D394-5B0D-429CD2F0EF38}"/>
+              </a:ext>
+            </a:extLst>
+          </p:cNvPr>
+          <p:cNvSpPr>
+            <a:spLocks noGrp="1"/>
+          </p:cNvSpPr>
+          <p:nvPr>
+            <p:ph idx="1"/>
+          </p:nvPr>
+        </p:nvSpPr>
+        <p:spPr>
+          <a:xfrm>
+            <a:off x="838200" y="1825625"/>
+            <a:ext cx="5935462" cy="4351338"/>
+          </a:xfrm>
+        </p:spPr>
+        <p:txBody>
+          <a:bodyPr/>
+          <a:lstStyle/>
+          <a:p>
+            <a:r>
+              <a:rPr lang="en-US" dirty="0"/>
+              <a:t>Rewarded preferred properties</a:t>
+            </a:r>
+          </a:p>
+          <a:p>
+            <a:pPr lvl="1"/>
+            <a:r>
+              <a:rPr lang="en-US" dirty="0"/>
+              <a:t>Punished for large loss</a:t>
+            </a:r>
+          </a:p>
+          <a:p>
+            <a:r>
+              <a:rPr lang="en-US" dirty="0"/>
+              <a:t>Generate SMILES</a:t>
+            </a:r>
+          </a:p>
+          <a:p>
+            <a:pPr lvl="1"/>
+            <a:r>
+              <a:rPr lang="en-US" dirty="0"/>
+              <a:t>Score the smiles based on property </a:t>
+            </a:r>
+          </a:p>
+          <a:p>
+            <a:pPr lvl="1"/>
+            <a:r>
+              <a:rPr lang="en-US" dirty="0"/>
+              <a:t>Calculate reward/penalty</a:t>
+            </a:r>
+          </a:p>
+          <a:p>
+            <a:r>
+              <a:rPr lang="en-US" dirty="0"/>
+              <a:t>Based on complete (valid) SMILES</a:t>
+            </a:r>
+          </a:p>
+          <a:p>
+            <a:pPr lvl="1"/>
+            <a:r>
+              <a:rPr lang="en-US" dirty="0"/>
+              <a:t>Not rewarded on a token level</a:t>
+            </a:r>
+          </a:p>
+          <a:p>
+            <a:endParaRPr lang="en-NL" dirty="0"/>
+          </a:p>
+        </p:txBody>
+      </p:sp>
+      <p:sp>
+        <p:nvSpPr>
+          <p:cNvPr id="4" name="Slide Number Placeholder 3">
+            <a:extLst>
+              <a:ext uri="{FF2B5EF4-FFF2-40B4-BE49-F238E27FC236}">
+                <a16:creationId xmlns:a16="http://schemas.microsoft.com/office/drawing/2014/main" id="{5F2D15E6-EF24-FDEE-767A-89953527E03A}"/>
+              </a:ext>
+            </a:extLst>
+          </p:cNvPr>
+          <p:cNvSpPr>
+            <a:spLocks noGrp="1"/>
+          </p:cNvSpPr>
+          <p:nvPr>
+            <p:ph type="sldNum" sz="quarter" idx="12"/>
+          </p:nvPr>
+        </p:nvSpPr>
+        <p:spPr/>
+        <p:txBody>
+          <a:bodyPr/>
+          <a:lstStyle/>
+          <a:p>
+            <a:fld id="{6D8AD5B3-FCFD-4636-963F-AB3B51592AB9}" type="slidenum">
+              <a:rPr lang="en-NL" smtClean="0"/>
+              <a:t>9</a:t>
+            </a:fld>
+            <a:endParaRPr lang="en-NL"/>
+          </a:p>
+        </p:txBody>
+      </p:sp>
+      <mc:AlternateContent xmlns:mc="http://schemas.openxmlformats.org/markup-compatibility/2006">
+        <mc:Choice xmlns:a14="http://schemas.microsoft.com/office/drawing/2010/main" Requires="a14">
+          <p:sp>
+            <p:nvSpPr>
+              <p:cNvPr id="5" name="TextBox 4">
+                <a:extLst>
+                  <a:ext uri="{FF2B5EF4-FFF2-40B4-BE49-F238E27FC236}">
+                    <a16:creationId xmlns:a16="http://schemas.microsoft.com/office/drawing/2014/main" id="{9A186B3E-3404-24D8-0794-DCDDA744F16D}"/>
+                  </a:ext>
+                </a:extLst>
+              </p:cNvPr>
+              <p:cNvSpPr txBox="1"/>
+              <p:nvPr/>
+            </p:nvSpPr>
+            <p:spPr>
+              <a:xfrm>
+                <a:off x="6587231" y="1825625"/>
+                <a:ext cx="5226174" cy="430887"/>
+              </a:xfrm>
+              <a:prstGeom prst="rect">
+                <a:avLst/>
+              </a:prstGeom>
+              <a:noFill/>
+            </p:spPr>
+            <p:txBody>
+              <a:bodyPr wrap="none" lIns="0" tIns="0" rIns="0" bIns="0" rtlCol="0">
+                <a:spAutoFit/>
+              </a:bodyPr>
+              <a:lstStyle/>
+              <a:p>
+                <a:r>
+                  <a:rPr lang="en-US" sz="2800" b="0" dirty="0"/>
+                  <a:t>Cost function </a:t>
+                </a:r>
+                <a14:m>
+                  <m:oMath xmlns:m="http://schemas.openxmlformats.org/officeDocument/2006/math">
+                    <m:r>
+                      <a:rPr lang="en-US" sz="2800" b="0" i="1" smtClean="0">
+                        <a:latin typeface="Cambria Math" panose="02040503050406030204" pitchFamily="18" charset="0"/>
+                      </a:rPr>
+                      <m:t>=</m:t>
+                    </m:r>
+                    <m:r>
+                      <a:rPr lang="en-US" sz="2800" b="0" i="1" smtClean="0">
+                        <a:latin typeface="Cambria Math" panose="02040503050406030204" pitchFamily="18" charset="0"/>
+                      </a:rPr>
+                      <m:t>𝑆</m:t>
+                    </m:r>
+                    <m:r>
+                      <a:rPr lang="en-US" sz="2800" b="0" i="1" smtClean="0">
+                        <a:latin typeface="Cambria Math" panose="02040503050406030204" pitchFamily="18" charset="0"/>
+                      </a:rPr>
+                      <m:t>∗</m:t>
+                    </m:r>
+                    <m:r>
+                      <a:rPr lang="en-US" sz="2800" b="0" i="1" smtClean="0">
+                        <a:latin typeface="Cambria Math" panose="02040503050406030204" pitchFamily="18" charset="0"/>
+                      </a:rPr>
+                      <m:t>𝑙𝑜𝑠𝑠</m:t>
+                    </m:r>
+                    <m:r>
+                      <a:rPr lang="en-US" sz="2800" b="0" i="1" smtClean="0">
+                        <a:latin typeface="Cambria Math" panose="02040503050406030204" pitchFamily="18" charset="0"/>
+                      </a:rPr>
+                      <m:t> </m:t>
+                    </m:r>
+                    <m:r>
+                      <a:rPr lang="en-US" sz="2800" b="0" i="1" smtClean="0">
+                        <a:latin typeface="Cambria Math" panose="02040503050406030204" pitchFamily="18" charset="0"/>
+                      </a:rPr>
+                      <m:t>𝑓𝑢𝑛𝑐𝑡𝑖𝑜𝑛</m:t>
+                    </m:r>
+                  </m:oMath>
+                </a14:m>
+                <a:endParaRPr lang="en-NL" sz="2800" dirty="0"/>
+              </a:p>
+            </p:txBody>
+          </p:sp>
+        </mc:Choice>
+        <mc:Fallback>
+          <p:sp>
+            <p:nvSpPr>
+              <p:cNvPr id="5" name="TextBox 4">
+                <a:extLst>
+                  <a:ext uri="{FF2B5EF4-FFF2-40B4-BE49-F238E27FC236}">
+                    <a16:creationId xmlns:a16="http://schemas.microsoft.com/office/drawing/2014/main" id="{9A186B3E-3404-24D8-0794-DCDDA744F16D}"/>
+                  </a:ext>
+                </a:extLst>
+              </p:cNvPr>
+              <p:cNvSpPr txBox="1">
+                <a:spLocks noRot="1" noChangeAspect="1" noMove="1" noResize="1" noEditPoints="1" noAdjustHandles="1" noChangeArrowheads="1" noChangeShapeType="1" noTextEdit="1"/>
+              </p:cNvSpPr>
+              <p:nvPr/>
+            </p:nvSpPr>
+            <p:spPr>
+              <a:xfrm>
+                <a:off x="6587231" y="1825625"/>
+                <a:ext cx="5226174" cy="430887"/>
+              </a:xfrm>
+              <a:prstGeom prst="rect">
+                <a:avLst/>
+              </a:prstGeom>
+              <a:blipFill>
+                <a:blip r:embed="rId2"/>
+                <a:stretch>
+                  <a:fillRect l="-4201" t="-25352" b="-49296"/>
+                </a:stretch>
+              </a:blipFill>
+            </p:spPr>
+            <p:txBody>
+              <a:bodyPr/>
+              <a:lstStyle/>
+              <a:p>
+                <a:r>
+                  <a:rPr lang="en-NL">
+                    <a:noFill/>
+                  </a:rPr>
+                  <a:t> </a:t>
+                </a:r>
+              </a:p>
+            </p:txBody>
+          </p:sp>
+        </mc:Fallback>
+      </mc:AlternateContent>
+      <p:sp>
+        <p:nvSpPr>
+          <p:cNvPr id="6" name="TextBox 5">
+            <a:extLst>
+              <a:ext uri="{FF2B5EF4-FFF2-40B4-BE49-F238E27FC236}">
+                <a16:creationId xmlns:a16="http://schemas.microsoft.com/office/drawing/2014/main" id="{FD21EFC5-1620-11E5-551C-B8FF00A926EA}"/>
+              </a:ext>
+            </a:extLst>
+          </p:cNvPr>
+          <p:cNvSpPr txBox="1"/>
+          <p:nvPr/>
+        </p:nvSpPr>
+        <p:spPr>
+          <a:xfrm>
+            <a:off x="6588761" y="2397739"/>
+            <a:ext cx="5434436" cy="861774"/>
+          </a:xfrm>
+          <a:prstGeom prst="rect">
+            <a:avLst/>
+          </a:prstGeom>
+          <a:noFill/>
+        </p:spPr>
+        <p:txBody>
+          <a:bodyPr wrap="none" lIns="0" tIns="0" rIns="0" bIns="0" rtlCol="0">
+            <a:spAutoFit/>
+          </a:bodyPr>
+          <a:lstStyle/>
+          <a:p>
+            <a:r>
+              <a:rPr lang="en-US" sz="2800" dirty="0" err="1"/>
+              <a:t>Logp</a:t>
+            </a:r>
+            <a:r>
+              <a:rPr lang="en-US" sz="2800" dirty="0"/>
+              <a:t> {0,5 : 1,5}</a:t>
+            </a:r>
+          </a:p>
+          <a:p>
+            <a:r>
+              <a:rPr lang="en-US" sz="2800" dirty="0"/>
+              <a:t>S = Scaled(target – prediction) + 0,5</a:t>
+            </a:r>
+            <a:endParaRPr lang="en-NL" sz="2800" dirty="0"/>
+          </a:p>
+        </p:txBody>
+      </p:sp>
+      <p:sp>
+        <p:nvSpPr>
+          <p:cNvPr id="7" name="TextBox 6">
+            <a:extLst>
+              <a:ext uri="{FF2B5EF4-FFF2-40B4-BE49-F238E27FC236}">
+                <a16:creationId xmlns:a16="http://schemas.microsoft.com/office/drawing/2014/main" id="{E655285F-2EF8-6CCB-0989-17D8FEC12057}"/>
+              </a:ext>
+            </a:extLst>
+          </p:cNvPr>
+          <p:cNvSpPr txBox="1"/>
+          <p:nvPr/>
+        </p:nvSpPr>
+        <p:spPr>
+          <a:xfrm>
+            <a:off x="6692892" y="3400740"/>
+            <a:ext cx="4176656" cy="861774"/>
+          </a:xfrm>
+          <a:prstGeom prst="rect">
+            <a:avLst/>
+          </a:prstGeom>
+          <a:noFill/>
+        </p:spPr>
+        <p:txBody>
+          <a:bodyPr wrap="none" lIns="0" tIns="0" rIns="0" bIns="0" rtlCol="0">
+            <a:spAutoFit/>
+          </a:bodyPr>
+          <a:lstStyle/>
+          <a:p>
+            <a:r>
+              <a:rPr lang="en-US" sz="2800" dirty="0"/>
+              <a:t>MACCs </a:t>
+            </a:r>
+            <a:r>
+              <a:rPr lang="en-US" sz="2800" dirty="0" err="1"/>
+              <a:t>Tanimoto</a:t>
+            </a:r>
+            <a:r>
+              <a:rPr lang="en-US" sz="2800" dirty="0"/>
+              <a:t> {0,5 : 1,5}</a:t>
+            </a:r>
+          </a:p>
+          <a:p>
+            <a:r>
+              <a:rPr lang="en-US" sz="2800" dirty="0"/>
+              <a:t>S = 1 - </a:t>
+            </a:r>
+            <a:r>
+              <a:rPr lang="en-US" sz="2800" dirty="0" err="1"/>
+              <a:t>Tanimoto</a:t>
+            </a:r>
+            <a:r>
+              <a:rPr lang="en-US" sz="2800" dirty="0"/>
+              <a:t> + 0,5</a:t>
+            </a:r>
+            <a:endParaRPr lang="en-NL" sz="2800" dirty="0"/>
+          </a:p>
+        </p:txBody>
+      </p:sp>
+      <p:sp>
+        <p:nvSpPr>
+          <p:cNvPr id="8" name="TextBox 7">
+            <a:extLst>
+              <a:ext uri="{FF2B5EF4-FFF2-40B4-BE49-F238E27FC236}">
+                <a16:creationId xmlns:a16="http://schemas.microsoft.com/office/drawing/2014/main" id="{868D163C-60F0-07CF-90B9-8C15A9BE270D}"/>
+              </a:ext>
+            </a:extLst>
+          </p:cNvPr>
+          <p:cNvSpPr txBox="1"/>
+          <p:nvPr/>
+        </p:nvSpPr>
+        <p:spPr>
+          <a:xfrm>
+            <a:off x="2375931" y="6416237"/>
+            <a:ext cx="7440137" cy="369332"/>
+          </a:xfrm>
+          <a:prstGeom prst="rect">
+            <a:avLst/>
+          </a:prstGeom>
+          <a:noFill/>
+        </p:spPr>
+        <p:txBody>
+          <a:bodyPr wrap="square">
+            <a:spAutoFit/>
+          </a:bodyPr>
+          <a:lstStyle/>
+          <a:p>
+            <a:r>
+              <a:rPr lang="en-US" dirty="0" err="1">
+                <a:solidFill>
+                  <a:schemeClr val="bg1"/>
+                </a:solidFill>
+              </a:rPr>
+              <a:t>Olivecrona</a:t>
+            </a:r>
+            <a:r>
+              <a:rPr lang="en-US" dirty="0">
+                <a:solidFill>
+                  <a:schemeClr val="bg1"/>
+                </a:solidFill>
+              </a:rPr>
+              <a:t> et al. J </a:t>
+            </a:r>
+            <a:r>
+              <a:rPr lang="en-US" dirty="0" err="1">
+                <a:solidFill>
+                  <a:schemeClr val="bg1"/>
+                </a:solidFill>
+              </a:rPr>
+              <a:t>Cheminform</a:t>
+            </a:r>
+            <a:r>
+              <a:rPr lang="en-US" dirty="0">
+                <a:solidFill>
+                  <a:schemeClr val="bg1"/>
+                </a:solidFill>
+              </a:rPr>
+              <a:t> (2017) &amp; Pereira et al. J </a:t>
+            </a:r>
+            <a:r>
+              <a:rPr lang="en-US" dirty="0" err="1">
+                <a:solidFill>
+                  <a:schemeClr val="bg1"/>
+                </a:solidFill>
+              </a:rPr>
+              <a:t>Cheminform</a:t>
+            </a:r>
+            <a:r>
+              <a:rPr lang="en-US" dirty="0">
+                <a:solidFill>
+                  <a:schemeClr val="bg1"/>
+                </a:solidFill>
+              </a:rPr>
+              <a:t> (2021)</a:t>
+            </a:r>
+            <a:endParaRPr lang="en-NL" dirty="0">
+              <a:solidFill>
+                <a:schemeClr val="bg1"/>
+              </a:solidFill>
+            </a:endParaRPr>
+          </a:p>
+        </p:txBody>
+      </p:sp>
+    </p:spTree>
+    <p:extLst>
+      <p:ext uri="{BB962C8B-B14F-4D97-AF65-F5344CB8AC3E}">
+        <p14:creationId xmlns:p14="http://schemas.microsoft.com/office/powerpoint/2010/main" val="2212627288"/>
       </p:ext>
     </p:extLst>
   </p:cSld>

--- a/Presentation ML4CHEM project 3 iv MO.pptx
+++ b/Presentation ML4CHEM project 3 iv MO.pptx
@@ -131,7 +131,8 @@
 <file path=ppt/revisionInfo.xml><?xml version="1.0" encoding="utf-8"?>
 <p1510:revInfo xmlns:a="http://schemas.openxmlformats.org/drawingml/2006/main" xmlns:r="http://schemas.openxmlformats.org/officeDocument/2006/relationships" xmlns:p1510="http://schemas.microsoft.com/office/powerpoint/2015/10/main">
   <p1510:revLst>
-    <p1510:client id="{DD379FBB-3E73-4587-BD40-EF03F6188E68}" v="419" dt="2024-05-26T17:41:43.952"/>
+    <p1510:client id="{0D4E4E2D-7689-40CB-9490-728AD9C97B9D}" v="1" dt="2024-05-26T18:30:44.821"/>
+    <p1510:client id="{DD379FBB-3E73-4587-BD40-EF03F6188E68}" v="423" dt="2024-05-26T18:19:16.468"/>
   </p1510:revLst>
 </p1510:revInfo>
 </file>
@@ -141,18 +142,18 @@
   <pc:docChgLst>
     <pc:chgData name="Martijn Oele" userId="c93323cb-61ba-4d55-a370-ab980c4c846c" providerId="ADAL" clId="{DD379FBB-3E73-4587-BD40-EF03F6188E68}"/>
     <pc:docChg chg="undo redo custSel addSld delSld modSld modMainMaster">
-      <pc:chgData name="Martijn Oele" userId="c93323cb-61ba-4d55-a370-ab980c4c846c" providerId="ADAL" clId="{DD379FBB-3E73-4587-BD40-EF03F6188E68}" dt="2024-05-26T17:41:43.952" v="5935"/>
+      <pc:chgData name="Martijn Oele" userId="c93323cb-61ba-4d55-a370-ab980c4c846c" providerId="ADAL" clId="{DD379FBB-3E73-4587-BD40-EF03F6188E68}" dt="2024-05-26T18:21:08.470" v="6284" actId="20577"/>
       <pc:docMkLst>
         <pc:docMk/>
       </pc:docMkLst>
       <pc:sldChg chg="modSp new mod">
-        <pc:chgData name="Martijn Oele" userId="c93323cb-61ba-4d55-a370-ab980c4c846c" providerId="ADAL" clId="{DD379FBB-3E73-4587-BD40-EF03F6188E68}" dt="2024-05-26T17:01:36.713" v="4717" actId="6549"/>
+        <pc:chgData name="Martijn Oele" userId="c93323cb-61ba-4d55-a370-ab980c4c846c" providerId="ADAL" clId="{DD379FBB-3E73-4587-BD40-EF03F6188E68}" dt="2024-05-26T17:45:42.244" v="5953" actId="20577"/>
         <pc:sldMkLst>
           <pc:docMk/>
           <pc:sldMk cId="1679501174" sldId="256"/>
         </pc:sldMkLst>
         <pc:spChg chg="mod">
-          <ac:chgData name="Martijn Oele" userId="c93323cb-61ba-4d55-a370-ab980c4c846c" providerId="ADAL" clId="{DD379FBB-3E73-4587-BD40-EF03F6188E68}" dt="2024-05-24T10:39:33.264" v="147" actId="27636"/>
+          <ac:chgData name="Martijn Oele" userId="c93323cb-61ba-4d55-a370-ab980c4c846c" providerId="ADAL" clId="{DD379FBB-3E73-4587-BD40-EF03F6188E68}" dt="2024-05-26T17:45:21.406" v="5938" actId="20577"/>
           <ac:spMkLst>
             <pc:docMk/>
             <pc:sldMk cId="1679501174" sldId="256"/>
@@ -160,7 +161,7 @@
           </ac:spMkLst>
         </pc:spChg>
         <pc:spChg chg="mod">
-          <ac:chgData name="Martijn Oele" userId="c93323cb-61ba-4d55-a370-ab980c4c846c" providerId="ADAL" clId="{DD379FBB-3E73-4587-BD40-EF03F6188E68}" dt="2024-05-26T17:01:36.713" v="4717" actId="6549"/>
+          <ac:chgData name="Martijn Oele" userId="c93323cb-61ba-4d55-a370-ab980c4c846c" providerId="ADAL" clId="{DD379FBB-3E73-4587-BD40-EF03F6188E68}" dt="2024-05-26T17:45:42.244" v="5953" actId="20577"/>
           <ac:spMkLst>
             <pc:docMk/>
             <pc:sldMk cId="1679501174" sldId="256"/>
@@ -169,7 +170,7 @@
         </pc:spChg>
       </pc:sldChg>
       <pc:sldChg chg="addSp delSp modSp new mod">
-        <pc:chgData name="Martijn Oele" userId="c93323cb-61ba-4d55-a370-ab980c4c846c" providerId="ADAL" clId="{DD379FBB-3E73-4587-BD40-EF03F6188E68}" dt="2024-05-26T17:38:28.831" v="5891" actId="1076"/>
+        <pc:chgData name="Martijn Oele" userId="c93323cb-61ba-4d55-a370-ab980c4c846c" providerId="ADAL" clId="{DD379FBB-3E73-4587-BD40-EF03F6188E68}" dt="2024-05-26T17:56:20.116" v="6125" actId="313"/>
         <pc:sldMkLst>
           <pc:docMk/>
           <pc:sldMk cId="1093126335" sldId="257"/>
@@ -183,7 +184,7 @@
           </ac:spMkLst>
         </pc:spChg>
         <pc:spChg chg="mod">
-          <ac:chgData name="Martijn Oele" userId="c93323cb-61ba-4d55-a370-ab980c4c846c" providerId="ADAL" clId="{DD379FBB-3E73-4587-BD40-EF03F6188E68}" dt="2024-05-26T15:14:40.310" v="3586" actId="14100"/>
+          <ac:chgData name="Martijn Oele" userId="c93323cb-61ba-4d55-a370-ab980c4c846c" providerId="ADAL" clId="{DD379FBB-3E73-4587-BD40-EF03F6188E68}" dt="2024-05-26T17:56:20.116" v="6125" actId="313"/>
           <ac:spMkLst>
             <pc:docMk/>
             <pc:sldMk cId="1093126335" sldId="257"/>
@@ -207,7 +208,7 @@
           </ac:spMkLst>
         </pc:spChg>
         <pc:picChg chg="add mod">
-          <ac:chgData name="Martijn Oele" userId="c93323cb-61ba-4d55-a370-ab980c4c846c" providerId="ADAL" clId="{DD379FBB-3E73-4587-BD40-EF03F6188E68}" dt="2024-05-26T15:10:00.764" v="3409" actId="1076"/>
+          <ac:chgData name="Martijn Oele" userId="c93323cb-61ba-4d55-a370-ab980c4c846c" providerId="ADAL" clId="{DD379FBB-3E73-4587-BD40-EF03F6188E68}" dt="2024-05-26T17:55:41.740" v="6099" actId="1076"/>
           <ac:picMkLst>
             <pc:docMk/>
             <pc:sldMk cId="1093126335" sldId="257"/>
@@ -224,7 +225,7 @@
         </pc:picChg>
       </pc:sldChg>
       <pc:sldChg chg="addSp modSp new mod">
-        <pc:chgData name="Martijn Oele" userId="c93323cb-61ba-4d55-a370-ab980c4c846c" providerId="ADAL" clId="{DD379FBB-3E73-4587-BD40-EF03F6188E68}" dt="2024-05-26T17:38:41.796" v="5895" actId="1076"/>
+        <pc:chgData name="Martijn Oele" userId="c93323cb-61ba-4d55-a370-ab980c4c846c" providerId="ADAL" clId="{DD379FBB-3E73-4587-BD40-EF03F6188E68}" dt="2024-05-26T18:08:28.126" v="6195" actId="20577"/>
         <pc:sldMkLst>
           <pc:docMk/>
           <pc:sldMk cId="1203030831" sldId="258"/>
@@ -238,7 +239,7 @@
           </ac:spMkLst>
         </pc:spChg>
         <pc:spChg chg="mod">
-          <ac:chgData name="Martijn Oele" userId="c93323cb-61ba-4d55-a370-ab980c4c846c" providerId="ADAL" clId="{DD379FBB-3E73-4587-BD40-EF03F6188E68}" dt="2024-05-26T17:24:04.862" v="5548" actId="20577"/>
+          <ac:chgData name="Martijn Oele" userId="c93323cb-61ba-4d55-a370-ab980c4c846c" providerId="ADAL" clId="{DD379FBB-3E73-4587-BD40-EF03F6188E68}" dt="2024-05-26T18:08:28.126" v="6195" actId="20577"/>
           <ac:spMkLst>
             <pc:docMk/>
             <pc:sldMk cId="1203030831" sldId="258"/>
@@ -286,7 +287,7 @@
         </pc:spChg>
       </pc:sldChg>
       <pc:sldChg chg="addSp delSp modSp new mod">
-        <pc:chgData name="Martijn Oele" userId="c93323cb-61ba-4d55-a370-ab980c4c846c" providerId="ADAL" clId="{DD379FBB-3E73-4587-BD40-EF03F6188E68}" dt="2024-05-25T23:50:15.553" v="3176" actId="14100"/>
+        <pc:chgData name="Martijn Oele" userId="c93323cb-61ba-4d55-a370-ab980c4c846c" providerId="ADAL" clId="{DD379FBB-3E73-4587-BD40-EF03F6188E68}" dt="2024-05-26T17:53:26.754" v="6097" actId="20577"/>
         <pc:sldMkLst>
           <pc:docMk/>
           <pc:sldMk cId="250914193" sldId="260"/>
@@ -300,7 +301,7 @@
           </ac:spMkLst>
         </pc:spChg>
         <pc:spChg chg="mod ord">
-          <ac:chgData name="Martijn Oele" userId="c93323cb-61ba-4d55-a370-ab980c4c846c" providerId="ADAL" clId="{DD379FBB-3E73-4587-BD40-EF03F6188E68}" dt="2024-05-24T20:54:34.525" v="807" actId="14100"/>
+          <ac:chgData name="Martijn Oele" userId="c93323cb-61ba-4d55-a370-ab980c4c846c" providerId="ADAL" clId="{DD379FBB-3E73-4587-BD40-EF03F6188E68}" dt="2024-05-26T17:53:26.754" v="6097" actId="20577"/>
           <ac:spMkLst>
             <pc:docMk/>
             <pc:sldMk cId="250914193" sldId="260"/>
@@ -380,7 +381,7 @@
         </pc:sldMkLst>
       </pc:sldChg>
       <pc:sldChg chg="modSp new mod">
-        <pc:chgData name="Martijn Oele" userId="c93323cb-61ba-4d55-a370-ab980c4c846c" providerId="ADAL" clId="{DD379FBB-3E73-4587-BD40-EF03F6188E68}" dt="2024-05-26T17:30:17.907" v="5807" actId="313"/>
+        <pc:chgData name="Martijn Oele" userId="c93323cb-61ba-4d55-a370-ab980c4c846c" providerId="ADAL" clId="{DD379FBB-3E73-4587-BD40-EF03F6188E68}" dt="2024-05-26T18:21:08.470" v="6284" actId="20577"/>
         <pc:sldMkLst>
           <pc:docMk/>
           <pc:sldMk cId="45723674" sldId="261"/>
@@ -394,7 +395,7 @@
           </ac:spMkLst>
         </pc:spChg>
         <pc:spChg chg="mod">
-          <ac:chgData name="Martijn Oele" userId="c93323cb-61ba-4d55-a370-ab980c4c846c" providerId="ADAL" clId="{DD379FBB-3E73-4587-BD40-EF03F6188E68}" dt="2024-05-26T17:30:17.907" v="5807" actId="313"/>
+          <ac:chgData name="Martijn Oele" userId="c93323cb-61ba-4d55-a370-ab980c4c846c" providerId="ADAL" clId="{DD379FBB-3E73-4587-BD40-EF03F6188E68}" dt="2024-05-26T18:21:08.470" v="6284" actId="20577"/>
           <ac:spMkLst>
             <pc:docMk/>
             <pc:sldMk cId="45723674" sldId="261"/>
@@ -417,7 +418,7 @@
         </pc:sldMkLst>
       </pc:sldChg>
       <pc:sldChg chg="addSp delSp modSp new mod">
-        <pc:chgData name="Martijn Oele" userId="c93323cb-61ba-4d55-a370-ab980c4c846c" providerId="ADAL" clId="{DD379FBB-3E73-4587-BD40-EF03F6188E68}" dt="2024-05-26T17:29:10.608" v="5760" actId="20577"/>
+        <pc:chgData name="Martijn Oele" userId="c93323cb-61ba-4d55-a370-ab980c4c846c" providerId="ADAL" clId="{DD379FBB-3E73-4587-BD40-EF03F6188E68}" dt="2024-05-26T18:05:07.736" v="6183" actId="20577"/>
         <pc:sldMkLst>
           <pc:docMk/>
           <pc:sldMk cId="3543060941" sldId="262"/>
@@ -431,11 +432,19 @@
           </ac:spMkLst>
         </pc:spChg>
         <pc:spChg chg="add del mod">
-          <ac:chgData name="Martijn Oele" userId="c93323cb-61ba-4d55-a370-ab980c4c846c" providerId="ADAL" clId="{DD379FBB-3E73-4587-BD40-EF03F6188E68}" dt="2024-05-26T17:29:10.608" v="5760" actId="20577"/>
+          <ac:chgData name="Martijn Oele" userId="c93323cb-61ba-4d55-a370-ab980c4c846c" providerId="ADAL" clId="{DD379FBB-3E73-4587-BD40-EF03F6188E68}" dt="2024-05-26T18:05:07.736" v="6183" actId="20577"/>
           <ac:spMkLst>
             <pc:docMk/>
             <pc:sldMk cId="3543060941" sldId="262"/>
             <ac:spMk id="3" creationId="{46221F79-A9B0-92AE-4CB6-81272F8DF4AC}"/>
+          </ac:spMkLst>
+        </pc:spChg>
+        <pc:spChg chg="add mod">
+          <ac:chgData name="Martijn Oele" userId="c93323cb-61ba-4d55-a370-ab980c4c846c" providerId="ADAL" clId="{DD379FBB-3E73-4587-BD40-EF03F6188E68}" dt="2024-05-26T17:52:41.221" v="6076"/>
+          <ac:spMkLst>
+            <pc:docMk/>
+            <pc:sldMk cId="3543060941" sldId="262"/>
+            <ac:spMk id="5" creationId="{34648250-D881-ABEE-942B-C9C516DE2273}"/>
           </ac:spMkLst>
         </pc:spChg>
         <pc:picChg chg="add mod">
@@ -519,7 +528,7 @@
         </pc:cxnChg>
       </pc:sldChg>
       <pc:sldChg chg="addSp delSp modSp new mod setBg delAnim modAnim">
-        <pc:chgData name="Martijn Oele" userId="c93323cb-61ba-4d55-a370-ab980c4c846c" providerId="ADAL" clId="{DD379FBB-3E73-4587-BD40-EF03F6188E68}" dt="2024-05-25T23:56:58.162" v="3219" actId="1076"/>
+        <pc:chgData name="Martijn Oele" userId="c93323cb-61ba-4d55-a370-ab980c4c846c" providerId="ADAL" clId="{DD379FBB-3E73-4587-BD40-EF03F6188E68}" dt="2024-05-26T18:07:56.749" v="6189" actId="20577"/>
         <pc:sldMkLst>
           <pc:docMk/>
           <pc:sldMk cId="3345334393" sldId="264"/>
@@ -533,7 +542,7 @@
           </ac:spMkLst>
         </pc:spChg>
         <pc:spChg chg="mod">
-          <ac:chgData name="Martijn Oele" userId="c93323cb-61ba-4d55-a370-ab980c4c846c" providerId="ADAL" clId="{DD379FBB-3E73-4587-BD40-EF03F6188E68}" dt="2024-05-25T23:56:55.306" v="3217" actId="313"/>
+          <ac:chgData name="Martijn Oele" userId="c93323cb-61ba-4d55-a370-ab980c4c846c" providerId="ADAL" clId="{DD379FBB-3E73-4587-BD40-EF03F6188E68}" dt="2024-05-26T18:07:56.749" v="6189" actId="20577"/>
           <ac:spMkLst>
             <pc:docMk/>
             <pc:sldMk cId="3345334393" sldId="264"/>
@@ -622,7 +631,7 @@
         </pc:picChg>
       </pc:sldChg>
       <pc:sldChg chg="addSp delSp modSp new mod delAnim modAnim">
-        <pc:chgData name="Martijn Oele" userId="c93323cb-61ba-4d55-a370-ab980c4c846c" providerId="ADAL" clId="{DD379FBB-3E73-4587-BD40-EF03F6188E68}" dt="2024-05-25T23:49:15.578" v="3162" actId="732"/>
+        <pc:chgData name="Martijn Oele" userId="c93323cb-61ba-4d55-a370-ab980c4c846c" providerId="ADAL" clId="{DD379FBB-3E73-4587-BD40-EF03F6188E68}" dt="2024-05-26T18:19:16.468" v="6263"/>
         <pc:sldMkLst>
           <pc:docMk/>
           <pc:sldMk cId="1890579209" sldId="265"/>
@@ -636,7 +645,7 @@
           </ac:spMkLst>
         </pc:spChg>
         <pc:spChg chg="add del mod">
-          <ac:chgData name="Martijn Oele" userId="c93323cb-61ba-4d55-a370-ab980c4c846c" providerId="ADAL" clId="{DD379FBB-3E73-4587-BD40-EF03F6188E68}" dt="2024-05-25T23:48:10.332" v="3159" actId="20577"/>
+          <ac:chgData name="Martijn Oele" userId="c93323cb-61ba-4d55-a370-ab980c4c846c" providerId="ADAL" clId="{DD379FBB-3E73-4587-BD40-EF03F6188E68}" dt="2024-05-26T18:11:45.274" v="6202" actId="20577"/>
           <ac:spMkLst>
             <pc:docMk/>
             <pc:sldMk cId="1890579209" sldId="265"/>
@@ -675,6 +684,14 @@
             <ac:spMk id="14" creationId="{51B29492-7268-981A-21FB-702E4FB4D7EF}"/>
           </ac:spMkLst>
         </pc:spChg>
+        <pc:picChg chg="add mod ord">
+          <ac:chgData name="Martijn Oele" userId="c93323cb-61ba-4d55-a370-ab980c4c846c" providerId="ADAL" clId="{DD379FBB-3E73-4587-BD40-EF03F6188E68}" dt="2024-05-26T18:19:02.131" v="6261" actId="167"/>
+          <ac:picMkLst>
+            <pc:docMk/>
+            <pc:sldMk cId="1890579209" sldId="265"/>
+            <ac:picMk id="6" creationId="{4E6B0D5A-44A3-6A66-D7BF-7DFF511A276E}"/>
+          </ac:picMkLst>
+        </pc:picChg>
         <pc:picChg chg="add del mod">
           <ac:chgData name="Martijn Oele" userId="c93323cb-61ba-4d55-a370-ab980c4c846c" providerId="ADAL" clId="{DD379FBB-3E73-4587-BD40-EF03F6188E68}" dt="2024-05-25T23:45:15.119" v="3120" actId="478"/>
           <ac:picMkLst>
@@ -707,8 +724,8 @@
             <ac:picMk id="12" creationId="{165E40AA-CE2E-DA1E-FF28-A21E008D61C0}"/>
           </ac:picMkLst>
         </pc:picChg>
-        <pc:picChg chg="add mod">
-          <ac:chgData name="Martijn Oele" userId="c93323cb-61ba-4d55-a370-ab980c4c846c" providerId="ADAL" clId="{DD379FBB-3E73-4587-BD40-EF03F6188E68}" dt="2024-05-25T23:34:04.093" v="3066" actId="1076"/>
+        <pc:picChg chg="add del mod">
+          <ac:chgData name="Martijn Oele" userId="c93323cb-61ba-4d55-a370-ab980c4c846c" providerId="ADAL" clId="{DD379FBB-3E73-4587-BD40-EF03F6188E68}" dt="2024-05-26T18:18:11.512" v="6252" actId="478"/>
           <ac:picMkLst>
             <pc:docMk/>
             <pc:sldMk cId="1890579209" sldId="265"/>
@@ -732,7 +749,7 @@
           </ac:picMkLst>
         </pc:picChg>
         <pc:picChg chg="add mod ord">
-          <ac:chgData name="Martijn Oele" userId="c93323cb-61ba-4d55-a370-ab980c4c846c" providerId="ADAL" clId="{DD379FBB-3E73-4587-BD40-EF03F6188E68}" dt="2024-05-25T23:45:53.538" v="3132" actId="167"/>
+          <ac:chgData name="Martijn Oele" userId="c93323cb-61ba-4d55-a370-ab980c4c846c" providerId="ADAL" clId="{DD379FBB-3E73-4587-BD40-EF03F6188E68}" dt="2024-05-26T18:12:23.591" v="6251" actId="1038"/>
           <ac:picMkLst>
             <pc:docMk/>
             <pc:sldMk cId="1890579209" sldId="265"/>
@@ -765,7 +782,7 @@
         </pc:picChg>
       </pc:sldChg>
       <pc:sldChg chg="addSp delSp modSp new mod">
-        <pc:chgData name="Martijn Oele" userId="c93323cb-61ba-4d55-a370-ab980c4c846c" providerId="ADAL" clId="{DD379FBB-3E73-4587-BD40-EF03F6188E68}" dt="2024-05-26T17:39:01.786" v="5900"/>
+        <pc:chgData name="Martijn Oele" userId="c93323cb-61ba-4d55-a370-ab980c4c846c" providerId="ADAL" clId="{DD379FBB-3E73-4587-BD40-EF03F6188E68}" dt="2024-05-26T18:00:03.444" v="6158" actId="6549"/>
         <pc:sldMkLst>
           <pc:docMk/>
           <pc:sldMk cId="1621567964" sldId="266"/>
@@ -779,7 +796,7 @@
           </ac:spMkLst>
         </pc:spChg>
         <pc:spChg chg="mod">
-          <ac:chgData name="Martijn Oele" userId="c93323cb-61ba-4d55-a370-ab980c4c846c" providerId="ADAL" clId="{DD379FBB-3E73-4587-BD40-EF03F6188E68}" dt="2024-05-25T22:13:36.623" v="2411" actId="20577"/>
+          <ac:chgData name="Martijn Oele" userId="c93323cb-61ba-4d55-a370-ab980c4c846c" providerId="ADAL" clId="{DD379FBB-3E73-4587-BD40-EF03F6188E68}" dt="2024-05-26T18:00:03.444" v="6158" actId="6549"/>
           <ac:spMkLst>
             <pc:docMk/>
             <pc:sldMk cId="1621567964" sldId="266"/>
@@ -1208,7 +1225,7 @@
         </pc:cxnChg>
       </pc:sldChg>
       <pc:sldChg chg="addSp modSp new mod">
-        <pc:chgData name="Martijn Oele" userId="c93323cb-61ba-4d55-a370-ab980c4c846c" providerId="ADAL" clId="{DD379FBB-3E73-4587-BD40-EF03F6188E68}" dt="2024-05-26T17:41:43.952" v="5935"/>
+        <pc:chgData name="Martijn Oele" userId="c93323cb-61ba-4d55-a370-ab980c4c846c" providerId="ADAL" clId="{DD379FBB-3E73-4587-BD40-EF03F6188E68}" dt="2024-05-26T17:49:43.331" v="5972" actId="20577"/>
         <pc:sldMkLst>
           <pc:docMk/>
           <pc:sldMk cId="2212627288" sldId="270"/>
@@ -1222,7 +1239,7 @@
           </ac:spMkLst>
         </pc:spChg>
         <pc:spChg chg="mod">
-          <ac:chgData name="Martijn Oele" userId="c93323cb-61ba-4d55-a370-ab980c4c846c" providerId="ADAL" clId="{DD379FBB-3E73-4587-BD40-EF03F6188E68}" dt="2024-05-26T17:07:42.036" v="5008" actId="14100"/>
+          <ac:chgData name="Martijn Oele" userId="c93323cb-61ba-4d55-a370-ab980c4c846c" providerId="ADAL" clId="{DD379FBB-3E73-4587-BD40-EF03F6188E68}" dt="2024-05-26T17:49:43.331" v="5972" actId="20577"/>
           <ac:spMkLst>
             <pc:docMk/>
             <pc:sldMk cId="2212627288" sldId="270"/>
@@ -1318,6 +1335,113 @@
           </pc:spChg>
         </pc:sldLayoutChg>
       </pc:sldMasterChg>
+    </pc:docChg>
+  </pc:docChgLst>
+  <pc:docChgLst>
+    <pc:chgData name="Martijn Oele" userId="c93323cb-61ba-4d55-a370-ab980c4c846c" providerId="ADAL" clId="{0D4E4E2D-7689-40CB-9490-728AD9C97B9D}"/>
+    <pc:docChg chg="modSld">
+      <pc:chgData name="Martijn Oele" userId="c93323cb-61ba-4d55-a370-ab980c4c846c" providerId="ADAL" clId="{0D4E4E2D-7689-40CB-9490-728AD9C97B9D}" dt="2024-05-26T18:30:44.819" v="0"/>
+      <pc:docMkLst>
+        <pc:docMk/>
+      </pc:docMkLst>
+      <pc:sldChg chg="modTransition">
+        <pc:chgData name="Martijn Oele" userId="c93323cb-61ba-4d55-a370-ab980c4c846c" providerId="ADAL" clId="{0D4E4E2D-7689-40CB-9490-728AD9C97B9D}" dt="2024-05-26T18:30:44.819" v="0"/>
+        <pc:sldMkLst>
+          <pc:docMk/>
+          <pc:sldMk cId="1679501174" sldId="256"/>
+        </pc:sldMkLst>
+      </pc:sldChg>
+      <pc:sldChg chg="modTransition">
+        <pc:chgData name="Martijn Oele" userId="c93323cb-61ba-4d55-a370-ab980c4c846c" providerId="ADAL" clId="{0D4E4E2D-7689-40CB-9490-728AD9C97B9D}" dt="2024-05-26T18:30:44.819" v="0"/>
+        <pc:sldMkLst>
+          <pc:docMk/>
+          <pc:sldMk cId="1093126335" sldId="257"/>
+        </pc:sldMkLst>
+      </pc:sldChg>
+      <pc:sldChg chg="modTransition">
+        <pc:chgData name="Martijn Oele" userId="c93323cb-61ba-4d55-a370-ab980c4c846c" providerId="ADAL" clId="{0D4E4E2D-7689-40CB-9490-728AD9C97B9D}" dt="2024-05-26T18:30:44.819" v="0"/>
+        <pc:sldMkLst>
+          <pc:docMk/>
+          <pc:sldMk cId="1203030831" sldId="258"/>
+        </pc:sldMkLst>
+      </pc:sldChg>
+      <pc:sldChg chg="modTransition">
+        <pc:chgData name="Martijn Oele" userId="c93323cb-61ba-4d55-a370-ab980c4c846c" providerId="ADAL" clId="{0D4E4E2D-7689-40CB-9490-728AD9C97B9D}" dt="2024-05-26T18:30:44.819" v="0"/>
+        <pc:sldMkLst>
+          <pc:docMk/>
+          <pc:sldMk cId="3978102911" sldId="259"/>
+        </pc:sldMkLst>
+      </pc:sldChg>
+      <pc:sldChg chg="modTransition">
+        <pc:chgData name="Martijn Oele" userId="c93323cb-61ba-4d55-a370-ab980c4c846c" providerId="ADAL" clId="{0D4E4E2D-7689-40CB-9490-728AD9C97B9D}" dt="2024-05-26T18:30:44.819" v="0"/>
+        <pc:sldMkLst>
+          <pc:docMk/>
+          <pc:sldMk cId="250914193" sldId="260"/>
+        </pc:sldMkLst>
+      </pc:sldChg>
+      <pc:sldChg chg="modTransition">
+        <pc:chgData name="Martijn Oele" userId="c93323cb-61ba-4d55-a370-ab980c4c846c" providerId="ADAL" clId="{0D4E4E2D-7689-40CB-9490-728AD9C97B9D}" dt="2024-05-26T18:30:44.819" v="0"/>
+        <pc:sldMkLst>
+          <pc:docMk/>
+          <pc:sldMk cId="45723674" sldId="261"/>
+        </pc:sldMkLst>
+      </pc:sldChg>
+      <pc:sldChg chg="modTransition">
+        <pc:chgData name="Martijn Oele" userId="c93323cb-61ba-4d55-a370-ab980c4c846c" providerId="ADAL" clId="{0D4E4E2D-7689-40CB-9490-728AD9C97B9D}" dt="2024-05-26T18:30:44.819" v="0"/>
+        <pc:sldMkLst>
+          <pc:docMk/>
+          <pc:sldMk cId="3543060941" sldId="262"/>
+        </pc:sldMkLst>
+      </pc:sldChg>
+      <pc:sldChg chg="modTransition">
+        <pc:chgData name="Martijn Oele" userId="c93323cb-61ba-4d55-a370-ab980c4c846c" providerId="ADAL" clId="{0D4E4E2D-7689-40CB-9490-728AD9C97B9D}" dt="2024-05-26T18:30:44.819" v="0"/>
+        <pc:sldMkLst>
+          <pc:docMk/>
+          <pc:sldMk cId="2695715349" sldId="263"/>
+        </pc:sldMkLst>
+      </pc:sldChg>
+      <pc:sldChg chg="modTransition">
+        <pc:chgData name="Martijn Oele" userId="c93323cb-61ba-4d55-a370-ab980c4c846c" providerId="ADAL" clId="{0D4E4E2D-7689-40CB-9490-728AD9C97B9D}" dt="2024-05-26T18:30:44.819" v="0"/>
+        <pc:sldMkLst>
+          <pc:docMk/>
+          <pc:sldMk cId="3345334393" sldId="264"/>
+        </pc:sldMkLst>
+      </pc:sldChg>
+      <pc:sldChg chg="modTransition">
+        <pc:chgData name="Martijn Oele" userId="c93323cb-61ba-4d55-a370-ab980c4c846c" providerId="ADAL" clId="{0D4E4E2D-7689-40CB-9490-728AD9C97B9D}" dt="2024-05-26T18:30:44.819" v="0"/>
+        <pc:sldMkLst>
+          <pc:docMk/>
+          <pc:sldMk cId="1890579209" sldId="265"/>
+        </pc:sldMkLst>
+      </pc:sldChg>
+      <pc:sldChg chg="modTransition">
+        <pc:chgData name="Martijn Oele" userId="c93323cb-61ba-4d55-a370-ab980c4c846c" providerId="ADAL" clId="{0D4E4E2D-7689-40CB-9490-728AD9C97B9D}" dt="2024-05-26T18:30:44.819" v="0"/>
+        <pc:sldMkLst>
+          <pc:docMk/>
+          <pc:sldMk cId="1621567964" sldId="266"/>
+        </pc:sldMkLst>
+      </pc:sldChg>
+      <pc:sldChg chg="modTransition">
+        <pc:chgData name="Martijn Oele" userId="c93323cb-61ba-4d55-a370-ab980c4c846c" providerId="ADAL" clId="{0D4E4E2D-7689-40CB-9490-728AD9C97B9D}" dt="2024-05-26T18:30:44.819" v="0"/>
+        <pc:sldMkLst>
+          <pc:docMk/>
+          <pc:sldMk cId="2730127437" sldId="268"/>
+        </pc:sldMkLst>
+      </pc:sldChg>
+      <pc:sldChg chg="modTransition">
+        <pc:chgData name="Martijn Oele" userId="c93323cb-61ba-4d55-a370-ab980c4c846c" providerId="ADAL" clId="{0D4E4E2D-7689-40CB-9490-728AD9C97B9D}" dt="2024-05-26T18:30:44.819" v="0"/>
+        <pc:sldMkLst>
+          <pc:docMk/>
+          <pc:sldMk cId="3322853809" sldId="269"/>
+        </pc:sldMkLst>
+      </pc:sldChg>
+      <pc:sldChg chg="modTransition">
+        <pc:chgData name="Martijn Oele" userId="c93323cb-61ba-4d55-a370-ab980c4c846c" providerId="ADAL" clId="{0D4E4E2D-7689-40CB-9490-728AD9C97B9D}" dt="2024-05-26T18:30:44.819" v="0"/>
+        <pc:sldMkLst>
+          <pc:docMk/>
+          <pc:sldMk cId="2212627288" sldId="270"/>
+        </pc:sldMkLst>
+      </pc:sldChg>
     </pc:docChg>
   </pc:docChgLst>
 </pc:chgInfo>
@@ -1906,7 +2030,7 @@
           <a:p>
             <a:fld id="{AB665A03-41AD-4B62-AC5C-7465C7882560}" type="datetime8">
               <a:rPr lang="en-NL" smtClean="0"/>
-              <a:t>26/05/2024 16:28</a:t>
+              <a:t>26/05/2024 20:30</a:t>
             </a:fld>
             <a:endParaRPr lang="en-NL"/>
           </a:p>
@@ -2106,7 +2230,7 @@
           <a:p>
             <a:fld id="{D2CE5D1E-AB27-49F4-A71C-FEC85572B4DB}" type="datetime8">
               <a:rPr lang="en-NL" smtClean="0"/>
-              <a:t>26/05/2024 16:28</a:t>
+              <a:t>26/05/2024 20:30</a:t>
             </a:fld>
             <a:endParaRPr lang="en-NL"/>
           </a:p>
@@ -2316,7 +2440,7 @@
           <a:p>
             <a:fld id="{76A2EAB2-EE27-46BB-BE28-C77B15B51583}" type="datetime8">
               <a:rPr lang="en-NL" smtClean="0"/>
-              <a:t>26/05/2024 16:28</a:t>
+              <a:t>26/05/2024 20:30</a:t>
             </a:fld>
             <a:endParaRPr lang="en-NL"/>
           </a:p>
@@ -2516,7 +2640,7 @@
           <a:p>
             <a:fld id="{8799EA89-3441-4AD8-B0E2-81E7F841C0C8}" type="datetime8">
               <a:rPr lang="en-NL" smtClean="0"/>
-              <a:t>26/05/2024 16:28</a:t>
+              <a:t>26/05/2024 20:30</a:t>
             </a:fld>
             <a:endParaRPr lang="en-NL"/>
           </a:p>
@@ -2792,7 +2916,7 @@
           <a:p>
             <a:fld id="{4F3998DE-9D4F-44F0-9753-6EACE41055FB}" type="datetime8">
               <a:rPr lang="en-NL" smtClean="0"/>
-              <a:t>26/05/2024 16:28</a:t>
+              <a:t>26/05/2024 20:30</a:t>
             </a:fld>
             <a:endParaRPr lang="en-NL"/>
           </a:p>
@@ -3060,7 +3184,7 @@
           <a:p>
             <a:fld id="{5D1EF520-AB7E-4799-BAAF-3B4F86507ACA}" type="datetime8">
               <a:rPr lang="en-NL" smtClean="0"/>
-              <a:t>26/05/2024 16:28</a:t>
+              <a:t>26/05/2024 20:30</a:t>
             </a:fld>
             <a:endParaRPr lang="en-NL"/>
           </a:p>
@@ -3475,7 +3599,7 @@
           <a:p>
             <a:fld id="{87FA0F38-53A5-4861-9820-92EC3D8B540C}" type="datetime8">
               <a:rPr lang="en-NL" smtClean="0"/>
-              <a:t>26/05/2024 16:28</a:t>
+              <a:t>26/05/2024 20:30</a:t>
             </a:fld>
             <a:endParaRPr lang="en-NL"/>
           </a:p>
@@ -3617,7 +3741,7 @@
           <a:p>
             <a:fld id="{7610EB54-7389-4689-8909-B219C709D18C}" type="datetime8">
               <a:rPr lang="en-NL" smtClean="0"/>
-              <a:t>26/05/2024 16:28</a:t>
+              <a:t>26/05/2024 20:30</a:t>
             </a:fld>
             <a:endParaRPr lang="en-NL"/>
           </a:p>
@@ -3730,7 +3854,7 @@
           <a:p>
             <a:fld id="{2AF4500C-CAFF-4824-8F4D-B0F9FD41FD6D}" type="datetime8">
               <a:rPr lang="en-NL" smtClean="0"/>
-              <a:t>26/05/2024 16:28</a:t>
+              <a:t>26/05/2024 20:30</a:t>
             </a:fld>
             <a:endParaRPr lang="en-NL"/>
           </a:p>
@@ -4043,7 +4167,7 @@
           <a:p>
             <a:fld id="{79AA8484-8842-4F97-AC0D-29DD15A18A58}" type="datetime8">
               <a:rPr lang="en-NL" smtClean="0"/>
-              <a:t>26/05/2024 16:28</a:t>
+              <a:t>26/05/2024 20:30</a:t>
             </a:fld>
             <a:endParaRPr lang="en-NL"/>
           </a:p>
@@ -4332,7 +4456,7 @@
           <a:p>
             <a:fld id="{A626F83A-E09F-4A05-9B53-A5A1F2928E17}" type="datetime8">
               <a:rPr lang="en-NL" smtClean="0"/>
-              <a:t>26/05/2024 16:28</a:t>
+              <a:t>26/05/2024 20:30</a:t>
             </a:fld>
             <a:endParaRPr lang="en-NL"/>
           </a:p>
@@ -4629,7 +4753,7 @@
           <a:p>
             <a:fld id="{4D8F415E-FDEA-4A00-88C3-DBF74FF60C54}" type="datetime8">
               <a:rPr lang="en-NL" smtClean="0"/>
-              <a:t>26/05/2024 16:28</a:t>
+              <a:t>26/05/2024 20:30</a:t>
             </a:fld>
             <a:endParaRPr lang="en-NL"/>
           </a:p>
@@ -5140,10 +5264,15 @@
             <p:ph type="subTitle" idx="1"/>
           </p:nvPr>
         </p:nvSpPr>
-        <p:spPr/>
+        <p:spPr>
+          <a:xfrm>
+            <a:off x="1524000" y="3602037"/>
+            <a:ext cx="9144000" cy="2594577"/>
+          </a:xfrm>
+        </p:spPr>
         <p:txBody>
           <a:bodyPr>
-            <a:normAutofit lnSpcReduction="10000"/>
+            <a:normAutofit/>
           </a:bodyPr>
           <a:lstStyle/>
           <a:p>
@@ -5181,6 +5310,12 @@
             <a:r>
               <a:rPr lang="en-US" dirty="0"/>
               <a:t>Machine Learning in Chemistry</a:t>
+            </a:r>
+          </a:p>
+          <a:p>
+            <a:r>
+              <a:rPr lang="en-US" dirty="0"/>
+              <a:t>27-5-2024</a:t>
             </a:r>
             <a:endParaRPr lang="en-NL" dirty="0"/>
           </a:p>
@@ -5225,6 +5360,18 @@
   <p:clrMapOvr>
     <a:masterClrMapping/>
   </p:clrMapOvr>
+  <mc:AlternateContent xmlns:mc="http://schemas.openxmlformats.org/markup-compatibility/2006">
+    <mc:Choice xmlns:p159="http://schemas.microsoft.com/office/powerpoint/2015/09/main" Requires="p159">
+      <p:transition xmlns:p14="http://schemas.microsoft.com/office/powerpoint/2010/main" spd="slow" p14:dur="2000">
+        <p159:morph option="byObject"/>
+      </p:transition>
+    </mc:Choice>
+    <mc:Fallback>
+      <p:transition spd="slow">
+        <p:fade/>
+      </p:transition>
+    </mc:Fallback>
+  </mc:AlternateContent>
 </p:sld>
 </file>
 
@@ -5357,13 +5504,13 @@
         </p:nvSpPr>
         <p:spPr>
           <a:xfrm>
-            <a:off x="838199" y="1825625"/>
+            <a:off x="838200" y="1473371"/>
             <a:ext cx="11268076" cy="2327276"/>
           </a:xfrm>
         </p:spPr>
         <p:txBody>
           <a:bodyPr numCol="2">
-            <a:normAutofit/>
+            <a:normAutofit lnSpcReduction="10000"/>
           </a:bodyPr>
           <a:lstStyle/>
           <a:p>
@@ -5385,6 +5532,9 @@
             <a:endParaRPr lang="en-US" dirty="0"/>
           </a:p>
           <a:p>
+            <a:endParaRPr lang="en-US" dirty="0"/>
+          </a:p>
+          <a:p>
             <a:r>
               <a:rPr lang="en-US" dirty="0"/>
               <a:t>Learning rate of 0,001</a:t>
@@ -5394,6 +5544,13 @@
             <a:r>
               <a:rPr lang="en-US" dirty="0"/>
               <a:t>Approximately 2.5 hours (CUDA)</a:t>
+            </a:r>
+          </a:p>
+          <a:p>
+            <a:pPr lvl="1"/>
+            <a:r>
+              <a:rPr lang="en-US" dirty="0"/>
+              <a:t>5,5 GB VRAM</a:t>
             </a:r>
           </a:p>
           <a:p>
@@ -5454,6 +5611,18 @@
   <p:clrMapOvr>
     <a:masterClrMapping/>
   </p:clrMapOvr>
+  <mc:AlternateContent xmlns:mc="http://schemas.openxmlformats.org/markup-compatibility/2006">
+    <mc:Choice xmlns:p159="http://schemas.microsoft.com/office/powerpoint/2015/09/main" Requires="p159">
+      <p:transition xmlns:p14="http://schemas.microsoft.com/office/powerpoint/2010/main" spd="slow" p14:dur="2000">
+        <p159:morph option="byObject"/>
+      </p:transition>
+    </mc:Choice>
+    <mc:Fallback>
+      <p:transition spd="slow">
+        <p:fade/>
+      </p:transition>
+    </mc:Fallback>
+  </mc:AlternateContent>
 </p:sld>
 </file>
 
@@ -5526,40 +5695,41 @@
           </a:xfrm>
         </p:spPr>
         <p:txBody>
-          <a:bodyPr/>
-          <a:lstStyle/>
-          <a:p>
-            <a:r>
-              <a:rPr lang="en-US" dirty="0"/>
-              <a:t>~85% valid smiles (n=10 000)</a:t>
+          <a:bodyPr>
+            <a:normAutofit/>
+          </a:bodyPr>
+          <a:lstStyle/>
+          <a:p>
+            <a:r>
+              <a:rPr lang="en-US" dirty="0"/>
+              <a:t>~85% valid SMILES (n=10 000)</a:t>
             </a:r>
           </a:p>
           <a:p>
             <a:pPr lvl="1"/>
             <a:r>
               <a:rPr lang="en-US" dirty="0"/>
-              <a:t>Temperature</a:t>
-            </a:r>
-          </a:p>
-          <a:p>
-            <a:pPr lvl="2"/>
-            <a:r>
-              <a:rPr lang="en-US" dirty="0"/>
-              <a:t>Higher less valid smiles</a:t>
-            </a:r>
-          </a:p>
-          <a:p>
-            <a:pPr lvl="2"/>
-            <a:r>
-              <a:rPr lang="en-US" dirty="0"/>
-              <a:t>Lower less more smiles</a:t>
-            </a:r>
-          </a:p>
-          <a:p>
-            <a:pPr lvl="2"/>
-            <a:r>
-              <a:rPr lang="en-US" dirty="0"/>
-              <a:t>Temperature of 1 used</a:t>
+              <a:t>Temperature of 1.</a:t>
+            </a:r>
+          </a:p>
+          <a:p>
+            <a:r>
+              <a:rPr lang="en-US" dirty="0"/>
+              <a:t>Literature 22 epochs </a:t>
+            </a:r>
+          </a:p>
+          <a:p>
+            <a:pPr lvl="1"/>
+            <a:r>
+              <a:rPr lang="en-US" dirty="0"/>
+              <a:t>~70% valid SMILES @ T=1,2</a:t>
+            </a:r>
+          </a:p>
+          <a:p>
+            <a:pPr lvl="1"/>
+            <a:r>
+              <a:rPr lang="en-US" dirty="0"/>
+              <a:t>~98% valid SMILES @ T=0,5</a:t>
             </a:r>
           </a:p>
           <a:p>
@@ -5657,6 +5827,58 @@
           </a:prstGeom>
         </p:spPr>
       </p:pic>
+      <p:sp>
+        <p:nvSpPr>
+          <p:cNvPr id="5" name="TextBox 4">
+            <a:extLst>
+              <a:ext uri="{FF2B5EF4-FFF2-40B4-BE49-F238E27FC236}">
+                <a16:creationId xmlns:a16="http://schemas.microsoft.com/office/drawing/2014/main" id="{34648250-D881-ABEE-942B-C9C516DE2273}"/>
+              </a:ext>
+            </a:extLst>
+          </p:cNvPr>
+          <p:cNvSpPr txBox="1"/>
+          <p:nvPr/>
+        </p:nvSpPr>
+        <p:spPr>
+          <a:xfrm>
+            <a:off x="4674393" y="6420405"/>
+            <a:ext cx="2843213" cy="369332"/>
+          </a:xfrm>
+          <a:prstGeom prst="rect">
+            <a:avLst/>
+          </a:prstGeom>
+          <a:noFill/>
+        </p:spPr>
+        <p:txBody>
+          <a:bodyPr wrap="square">
+            <a:spAutoFit/>
+          </a:bodyPr>
+          <a:lstStyle/>
+          <a:p>
+            <a:r>
+              <a:rPr lang="nl-NL" dirty="0" err="1">
+                <a:solidFill>
+                  <a:schemeClr val="bg1"/>
+                </a:solidFill>
+              </a:rPr>
+              <a:t>Gupta</a:t>
+            </a:r>
+            <a:r>
+              <a:rPr lang="nl-NL" dirty="0">
+                <a:solidFill>
+                  <a:schemeClr val="bg1"/>
+                </a:solidFill>
+              </a:rPr>
+              <a:t> et al. Mol. Inf. (2018)</a:t>
+            </a:r>
+            <a:endParaRPr lang="en-NL" dirty="0">
+              <a:solidFill>
+                <a:schemeClr val="bg1"/>
+              </a:solidFill>
+            </a:endParaRPr>
+          </a:p>
+        </p:txBody>
+      </p:sp>
     </p:spTree>
     <p:extLst>
       <p:ext uri="{BB962C8B-B14F-4D97-AF65-F5344CB8AC3E}">
@@ -5667,6 +5889,18 @@
   <p:clrMapOvr>
     <a:masterClrMapping/>
   </p:clrMapOvr>
+  <mc:AlternateContent xmlns:mc="http://schemas.openxmlformats.org/markup-compatibility/2006">
+    <mc:Choice xmlns:p159="http://schemas.microsoft.com/office/powerpoint/2015/09/main" Requires="p159">
+      <p:transition xmlns:p14="http://schemas.microsoft.com/office/powerpoint/2010/main" spd="slow" p14:dur="2000">
+        <p159:morph option="byObject"/>
+      </p:transition>
+    </mc:Choice>
+    <mc:Fallback>
+      <p:transition spd="slow">
+        <p:fade/>
+      </p:transition>
+    </mc:Fallback>
+  </mc:AlternateContent>
 </p:sld>
 </file>
 
@@ -5793,7 +6027,7 @@
             <a:pPr lvl="2"/>
             <a:r>
               <a:rPr lang="en-US" dirty="0"/>
-              <a:t>Generate 1 000 smiles</a:t>
+              <a:t>Generate 1 000 SMILES</a:t>
             </a:r>
           </a:p>
           <a:p>
@@ -6028,6 +6262,18 @@
   <p:clrMapOvr>
     <a:masterClrMapping/>
   </p:clrMapOvr>
+  <mc:AlternateContent xmlns:mc="http://schemas.openxmlformats.org/markup-compatibility/2006">
+    <mc:Choice xmlns:p159="http://schemas.microsoft.com/office/powerpoint/2015/09/main" Requires="p159">
+      <p:transition xmlns:p14="http://schemas.microsoft.com/office/powerpoint/2010/main" spd="slow" p14:dur="2000">
+        <p159:morph option="byObject"/>
+      </p:transition>
+    </mc:Choice>
+    <mc:Fallback>
+      <p:transition spd="slow">
+        <p:fade/>
+      </p:transition>
+    </mc:Fallback>
+  </mc:AlternateContent>
   <p:timing>
     <p:tnLst>
       <p:par>
@@ -6338,7 +6584,7 @@
         </p:blipFill>
         <p:spPr>
           <a:xfrm>
-            <a:off x="6760357" y="250688"/>
+            <a:off x="7266397" y="250688"/>
             <a:ext cx="3840000" cy="2880000"/>
           </a:xfrm>
           <a:prstGeom prst="rect">
@@ -6436,7 +6682,7 @@
             <a:pPr lvl="1"/>
             <a:r>
               <a:rPr lang="en-US" dirty="0"/>
-              <a:t>Generate 1 000</a:t>
+              <a:t>Generate 1 000 SMILES</a:t>
             </a:r>
           </a:p>
           <a:p>
@@ -6521,42 +6767,6 @@
           </a:p>
         </p:txBody>
       </p:sp>
-      <p:pic>
-        <p:nvPicPr>
-          <p:cNvPr id="16" name="Picture 15" descr="A graph of a number of smiles&#10;&#10;Description automatically generated">
-            <a:extLst>
-              <a:ext uri="{FF2B5EF4-FFF2-40B4-BE49-F238E27FC236}">
-                <a16:creationId xmlns:a16="http://schemas.microsoft.com/office/drawing/2014/main" id="{2813DE9F-8D64-E0A3-46AE-F0F810183748}"/>
-              </a:ext>
-            </a:extLst>
-          </p:cNvPr>
-          <p:cNvPicPr>
-            <a:picLocks noChangeAspect="1"/>
-          </p:cNvPicPr>
-          <p:nvPr/>
-        </p:nvPicPr>
-        <p:blipFill>
-          <a:blip r:embed="rId7">
-            <a:extLst>
-              <a:ext uri="{28A0092B-C50C-407E-A947-70E740481C1C}">
-                <a14:useLocalDpi xmlns:a14="http://schemas.microsoft.com/office/drawing/2010/main" val="0"/>
-              </a:ext>
-            </a:extLst>
-          </a:blip>
-          <a:stretch>
-            <a:fillRect/>
-          </a:stretch>
-        </p:blipFill>
-        <p:spPr>
-          <a:xfrm>
-            <a:off x="6760357" y="3202600"/>
-            <a:ext cx="3840000" cy="2880000"/>
-          </a:xfrm>
-          <a:prstGeom prst="rect">
-            <a:avLst/>
-          </a:prstGeom>
-        </p:spPr>
-      </p:pic>
       <p:sp>
         <p:nvSpPr>
           <p:cNvPr id="14" name="TextBox 13">
@@ -6613,6 +6823,42 @@
           </a:p>
         </p:txBody>
       </p:sp>
+      <p:pic>
+        <p:nvPicPr>
+          <p:cNvPr id="6" name="Picture 5" descr="A graph of a blue line&#10;&#10;Description automatically generated with medium confidence">
+            <a:extLst>
+              <a:ext uri="{FF2B5EF4-FFF2-40B4-BE49-F238E27FC236}">
+                <a16:creationId xmlns:a16="http://schemas.microsoft.com/office/drawing/2014/main" id="{4E6B0D5A-44A3-6A66-D7BF-7DFF511A276E}"/>
+              </a:ext>
+            </a:extLst>
+          </p:cNvPr>
+          <p:cNvPicPr>
+            <a:picLocks noChangeAspect="1"/>
+          </p:cNvPicPr>
+          <p:nvPr/>
+        </p:nvPicPr>
+        <p:blipFill>
+          <a:blip r:embed="rId7">
+            <a:extLst>
+              <a:ext uri="{28A0092B-C50C-407E-A947-70E740481C1C}">
+                <a14:useLocalDpi xmlns:a14="http://schemas.microsoft.com/office/drawing/2010/main" val="0"/>
+              </a:ext>
+            </a:extLst>
+          </a:blip>
+          <a:stretch>
+            <a:fillRect/>
+          </a:stretch>
+        </p:blipFill>
+        <p:spPr>
+          <a:xfrm>
+            <a:off x="7255866" y="3256544"/>
+            <a:ext cx="3840000" cy="2880000"/>
+          </a:xfrm>
+          <a:prstGeom prst="rect">
+            <a:avLst/>
+          </a:prstGeom>
+        </p:spPr>
+      </p:pic>
     </p:spTree>
     <p:extLst>
       <p:ext uri="{BB962C8B-B14F-4D97-AF65-F5344CB8AC3E}">
@@ -6623,6 +6869,18 @@
   <p:clrMapOvr>
     <a:masterClrMapping/>
   </p:clrMapOvr>
+  <mc:AlternateContent xmlns:mc="http://schemas.openxmlformats.org/markup-compatibility/2006">
+    <mc:Choice xmlns:p159="http://schemas.microsoft.com/office/powerpoint/2015/09/main" Requires="p159">
+      <p:transition xmlns:p14="http://schemas.microsoft.com/office/powerpoint/2010/main" spd="slow" p14:dur="2000">
+        <p159:morph option="byObject"/>
+      </p:transition>
+    </mc:Choice>
+    <mc:Fallback>
+      <p:transition spd="slow">
+        <p:fade/>
+      </p:transition>
+    </mc:Fallback>
+  </mc:AlternateContent>
   <p:timing>
     <p:tnLst>
       <p:par>
@@ -6765,7 +7023,7 @@
                                           </p:stCondLst>
                                         </p:cTn>
                                         <p:tgtEl>
-                                          <p:spTgt spid="16"/>
+                                          <p:spTgt spid="6"/>
                                         </p:tgtEl>
                                         <p:attrNameLst>
                                           <p:attrName>style.visibility</p:attrName>
@@ -6888,14 +7146,19 @@
           <a:p>
             <a:r>
               <a:rPr lang="en-US" dirty="0"/>
-              <a:t>LSTM RNN can be used to sample (valid) smiles</a:t>
-            </a:r>
+              <a:t>LSTM RNN can be used to sample (valid</a:t>
+            </a:r>
+            <a:r>
+              <a:rPr lang="en-US"/>
+              <a:t>) SMILES</a:t>
+            </a:r>
+            <a:endParaRPr lang="en-US" dirty="0"/>
           </a:p>
           <a:p>
             <a:pPr lvl="1"/>
             <a:r>
               <a:rPr lang="en-US" dirty="0"/>
-              <a:t>Training with (new) target data has been used</a:t>
+              <a:t>Post training with (new) target data has been used</a:t>
             </a:r>
           </a:p>
           <a:p>
@@ -6993,6 +7256,18 @@
   <p:clrMapOvr>
     <a:masterClrMapping/>
   </p:clrMapOvr>
+  <mc:AlternateContent xmlns:mc="http://schemas.openxmlformats.org/markup-compatibility/2006">
+    <mc:Choice xmlns:p159="http://schemas.microsoft.com/office/powerpoint/2015/09/main" Requires="p159">
+      <p:transition xmlns:p14="http://schemas.microsoft.com/office/powerpoint/2010/main" spd="slow" p14:dur="2000">
+        <p159:morph option="byObject"/>
+      </p:transition>
+    </mc:Choice>
+    <mc:Fallback>
+      <p:transition spd="slow">
+        <p:fade/>
+      </p:transition>
+    </mc:Fallback>
+  </mc:AlternateContent>
 </p:sld>
 </file>
 
@@ -7128,6 +7403,18 @@
   <p:clrMapOvr>
     <a:masterClrMapping/>
   </p:clrMapOvr>
+  <mc:AlternateContent xmlns:mc="http://schemas.openxmlformats.org/markup-compatibility/2006">
+    <mc:Choice xmlns:p159="http://schemas.microsoft.com/office/powerpoint/2015/09/main" Requires="p159">
+      <p:transition xmlns:p14="http://schemas.microsoft.com/office/powerpoint/2010/main" spd="slow" p14:dur="2000">
+        <p159:morph option="byObject"/>
+      </p:transition>
+    </mc:Choice>
+    <mc:Fallback>
+      <p:transition spd="slow">
+        <p:fade/>
+      </p:transition>
+    </mc:Fallback>
+  </mc:AlternateContent>
 </p:sld>
 </file>
 
@@ -7205,6 +7492,12 @@
           <a:p>
             <a:r>
               <a:rPr lang="en-US" dirty="0"/>
+              <a:t>Sequential generation</a:t>
+            </a:r>
+          </a:p>
+          <a:p>
+            <a:r>
+              <a:rPr lang="en-US" dirty="0"/>
               <a:t>Retention of past information</a:t>
             </a:r>
           </a:p>
@@ -7327,7 +7620,7 @@
         </p:blipFill>
         <p:spPr>
           <a:xfrm>
-            <a:off x="8907603" y="68263"/>
+            <a:off x="8175750" y="269458"/>
             <a:ext cx="3011463" cy="2779035"/>
           </a:xfrm>
           <a:prstGeom prst="rect">
@@ -7444,6 +7737,18 @@
   <p:clrMapOvr>
     <a:masterClrMapping/>
   </p:clrMapOvr>
+  <mc:AlternateContent xmlns:mc="http://schemas.openxmlformats.org/markup-compatibility/2006">
+    <mc:Choice xmlns:p159="http://schemas.microsoft.com/office/powerpoint/2015/09/main" Requires="p159">
+      <p:transition xmlns:p14="http://schemas.microsoft.com/office/powerpoint/2010/main" spd="slow" p14:dur="2000">
+        <p159:morph option="byObject"/>
+      </p:transition>
+    </mc:Choice>
+    <mc:Fallback>
+      <p:transition spd="slow">
+        <p:fade/>
+      </p:transition>
+    </mc:Fallback>
+  </mc:AlternateContent>
 </p:sld>
 </file>
 
@@ -7775,8 +8080,8 @@
           </a:p>
         </p:txBody>
       </p:sp>
-      <mc:AlternateContent xmlns:mc="http://schemas.openxmlformats.org/markup-compatibility/2006">
-        <mc:Choice xmlns:a14="http://schemas.microsoft.com/office/drawing/2010/main" Requires="a14">
+      <mc:AlternateContent xmlns:mc="http://schemas.openxmlformats.org/markup-compatibility/2006" xmlns:a14="http://schemas.microsoft.com/office/drawing/2010/main">
+        <mc:Choice Requires="a14">
           <p:sp>
             <p:nvSpPr>
               <p:cNvPr id="7" name="TextBox 6">
@@ -7805,6 +8110,7 @@
               </a:bodyPr>
               <a:lstStyle/>
               <a:p>
+                <a:pPr/>
                 <a14:m>
                   <m:oMathPara xmlns:m="http://schemas.openxmlformats.org/officeDocument/2006/math">
                     <m:oMathParaPr>
@@ -7975,7 +8281,7 @@
             </p:txBody>
           </p:sp>
         </mc:Choice>
-        <mc:Fallback>
+        <mc:Fallback xmlns="">
           <p:sp>
             <p:nvSpPr>
               <p:cNvPr id="7" name="TextBox 6">
@@ -8356,6 +8662,18 @@
   <p:clrMapOvr>
     <a:masterClrMapping/>
   </p:clrMapOvr>
+  <mc:AlternateContent xmlns:mc="http://schemas.openxmlformats.org/markup-compatibility/2006">
+    <mc:Choice xmlns:p159="http://schemas.microsoft.com/office/powerpoint/2015/09/main" Requires="p159">
+      <p:transition xmlns:p14="http://schemas.microsoft.com/office/powerpoint/2010/main" spd="slow" p14:dur="2000">
+        <p159:morph option="byObject"/>
+      </p:transition>
+    </mc:Choice>
+    <mc:Fallback>
+      <p:transition spd="slow">
+        <p:fade/>
+      </p:transition>
+    </mc:Fallback>
+  </mc:AlternateContent>
 </p:sld>
 </file>
 
@@ -9152,6 +9470,18 @@
   <p:clrMapOvr>
     <a:masterClrMapping/>
   </p:clrMapOvr>
+  <mc:AlternateContent xmlns:mc="http://schemas.openxmlformats.org/markup-compatibility/2006">
+    <mc:Choice xmlns:p159="http://schemas.microsoft.com/office/powerpoint/2015/09/main" Requires="p159">
+      <p:transition xmlns:p14="http://schemas.microsoft.com/office/powerpoint/2010/main" spd="slow" p14:dur="2000">
+        <p159:morph option="byObject"/>
+      </p:transition>
+    </mc:Choice>
+    <mc:Fallback>
+      <p:transition spd="slow">
+        <p:fade/>
+      </p:transition>
+    </mc:Fallback>
+  </mc:AlternateContent>
 </p:sld>
 </file>
 
@@ -9224,7 +9554,9 @@
           </a:xfrm>
         </p:spPr>
         <p:txBody>
-          <a:bodyPr/>
+          <a:bodyPr>
+            <a:normAutofit/>
+          </a:bodyPr>
           <a:lstStyle/>
           <a:p>
             <a:r>
@@ -9243,6 +9575,13 @@
             <a:pPr lvl="1"/>
             <a:r>
               <a:rPr lang="en-US" dirty="0"/>
+              <a:t>Input number of unique tokens</a:t>
+            </a:r>
+          </a:p>
+          <a:p>
+            <a:pPr lvl="1"/>
+            <a:r>
+              <a:rPr lang="en-US" dirty="0"/>
               <a:t>256 hidden features (h)</a:t>
             </a:r>
           </a:p>
@@ -9250,7 +9589,7 @@
             <a:pPr lvl="1"/>
             <a:r>
               <a:rPr lang="en-US" dirty="0"/>
-              <a:t>First layer 0.5 dropout second 0.3</a:t>
+              <a:t>First 0.5 and second 0.3 dropout</a:t>
             </a:r>
           </a:p>
           <a:p>
@@ -9969,6 +10308,18 @@
   <p:clrMapOvr>
     <a:masterClrMapping/>
   </p:clrMapOvr>
+  <mc:AlternateContent xmlns:mc="http://schemas.openxmlformats.org/markup-compatibility/2006">
+    <mc:Choice xmlns:p159="http://schemas.microsoft.com/office/powerpoint/2015/09/main" Requires="p159">
+      <p:transition xmlns:p14="http://schemas.microsoft.com/office/powerpoint/2010/main" spd="slow" p14:dur="2000">
+        <p159:morph option="byObject"/>
+      </p:transition>
+    </mc:Choice>
+    <mc:Fallback>
+      <p:transition spd="slow">
+        <p:fade/>
+      </p:transition>
+    </mc:Fallback>
+  </mc:AlternateContent>
 </p:sld>
 </file>
 
@@ -10059,7 +10410,7 @@
             <a:pPr lvl="1"/>
             <a:r>
               <a:rPr lang="en-US" dirty="0"/>
-              <a:t>542 673 (canonical) smiles</a:t>
+              <a:t>542 673 (canonical) SMILES</a:t>
             </a:r>
           </a:p>
           <a:p>
@@ -10231,6 +10582,18 @@
   <p:clrMapOvr>
     <a:masterClrMapping/>
   </p:clrMapOvr>
+  <mc:AlternateContent xmlns:mc="http://schemas.openxmlformats.org/markup-compatibility/2006">
+    <mc:Choice xmlns:p159="http://schemas.microsoft.com/office/powerpoint/2015/09/main" Requires="p159">
+      <p:transition xmlns:p14="http://schemas.microsoft.com/office/powerpoint/2010/main" spd="slow" p14:dur="2000">
+        <p159:morph option="byObject"/>
+      </p:transition>
+    </mc:Choice>
+    <mc:Fallback>
+      <p:transition spd="slow">
+        <p:fade/>
+      </p:transition>
+    </mc:Fallback>
+  </mc:AlternateContent>
 </p:sld>
 </file>
 
@@ -10864,6 +11227,18 @@
   <p:clrMapOvr>
     <a:masterClrMapping/>
   </p:clrMapOvr>
+  <mc:AlternateContent xmlns:mc="http://schemas.openxmlformats.org/markup-compatibility/2006">
+    <mc:Choice xmlns:p159="http://schemas.microsoft.com/office/powerpoint/2015/09/main" Requires="p159">
+      <p:transition xmlns:p14="http://schemas.microsoft.com/office/powerpoint/2010/main" spd="slow" p14:dur="2000">
+        <p159:morph option="byObject"/>
+      </p:transition>
+    </mc:Choice>
+    <mc:Fallback>
+      <p:transition spd="slow">
+        <p:fade/>
+      </p:transition>
+    </mc:Fallback>
+  </mc:AlternateContent>
 </p:sld>
 </file>
 
@@ -10941,14 +11316,14 @@
           <a:p>
             <a:r>
               <a:rPr lang="en-US" dirty="0"/>
-              <a:t>Rewarded preferred properties</a:t>
+              <a:t>Reward preferred properties</a:t>
             </a:r>
           </a:p>
           <a:p>
             <a:pPr lvl="1"/>
             <a:r>
               <a:rPr lang="en-US" dirty="0"/>
-              <a:t>Punished for large loss</a:t>
+              <a:t>Penalty for large loss</a:t>
             </a:r>
           </a:p>
           <a:p>
@@ -11018,8 +11393,8 @@
           </a:p>
         </p:txBody>
       </p:sp>
-      <mc:AlternateContent xmlns:mc="http://schemas.openxmlformats.org/markup-compatibility/2006">
-        <mc:Choice xmlns:a14="http://schemas.microsoft.com/office/drawing/2010/main" Requires="a14">
+      <mc:AlternateContent xmlns:mc="http://schemas.openxmlformats.org/markup-compatibility/2006" xmlns:a14="http://schemas.microsoft.com/office/drawing/2010/main">
+        <mc:Choice Requires="a14">
           <p:sp>
             <p:nvSpPr>
               <p:cNvPr id="5" name="TextBox 4">
@@ -11097,7 +11472,7 @@
             </p:txBody>
           </p:sp>
         </mc:Choice>
-        <mc:Fallback>
+        <mc:Fallback xmlns="">
           <p:sp>
             <p:nvSpPr>
               <p:cNvPr id="5" name="TextBox 4">
@@ -11340,6 +11715,18 @@
   <p:clrMapOvr>
     <a:masterClrMapping/>
   </p:clrMapOvr>
+  <mc:AlternateContent xmlns:mc="http://schemas.openxmlformats.org/markup-compatibility/2006">
+    <mc:Choice xmlns:p159="http://schemas.microsoft.com/office/powerpoint/2015/09/main" Requires="p159">
+      <p:transition xmlns:p14="http://schemas.microsoft.com/office/powerpoint/2010/main" spd="slow" p14:dur="2000">
+        <p159:morph option="byObject"/>
+      </p:transition>
+    </mc:Choice>
+    <mc:Fallback>
+      <p:transition spd="slow">
+        <p:fade/>
+      </p:transition>
+    </mc:Fallback>
+  </mc:AlternateContent>
 </p:sld>
 </file>
 
